--- a/Slides/10 泛型程序设计与C++标准模板.pptx
+++ b/Slides/10 泛型程序设计与C++标准模板.pptx
@@ -2,7 +2,7 @@
 <file path=ppt/presentation.xml><?xml version="1.0" encoding="utf-8"?>
 <p:presentation xmlns:a="http://schemas.openxmlformats.org/drawingml/2006/main" xmlns:r="http://schemas.openxmlformats.org/officeDocument/2006/relationships" xmlns:p="http://schemas.openxmlformats.org/presentationml/2006/main" saveSubsetFonts="1">
   <p:sldMasterIdLst>
-    <p:sldMasterId id="2147483648" r:id="rId1"/>
+    <p:sldMasterId id="2147483660" r:id="rId1"/>
   </p:sldMasterIdLst>
   <p:notesMasterIdLst>
     <p:notesMasterId r:id="rId28"/>
@@ -35,7 +35,7 @@
     <p:sldId id="281" r:id="rId26"/>
     <p:sldId id="282" r:id="rId27"/>
   </p:sldIdLst>
-  <p:sldSz cx="9144000" cy="6858000" type="screen4x3"/>
+  <p:sldSz cx="9144000" cy="5143500" type="screen16x9"/>
   <p:notesSz cx="6858000" cy="9144000"/>
   <p:defaultTextStyle>
     <a:defPPr>
@@ -217,7 +217,7 @@
           <a:p>
             <a:fld id="{427BD0A2-6C96-42C7-ACEB-9B370F387CED}" type="datetimeFigureOut">
               <a:rPr lang="zh-CN" altLang="en-US" smtClean="0"/>
-              <a:t>2017/9/5</a:t>
+              <a:t>2017/11/24</a:t>
             </a:fld>
             <a:endParaRPr lang="zh-CN" altLang="en-US"/>
           </a:p>
@@ -235,8 +235,8 @@
         </p:nvSpPr>
         <p:spPr>
           <a:xfrm>
-            <a:off x="1143000" y="685800"/>
-            <a:ext cx="4572000" cy="3429000"/>
+            <a:off x="381000" y="685800"/>
+            <a:ext cx="6096000" cy="3429000"/>
           </a:xfrm>
           <a:prstGeom prst="rect">
             <a:avLst/>
@@ -532,13 +532,17 @@
         <p:nvSpPr>
           <p:cNvPr id="6146" name="Rectangle 2"/>
           <p:cNvSpPr>
-            <a:spLocks noRot="1" noChangeArrowheads="1" noTextEdit="1"/>
+            <a:spLocks noGrp="1" noRot="1" noChangeAspect="1" noChangeArrowheads="1" noTextEdit="1"/>
           </p:cNvSpPr>
           <p:nvPr>
             <p:ph type="sldImg"/>
           </p:nvPr>
         </p:nvSpPr>
         <p:spPr>
+          <a:xfrm>
+            <a:off x="381000" y="685800"/>
+            <a:ext cx="6096000" cy="3429000"/>
+          </a:xfrm>
           <a:ln cap="flat"/>
         </p:spPr>
       </p:sp>
@@ -1930,13 +1934,17 @@
         <p:nvSpPr>
           <p:cNvPr id="24578" name="Rectangle 2"/>
           <p:cNvSpPr>
-            <a:spLocks noRot="1" noChangeArrowheads="1" noTextEdit="1"/>
+            <a:spLocks noGrp="1" noRot="1" noChangeAspect="1" noChangeArrowheads="1" noTextEdit="1"/>
           </p:cNvSpPr>
           <p:nvPr>
             <p:ph type="sldImg"/>
           </p:nvPr>
         </p:nvSpPr>
         <p:spPr>
+          <a:xfrm>
+            <a:off x="381000" y="685800"/>
+            <a:ext cx="6096000" cy="3429000"/>
+          </a:xfrm>
           <a:ln cap="flat"/>
         </p:spPr>
       </p:sp>
@@ -2014,13 +2022,17 @@
         <p:nvSpPr>
           <p:cNvPr id="26626" name="Rectangle 2"/>
           <p:cNvSpPr>
-            <a:spLocks noRot="1" noChangeArrowheads="1" noTextEdit="1"/>
+            <a:spLocks noGrp="1" noRot="1" noChangeAspect="1" noChangeArrowheads="1" noTextEdit="1"/>
           </p:cNvSpPr>
           <p:nvPr>
             <p:ph type="sldImg"/>
           </p:nvPr>
         </p:nvSpPr>
         <p:spPr>
+          <a:xfrm>
+            <a:off x="381000" y="685800"/>
+            <a:ext cx="6096000" cy="3429000"/>
+          </a:xfrm>
           <a:ln cap="flat"/>
         </p:spPr>
       </p:sp>
@@ -2098,13 +2110,17 @@
         <p:nvSpPr>
           <p:cNvPr id="28674" name="Rectangle 2"/>
           <p:cNvSpPr>
-            <a:spLocks noRot="1" noChangeArrowheads="1" noTextEdit="1"/>
+            <a:spLocks noGrp="1" noRot="1" noChangeAspect="1" noChangeArrowheads="1" noTextEdit="1"/>
           </p:cNvSpPr>
           <p:nvPr>
             <p:ph type="sldImg"/>
           </p:nvPr>
         </p:nvSpPr>
         <p:spPr>
+          <a:xfrm>
+            <a:off x="381000" y="685800"/>
+            <a:ext cx="6096000" cy="3429000"/>
+          </a:xfrm>
           <a:ln cap="flat"/>
         </p:spPr>
       </p:sp>
@@ -2182,13 +2198,17 @@
         <p:nvSpPr>
           <p:cNvPr id="30722" name="Rectangle 2"/>
           <p:cNvSpPr>
-            <a:spLocks noRot="1" noChangeArrowheads="1" noTextEdit="1"/>
+            <a:spLocks noGrp="1" noRot="1" noChangeAspect="1" noChangeArrowheads="1" noTextEdit="1"/>
           </p:cNvSpPr>
           <p:nvPr>
             <p:ph type="sldImg"/>
           </p:nvPr>
         </p:nvSpPr>
         <p:spPr>
+          <a:xfrm>
+            <a:off x="381000" y="685800"/>
+            <a:ext cx="6096000" cy="3429000"/>
+          </a:xfrm>
           <a:ln cap="flat"/>
         </p:spPr>
       </p:sp>
@@ -2266,13 +2286,17 @@
         <p:nvSpPr>
           <p:cNvPr id="32770" name="Rectangle 2"/>
           <p:cNvSpPr>
-            <a:spLocks noRot="1" noChangeArrowheads="1" noTextEdit="1"/>
+            <a:spLocks noGrp="1" noRot="1" noChangeAspect="1" noChangeArrowheads="1" noTextEdit="1"/>
           </p:cNvSpPr>
           <p:nvPr>
             <p:ph type="sldImg"/>
           </p:nvPr>
         </p:nvSpPr>
         <p:spPr>
+          <a:xfrm>
+            <a:off x="381000" y="685800"/>
+            <a:ext cx="6096000" cy="3429000"/>
+          </a:xfrm>
           <a:ln cap="flat"/>
         </p:spPr>
       </p:sp>
@@ -2350,13 +2374,17 @@
         <p:nvSpPr>
           <p:cNvPr id="34818" name="Rectangle 2"/>
           <p:cNvSpPr>
-            <a:spLocks noRot="1" noChangeArrowheads="1" noTextEdit="1"/>
+            <a:spLocks noGrp="1" noRot="1" noChangeAspect="1" noChangeArrowheads="1" noTextEdit="1"/>
           </p:cNvSpPr>
           <p:nvPr>
             <p:ph type="sldImg"/>
           </p:nvPr>
         </p:nvSpPr>
         <p:spPr>
+          <a:xfrm>
+            <a:off x="381000" y="685800"/>
+            <a:ext cx="6096000" cy="3429000"/>
+          </a:xfrm>
           <a:ln cap="flat"/>
         </p:spPr>
       </p:sp>
@@ -2434,13 +2462,17 @@
         <p:nvSpPr>
           <p:cNvPr id="36866" name="Rectangle 2"/>
           <p:cNvSpPr>
-            <a:spLocks noRot="1" noChangeArrowheads="1" noTextEdit="1"/>
+            <a:spLocks noGrp="1" noRot="1" noChangeAspect="1" noChangeArrowheads="1" noTextEdit="1"/>
           </p:cNvSpPr>
           <p:nvPr>
             <p:ph type="sldImg"/>
           </p:nvPr>
         </p:nvSpPr>
         <p:spPr>
+          <a:xfrm>
+            <a:off x="381000" y="685800"/>
+            <a:ext cx="6096000" cy="3429000"/>
+          </a:xfrm>
           <a:ln cap="flat"/>
         </p:spPr>
       </p:sp>
@@ -2518,13 +2550,17 @@
         <p:nvSpPr>
           <p:cNvPr id="38914" name="Rectangle 2"/>
           <p:cNvSpPr>
-            <a:spLocks noRot="1" noChangeArrowheads="1" noTextEdit="1"/>
+            <a:spLocks noGrp="1" noRot="1" noChangeAspect="1" noChangeArrowheads="1" noTextEdit="1"/>
           </p:cNvSpPr>
           <p:nvPr>
             <p:ph type="sldImg"/>
           </p:nvPr>
         </p:nvSpPr>
         <p:spPr>
+          <a:xfrm>
+            <a:off x="381000" y="685800"/>
+            <a:ext cx="6096000" cy="3429000"/>
+          </a:xfrm>
           <a:ln cap="flat"/>
         </p:spPr>
       </p:sp>
@@ -2602,13 +2638,17 @@
         <p:nvSpPr>
           <p:cNvPr id="40962" name="Rectangle 2"/>
           <p:cNvSpPr>
-            <a:spLocks noRot="1" noChangeArrowheads="1" noTextEdit="1"/>
+            <a:spLocks noGrp="1" noRot="1" noChangeAspect="1" noChangeArrowheads="1" noTextEdit="1"/>
           </p:cNvSpPr>
           <p:nvPr>
             <p:ph type="sldImg"/>
           </p:nvPr>
         </p:nvSpPr>
         <p:spPr>
+          <a:xfrm>
+            <a:off x="381000" y="685800"/>
+            <a:ext cx="6096000" cy="3429000"/>
+          </a:xfrm>
           <a:ln cap="flat"/>
         </p:spPr>
       </p:sp>
@@ -2686,13 +2726,17 @@
         <p:nvSpPr>
           <p:cNvPr id="43010" name="Rectangle 2"/>
           <p:cNvSpPr>
-            <a:spLocks noRot="1" noChangeArrowheads="1" noTextEdit="1"/>
+            <a:spLocks noGrp="1" noRot="1" noChangeAspect="1" noChangeArrowheads="1" noTextEdit="1"/>
           </p:cNvSpPr>
           <p:nvPr>
             <p:ph type="sldImg"/>
           </p:nvPr>
         </p:nvSpPr>
         <p:spPr>
+          <a:xfrm>
+            <a:off x="381000" y="685800"/>
+            <a:ext cx="6096000" cy="3429000"/>
+          </a:xfrm>
           <a:ln cap="flat"/>
         </p:spPr>
       </p:sp>
@@ -2770,13 +2814,17 @@
         <p:nvSpPr>
           <p:cNvPr id="8194" name="Rectangle 2"/>
           <p:cNvSpPr>
-            <a:spLocks noRot="1" noChangeArrowheads="1" noTextEdit="1"/>
+            <a:spLocks noGrp="1" noRot="1" noChangeAspect="1" noChangeArrowheads="1" noTextEdit="1"/>
           </p:cNvSpPr>
           <p:nvPr>
             <p:ph type="sldImg"/>
           </p:nvPr>
         </p:nvSpPr>
         <p:spPr>
+          <a:xfrm>
+            <a:off x="381000" y="685800"/>
+            <a:ext cx="6096000" cy="3429000"/>
+          </a:xfrm>
           <a:ln cap="flat"/>
         </p:spPr>
       </p:sp>
@@ -2854,13 +2902,17 @@
         <p:nvSpPr>
           <p:cNvPr id="45058" name="Rectangle 2"/>
           <p:cNvSpPr>
-            <a:spLocks noRot="1" noChangeArrowheads="1" noTextEdit="1"/>
+            <a:spLocks noGrp="1" noRot="1" noChangeAspect="1" noChangeArrowheads="1" noTextEdit="1"/>
           </p:cNvSpPr>
           <p:nvPr>
             <p:ph type="sldImg"/>
           </p:nvPr>
         </p:nvSpPr>
         <p:spPr>
+          <a:xfrm>
+            <a:off x="381000" y="685800"/>
+            <a:ext cx="6096000" cy="3429000"/>
+          </a:xfrm>
           <a:ln cap="flat"/>
         </p:spPr>
       </p:sp>
@@ -2938,13 +2990,17 @@
         <p:nvSpPr>
           <p:cNvPr id="47106" name="Rectangle 2"/>
           <p:cNvSpPr>
-            <a:spLocks noRot="1" noChangeArrowheads="1" noTextEdit="1"/>
+            <a:spLocks noGrp="1" noRot="1" noChangeAspect="1" noChangeArrowheads="1" noTextEdit="1"/>
           </p:cNvSpPr>
           <p:nvPr>
             <p:ph type="sldImg"/>
           </p:nvPr>
         </p:nvSpPr>
         <p:spPr>
+          <a:xfrm>
+            <a:off x="381000" y="685800"/>
+            <a:ext cx="6096000" cy="3429000"/>
+          </a:xfrm>
           <a:ln cap="flat"/>
         </p:spPr>
       </p:sp>
@@ -3022,13 +3078,17 @@
         <p:nvSpPr>
           <p:cNvPr id="49154" name="Rectangle 2"/>
           <p:cNvSpPr>
-            <a:spLocks noRot="1" noChangeArrowheads="1" noTextEdit="1"/>
+            <a:spLocks noGrp="1" noRot="1" noChangeAspect="1" noChangeArrowheads="1" noTextEdit="1"/>
           </p:cNvSpPr>
           <p:nvPr>
             <p:ph type="sldImg"/>
           </p:nvPr>
         </p:nvSpPr>
         <p:spPr>
+          <a:xfrm>
+            <a:off x="381000" y="685800"/>
+            <a:ext cx="6096000" cy="3429000"/>
+          </a:xfrm>
           <a:ln cap="flat"/>
         </p:spPr>
       </p:sp>
@@ -3106,13 +3166,17 @@
         <p:nvSpPr>
           <p:cNvPr id="51202" name="Rectangle 2"/>
           <p:cNvSpPr>
-            <a:spLocks noRot="1" noChangeArrowheads="1" noTextEdit="1"/>
+            <a:spLocks noGrp="1" noRot="1" noChangeAspect="1" noChangeArrowheads="1" noTextEdit="1"/>
           </p:cNvSpPr>
           <p:nvPr>
             <p:ph type="sldImg"/>
           </p:nvPr>
         </p:nvSpPr>
         <p:spPr>
+          <a:xfrm>
+            <a:off x="381000" y="685800"/>
+            <a:ext cx="6096000" cy="3429000"/>
+          </a:xfrm>
           <a:ln cap="flat"/>
         </p:spPr>
       </p:sp>
@@ -3190,13 +3254,17 @@
         <p:nvSpPr>
           <p:cNvPr id="53250" name="Rectangle 2"/>
           <p:cNvSpPr>
-            <a:spLocks noRot="1" noChangeArrowheads="1" noTextEdit="1"/>
+            <a:spLocks noGrp="1" noRot="1" noChangeAspect="1" noChangeArrowheads="1" noTextEdit="1"/>
           </p:cNvSpPr>
           <p:nvPr>
             <p:ph type="sldImg"/>
           </p:nvPr>
         </p:nvSpPr>
         <p:spPr>
+          <a:xfrm>
+            <a:off x="381000" y="685800"/>
+            <a:ext cx="6096000" cy="3429000"/>
+          </a:xfrm>
           <a:ln cap="flat"/>
         </p:spPr>
       </p:sp>
@@ -3274,13 +3342,17 @@
         <p:nvSpPr>
           <p:cNvPr id="55298" name="Rectangle 2"/>
           <p:cNvSpPr>
-            <a:spLocks noRot="1" noChangeArrowheads="1" noTextEdit="1"/>
+            <a:spLocks noGrp="1" noRot="1" noChangeAspect="1" noChangeArrowheads="1" noTextEdit="1"/>
           </p:cNvSpPr>
           <p:nvPr>
             <p:ph type="sldImg"/>
           </p:nvPr>
         </p:nvSpPr>
         <p:spPr>
+          <a:xfrm>
+            <a:off x="381000" y="685800"/>
+            <a:ext cx="6096000" cy="3429000"/>
+          </a:xfrm>
           <a:ln cap="flat"/>
         </p:spPr>
       </p:sp>
@@ -3358,13 +3430,17 @@
         <p:nvSpPr>
           <p:cNvPr id="57346" name="Rectangle 2"/>
           <p:cNvSpPr>
-            <a:spLocks noRot="1" noChangeArrowheads="1" noTextEdit="1"/>
+            <a:spLocks noGrp="1" noRot="1" noChangeAspect="1" noChangeArrowheads="1" noTextEdit="1"/>
           </p:cNvSpPr>
           <p:nvPr>
             <p:ph type="sldImg"/>
           </p:nvPr>
         </p:nvSpPr>
         <p:spPr>
+          <a:xfrm>
+            <a:off x="381000" y="685800"/>
+            <a:ext cx="6096000" cy="3429000"/>
+          </a:xfrm>
           <a:ln cap="flat"/>
         </p:spPr>
       </p:sp>
@@ -3423,13 +3499,17 @@
         <p:nvSpPr>
           <p:cNvPr id="10242" name="Rectangle 2"/>
           <p:cNvSpPr>
-            <a:spLocks noRot="1" noChangeArrowheads="1" noTextEdit="1"/>
+            <a:spLocks noGrp="1" noRot="1" noChangeAspect="1" noChangeArrowheads="1" noTextEdit="1"/>
           </p:cNvSpPr>
           <p:nvPr>
             <p:ph type="sldImg"/>
           </p:nvPr>
         </p:nvSpPr>
         <p:spPr>
+          <a:xfrm>
+            <a:off x="381000" y="685800"/>
+            <a:ext cx="6096000" cy="3429000"/>
+          </a:xfrm>
           <a:ln cap="flat"/>
         </p:spPr>
       </p:sp>
@@ -3507,13 +3587,17 @@
         <p:nvSpPr>
           <p:cNvPr id="12290" name="Rectangle 2"/>
           <p:cNvSpPr>
-            <a:spLocks noRot="1" noChangeArrowheads="1" noTextEdit="1"/>
+            <a:spLocks noGrp="1" noRot="1" noChangeAspect="1" noChangeArrowheads="1" noTextEdit="1"/>
           </p:cNvSpPr>
           <p:nvPr>
             <p:ph type="sldImg"/>
           </p:nvPr>
         </p:nvSpPr>
         <p:spPr>
+          <a:xfrm>
+            <a:off x="381000" y="685800"/>
+            <a:ext cx="6096000" cy="3429000"/>
+          </a:xfrm>
           <a:ln cap="flat"/>
         </p:spPr>
       </p:sp>
@@ -3591,13 +3675,17 @@
         <p:nvSpPr>
           <p:cNvPr id="14338" name="Rectangle 2"/>
           <p:cNvSpPr>
-            <a:spLocks noRot="1" noChangeArrowheads="1" noTextEdit="1"/>
+            <a:spLocks noGrp="1" noRot="1" noChangeAspect="1" noChangeArrowheads="1" noTextEdit="1"/>
           </p:cNvSpPr>
           <p:nvPr>
             <p:ph type="sldImg"/>
           </p:nvPr>
         </p:nvSpPr>
         <p:spPr>
+          <a:xfrm>
+            <a:off x="381000" y="685800"/>
+            <a:ext cx="6096000" cy="3429000"/>
+          </a:xfrm>
           <a:ln cap="flat"/>
         </p:spPr>
       </p:sp>
@@ -3675,13 +3763,17 @@
         <p:nvSpPr>
           <p:cNvPr id="16386" name="Rectangle 2"/>
           <p:cNvSpPr>
-            <a:spLocks noRot="1" noChangeArrowheads="1" noTextEdit="1"/>
+            <a:spLocks noGrp="1" noRot="1" noChangeAspect="1" noChangeArrowheads="1" noTextEdit="1"/>
           </p:cNvSpPr>
           <p:nvPr>
             <p:ph type="sldImg"/>
           </p:nvPr>
         </p:nvSpPr>
         <p:spPr>
+          <a:xfrm>
+            <a:off x="381000" y="685800"/>
+            <a:ext cx="6096000" cy="3429000"/>
+          </a:xfrm>
           <a:ln cap="flat"/>
         </p:spPr>
       </p:sp>
@@ -3759,13 +3851,17 @@
         <p:nvSpPr>
           <p:cNvPr id="18434" name="Rectangle 2"/>
           <p:cNvSpPr>
-            <a:spLocks noRot="1" noChangeArrowheads="1" noTextEdit="1"/>
+            <a:spLocks noGrp="1" noRot="1" noChangeAspect="1" noChangeArrowheads="1" noTextEdit="1"/>
           </p:cNvSpPr>
           <p:nvPr>
             <p:ph type="sldImg"/>
           </p:nvPr>
         </p:nvSpPr>
         <p:spPr>
+          <a:xfrm>
+            <a:off x="381000" y="685800"/>
+            <a:ext cx="6096000" cy="3429000"/>
+          </a:xfrm>
           <a:ln cap="flat"/>
         </p:spPr>
       </p:sp>
@@ -3843,13 +3939,17 @@
         <p:nvSpPr>
           <p:cNvPr id="20482" name="Rectangle 2"/>
           <p:cNvSpPr>
-            <a:spLocks noRot="1" noChangeArrowheads="1" noTextEdit="1"/>
+            <a:spLocks noGrp="1" noRot="1" noChangeAspect="1" noChangeArrowheads="1" noTextEdit="1"/>
           </p:cNvSpPr>
           <p:nvPr>
             <p:ph type="sldImg"/>
           </p:nvPr>
         </p:nvSpPr>
         <p:spPr>
+          <a:xfrm>
+            <a:off x="381000" y="685800"/>
+            <a:ext cx="6096000" cy="3429000"/>
+          </a:xfrm>
           <a:ln cap="flat"/>
         </p:spPr>
       </p:sp>
@@ -3927,13 +4027,17 @@
         <p:nvSpPr>
           <p:cNvPr id="22530" name="Rectangle 2"/>
           <p:cNvSpPr>
-            <a:spLocks noRot="1" noChangeArrowheads="1" noTextEdit="1"/>
+            <a:spLocks noGrp="1" noRot="1" noChangeAspect="1" noChangeArrowheads="1" noTextEdit="1"/>
           </p:cNvSpPr>
           <p:nvPr>
             <p:ph type="sldImg"/>
           </p:nvPr>
         </p:nvSpPr>
         <p:spPr>
+          <a:xfrm>
+            <a:off x="381000" y="685800"/>
+            <a:ext cx="6096000" cy="3429000"/>
+          </a:xfrm>
           <a:ln cap="flat"/>
         </p:spPr>
       </p:sp>
@@ -3967,6 +4071,11 @@
 <file path=ppt/slideLayouts/slideLayout1.xml><?xml version="1.0" encoding="utf-8"?>
 <p:sldLayout xmlns:a="http://schemas.openxmlformats.org/drawingml/2006/main" xmlns:r="http://schemas.openxmlformats.org/officeDocument/2006/relationships" xmlns:p="http://schemas.openxmlformats.org/presentationml/2006/main" type="title" preserve="1">
   <p:cSld name="标题幻灯片">
+    <p:bg>
+      <p:bgRef idx="1003">
+        <a:schemeClr val="bg2"/>
+      </p:bgRef>
+    </p:bg>
     <p:spTree>
       <p:nvGrpSpPr>
         <p:cNvPr id="1" name=""/>
@@ -3981,61 +4090,95 @@
           <a:chExt cx="0" cy="0"/>
         </a:xfrm>
       </p:grpSpPr>
-      <p:sp>
-        <p:nvSpPr>
-          <p:cNvPr id="2" name="标题 1"/>
-          <p:cNvSpPr>
-            <a:spLocks noGrp="1"/>
-          </p:cNvSpPr>
-          <p:nvPr>
-            <p:ph type="ctrTitle"/>
-          </p:nvPr>
-        </p:nvSpPr>
+      <p:pic>
+        <p:nvPicPr>
+          <p:cNvPr id="9" name="图片 8"/>
+          <p:cNvPicPr>
+            <a:picLocks noChangeAspect="1"/>
+          </p:cNvPicPr>
+          <p:nvPr/>
+        </p:nvPicPr>
+        <p:blipFill>
+          <a:blip r:embed="rId2">
+            <a:duotone>
+              <a:schemeClr val="bg2"/>
+              <a:srgbClr val="FFF1C1"/>
+            </a:duotone>
+            <a:lum bright="-10000" contrast="-40000"/>
+          </a:blip>
+          <a:stretch>
+            <a:fillRect/>
+          </a:stretch>
+        </p:blipFill>
         <p:spPr>
           <a:xfrm>
-            <a:off x="685800" y="2130425"/>
-            <a:ext cx="7772400" cy="1470025"/>
+            <a:off x="2" y="3911212"/>
+            <a:ext cx="1472173" cy="1232288"/>
           </a:xfrm>
-        </p:spPr>
-        <p:txBody>
-          <a:bodyPr/>
-          <a:lstStyle/>
-          <a:p>
-            <a:r>
-              <a:rPr lang="zh-CN" altLang="en-US" smtClean="0"/>
-              <a:t>单击此处编辑母版标题样式</a:t>
-            </a:r>
-            <a:endParaRPr lang="zh-CN" altLang="en-US"/>
-          </a:p>
-        </p:txBody>
-      </p:sp>
-      <p:sp>
-        <p:nvSpPr>
-          <p:cNvPr id="3" name="副标题 2"/>
+          <a:prstGeom prst="rect">
+            <a:avLst/>
+          </a:prstGeom>
+          <a:noFill/>
+          <a:ln>
+            <a:noFill/>
+          </a:ln>
+        </p:spPr>
+      </p:pic>
+      <p:sp>
+        <p:nvSpPr>
+          <p:cNvPr id="2" name="标题 1"/>
           <p:cNvSpPr>
             <a:spLocks noGrp="1"/>
           </p:cNvSpPr>
           <p:nvPr>
-            <p:ph type="subTitle" idx="1"/>
+            <p:ph type="ctrTitle"/>
           </p:nvPr>
         </p:nvSpPr>
         <p:spPr>
           <a:xfrm>
-            <a:off x="1371600" y="3886200"/>
-            <a:ext cx="6400800" cy="1752600"/>
+            <a:off x="685800" y="910817"/>
+            <a:ext cx="7772400" cy="1102519"/>
           </a:xfrm>
         </p:spPr>
         <p:txBody>
           <a:bodyPr/>
+          <a:lstStyle>
+            <a:lvl1pPr algn="ctr">
+              <a:defRPr sz="4800"/>
+            </a:lvl1pPr>
+          </a:lstStyle>
+          <a:p>
+            <a:r>
+              <a:rPr kumimoji="0" lang="zh-CN" altLang="en-US" smtClean="0"/>
+              <a:t>单击此处编辑母版标题样式</a:t>
+            </a:r>
+            <a:endParaRPr kumimoji="0" lang="en-US"/>
+          </a:p>
+        </p:txBody>
+      </p:sp>
+      <p:sp>
+        <p:nvSpPr>
+          <p:cNvPr id="3" name="副标题 2"/>
+          <p:cNvSpPr>
+            <a:spLocks noGrp="1"/>
+          </p:cNvSpPr>
+          <p:nvPr>
+            <p:ph type="subTitle" idx="1"/>
+          </p:nvPr>
+        </p:nvSpPr>
+        <p:spPr>
+          <a:xfrm>
+            <a:off x="1521733" y="2069686"/>
+            <a:ext cx="6100534" cy="1305742"/>
+          </a:xfrm>
+        </p:spPr>
+        <p:txBody>
+          <a:bodyPr anchor="t"/>
           <a:lstStyle>
             <a:lvl1pPr marL="0" indent="0" algn="ctr">
               <a:buNone/>
-              <a:defRPr>
-                <a:solidFill>
-                  <a:schemeClr val="tx1">
-                    <a:tint val="75000"/>
-                  </a:schemeClr>
-                </a:solidFill>
+              <a:defRPr lang="zh-CN" altLang="en-US" dirty="0">
+                <a:effectLst/>
               </a:defRPr>
             </a:lvl1pPr>
             <a:lvl2pPr marL="457200" indent="0" algn="ctr">
@@ -4121,10 +4264,10 @@
           </a:lstStyle>
           <a:p>
             <a:r>
-              <a:rPr lang="zh-CN" altLang="en-US" smtClean="0"/>
+              <a:rPr kumimoji="0" lang="zh-CN" altLang="en-US" smtClean="0"/>
               <a:t>单击此处编辑母版副标题样式</a:t>
             </a:r>
-            <a:endParaRPr lang="zh-CN" altLang="en-US"/>
+            <a:endParaRPr kumimoji="0" lang="en-US"/>
           </a:p>
         </p:txBody>
       </p:sp>
@@ -4145,7 +4288,7 @@
           <a:p>
             <a:fld id="{530820CF-B880-4189-942D-D702A7CBA730}" type="datetimeFigureOut">
               <a:rPr lang="zh-CN" altLang="en-US" smtClean="0"/>
-              <a:t>2017/9/5</a:t>
+              <a:t>2017/11/24</a:t>
             </a:fld>
             <a:endParaRPr lang="zh-CN" altLang="en-US"/>
           </a:p>
@@ -4196,7 +4339,7 @@
     </p:spTree>
   </p:cSld>
   <p:clrMapOvr>
-    <a:masterClrMapping/>
+    <a:overrideClrMapping bg1="dk1" tx1="lt1" bg2="dk2" tx2="lt2" accent1="accent1" accent2="accent2" accent3="accent3" accent4="accent4" accent5="accent5" accent6="accent6" hlink="hlink" folHlink="folHlink"/>
   </p:clrMapOvr>
 </p:sldLayout>
 </file>
@@ -4220,6 +4363,54 @@
       </p:grpSpPr>
       <p:sp>
         <p:nvSpPr>
+          <p:cNvPr id="7" name="矩形 6"/>
+          <p:cNvSpPr/>
+          <p:nvPr/>
+        </p:nvSpPr>
+        <p:spPr>
+          <a:xfrm>
+            <a:off x="0" y="0"/>
+            <a:ext cx="669600" cy="5143500"/>
+          </a:xfrm>
+          <a:prstGeom prst="rect">
+            <a:avLst/>
+          </a:prstGeom>
+          <a:blipFill>
+            <a:blip r:embed="rId2">
+              <a:alphaModFix amt="40000"/>
+            </a:blip>
+            <a:tile tx="0" ty="0" sx="50000" sy="50000" flip="x" algn="tl"/>
+          </a:blipFill>
+          <a:ln w="25400" cap="rnd" cmpd="sng" algn="ctr">
+            <a:noFill/>
+            <a:prstDash val="solid"/>
+          </a:ln>
+        </p:spPr>
+        <p:style>
+          <a:lnRef idx="2">
+            <a:schemeClr val="accent1"/>
+          </a:lnRef>
+          <a:fillRef idx="1">
+            <a:schemeClr val="accent1"/>
+          </a:fillRef>
+          <a:effectRef idx="0">
+            <a:schemeClr val="accent1"/>
+          </a:effectRef>
+          <a:fontRef idx="minor">
+            <a:schemeClr val="lt1"/>
+          </a:fontRef>
+        </p:style>
+        <p:txBody>
+          <a:bodyPr rtlCol="0" anchor="ctr"/>
+          <a:lstStyle/>
+          <a:p>
+            <a:pPr algn="ctr" eaLnBrk="1" latinLnBrk="0" hangingPunct="1"/>
+            <a:endParaRPr kumimoji="0" lang="zh-CN" altLang="en-US"/>
+          </a:p>
+        </p:txBody>
+      </p:sp>
+      <p:sp>
+        <p:nvSpPr>
           <p:cNvPr id="2" name="标题 1"/>
           <p:cNvSpPr>
             <a:spLocks noGrp="1"/>
@@ -4231,13 +4422,17 @@
         <p:spPr/>
         <p:txBody>
           <a:bodyPr/>
-          <a:lstStyle/>
-          <a:p>
-            <a:r>
-              <a:rPr lang="zh-CN" altLang="en-US" smtClean="0"/>
+          <a:lstStyle>
+            <a:lvl1pPr algn="r">
+              <a:defRPr/>
+            </a:lvl1pPr>
+          </a:lstStyle>
+          <a:p>
+            <a:r>
+              <a:rPr kumimoji="0" lang="zh-CN" altLang="en-US" smtClean="0"/>
               <a:t>单击此处编辑母版标题样式</a:t>
             </a:r>
-            <a:endParaRPr lang="zh-CN" altLang="en-US"/>
+            <a:endParaRPr kumimoji="0" lang="en-US"/>
           </a:p>
         </p:txBody>
       </p:sp>
@@ -4251,45 +4446,50 @@
             <p:ph type="body" orient="vert" idx="1"/>
           </p:nvPr>
         </p:nvSpPr>
-        <p:spPr/>
+        <p:spPr>
+          <a:xfrm>
+            <a:off x="457200" y="1125133"/>
+            <a:ext cx="8229600" cy="3536180"/>
+          </a:xfrm>
+        </p:spPr>
         <p:txBody>
           <a:bodyPr vert="eaVert"/>
           <a:lstStyle/>
           <a:p>
-            <a:pPr lvl="0"/>
+            <a:pPr lvl="0" eaLnBrk="1" latinLnBrk="0" hangingPunct="1"/>
             <a:r>
               <a:rPr lang="zh-CN" altLang="en-US" smtClean="0"/>
               <a:t>单击此处编辑母版文本样式</a:t>
             </a:r>
           </a:p>
           <a:p>
-            <a:pPr lvl="1"/>
+            <a:pPr lvl="1" eaLnBrk="1" latinLnBrk="0" hangingPunct="1"/>
             <a:r>
               <a:rPr lang="zh-CN" altLang="en-US" smtClean="0"/>
               <a:t>第二级</a:t>
             </a:r>
           </a:p>
           <a:p>
-            <a:pPr lvl="2"/>
+            <a:pPr lvl="2" eaLnBrk="1" latinLnBrk="0" hangingPunct="1"/>
             <a:r>
               <a:rPr lang="zh-CN" altLang="en-US" smtClean="0"/>
               <a:t>第三级</a:t>
             </a:r>
           </a:p>
           <a:p>
-            <a:pPr lvl="3"/>
+            <a:pPr lvl="3" eaLnBrk="1" latinLnBrk="0" hangingPunct="1"/>
             <a:r>
               <a:rPr lang="zh-CN" altLang="en-US" smtClean="0"/>
               <a:t>第四级</a:t>
             </a:r>
           </a:p>
           <a:p>
-            <a:pPr lvl="4"/>
+            <a:pPr lvl="4" eaLnBrk="1" latinLnBrk="0" hangingPunct="1"/>
             <a:r>
               <a:rPr lang="zh-CN" altLang="en-US" smtClean="0"/>
               <a:t>第五级</a:t>
             </a:r>
-            <a:endParaRPr lang="zh-CN" altLang="en-US"/>
+            <a:endParaRPr kumimoji="0" lang="en-US"/>
           </a:p>
         </p:txBody>
       </p:sp>
@@ -4310,7 +4510,7 @@
           <a:p>
             <a:fld id="{530820CF-B880-4189-942D-D702A7CBA730}" type="datetimeFigureOut">
               <a:rPr lang="zh-CN" altLang="en-US" smtClean="0"/>
-              <a:t>2017/9/5</a:t>
+              <a:t>2017/11/24</a:t>
             </a:fld>
             <a:endParaRPr lang="zh-CN" altLang="en-US"/>
           </a:p>
@@ -4358,6 +4558,39 @@
           </a:p>
         </p:txBody>
       </p:sp>
+      <p:pic>
+        <p:nvPicPr>
+          <p:cNvPr id="8" name="图片 7"/>
+          <p:cNvPicPr>
+            <a:picLocks noChangeAspect="1"/>
+          </p:cNvPicPr>
+          <p:nvPr/>
+        </p:nvPicPr>
+        <p:blipFill>
+          <a:blip r:embed="rId3">
+            <a:duotone>
+              <a:schemeClr val="bg2"/>
+              <a:srgbClr val="FFF1C1"/>
+            </a:duotone>
+          </a:blip>
+          <a:stretch>
+            <a:fillRect/>
+          </a:stretch>
+        </p:blipFill>
+        <p:spPr>
+          <a:xfrm>
+            <a:off x="8135908" y="0"/>
+            <a:ext cx="1008093" cy="1071552"/>
+          </a:xfrm>
+          <a:prstGeom prst="rect">
+            <a:avLst/>
+          </a:prstGeom>
+          <a:noFill/>
+          <a:ln>
+            <a:noFill/>
+          </a:ln>
+        </p:spPr>
+      </p:pic>
     </p:spTree>
   </p:cSld>
   <p:clrMapOvr>
@@ -4385,86 +4618,146 @@
       </p:grpSpPr>
       <p:sp>
         <p:nvSpPr>
-          <p:cNvPr id="2" name="竖排标题 1"/>
-          <p:cNvSpPr>
-            <a:spLocks noGrp="1"/>
-          </p:cNvSpPr>
-          <p:nvPr>
-            <p:ph type="title" orient="vert"/>
-          </p:nvPr>
+          <p:cNvPr id="7" name="矩形 6"/>
+          <p:cNvSpPr/>
+          <p:nvPr/>
         </p:nvSpPr>
         <p:spPr>
           <a:xfrm>
-            <a:off x="6629400" y="274638"/>
-            <a:ext cx="2057400" cy="5851525"/>
+            <a:off x="0" y="0"/>
+            <a:ext cx="669600" cy="5143500"/>
           </a:xfrm>
-        </p:spPr>
-        <p:txBody>
-          <a:bodyPr vert="eaVert"/>
-          <a:lstStyle/>
-          <a:p>
-            <a:r>
-              <a:rPr lang="zh-CN" altLang="en-US" smtClean="0"/>
-              <a:t>单击此处编辑母版标题样式</a:t>
-            </a:r>
-            <a:endParaRPr lang="zh-CN" altLang="en-US"/>
-          </a:p>
-        </p:txBody>
-      </p:sp>
-      <p:sp>
-        <p:nvSpPr>
-          <p:cNvPr id="3" name="竖排文字占位符 2"/>
+          <a:prstGeom prst="rect">
+            <a:avLst/>
+          </a:prstGeom>
+          <a:blipFill>
+            <a:blip r:embed="rId2">
+              <a:alphaModFix amt="40000"/>
+            </a:blip>
+            <a:tile tx="0" ty="0" sx="50000" sy="50000" flip="x" algn="tl"/>
+          </a:blipFill>
+          <a:ln w="25400" cap="rnd" cmpd="sng" algn="ctr">
+            <a:noFill/>
+            <a:prstDash val="solid"/>
+          </a:ln>
+        </p:spPr>
+        <p:style>
+          <a:lnRef idx="2">
+            <a:schemeClr val="accent1"/>
+          </a:lnRef>
+          <a:fillRef idx="1">
+            <a:schemeClr val="accent1"/>
+          </a:fillRef>
+          <a:effectRef idx="0">
+            <a:schemeClr val="accent1"/>
+          </a:effectRef>
+          <a:fontRef idx="minor">
+            <a:schemeClr val="lt1"/>
+          </a:fontRef>
+        </p:style>
+        <p:txBody>
+          <a:bodyPr rtlCol="0" anchor="ctr"/>
+          <a:lstStyle/>
+          <a:p>
+            <a:pPr algn="ctr" eaLnBrk="1" latinLnBrk="0" hangingPunct="1"/>
+            <a:endParaRPr kumimoji="0" lang="zh-CN" altLang="en-US"/>
+          </a:p>
+        </p:txBody>
+      </p:sp>
+      <p:sp>
+        <p:nvSpPr>
+          <p:cNvPr id="2" name="竖排标题 1"/>
           <p:cNvSpPr>
             <a:spLocks noGrp="1"/>
           </p:cNvSpPr>
           <p:nvPr>
-            <p:ph type="body" orient="vert" idx="1"/>
+            <p:ph type="title" orient="vert"/>
           </p:nvPr>
         </p:nvSpPr>
         <p:spPr>
           <a:xfrm>
-            <a:off x="457200" y="274638"/>
-            <a:ext cx="6019800" cy="5851525"/>
+            <a:off x="7286644" y="205979"/>
+            <a:ext cx="1400156" cy="4455333"/>
           </a:xfrm>
         </p:spPr>
         <p:txBody>
           <a:bodyPr vert="eaVert"/>
-          <a:lstStyle/>
-          <a:p>
-            <a:pPr lvl="0"/>
+          <a:lstStyle>
+            <a:lvl1pPr algn="ctr">
+              <a:defRPr>
+                <a:effectLst>
+                  <a:outerShdw dist="50800" dir="18900000" algn="tl" rotWithShape="0">
+                    <a:srgbClr val="000000">
+                      <a:alpha val="75000"/>
+                    </a:srgbClr>
+                  </a:outerShdw>
+                </a:effectLst>
+              </a:defRPr>
+            </a:lvl1pPr>
+          </a:lstStyle>
+          <a:p>
+            <a:r>
+              <a:rPr kumimoji="0" lang="zh-CN" altLang="en-US" smtClean="0"/>
+              <a:t>单击此处编辑母版标题样式</a:t>
+            </a:r>
+            <a:endParaRPr kumimoji="0" lang="en-US"/>
+          </a:p>
+        </p:txBody>
+      </p:sp>
+      <p:sp>
+        <p:nvSpPr>
+          <p:cNvPr id="3" name="竖排文字占位符 2"/>
+          <p:cNvSpPr>
+            <a:spLocks noGrp="1"/>
+          </p:cNvSpPr>
+          <p:nvPr>
+            <p:ph type="body" orient="vert" idx="1"/>
+          </p:nvPr>
+        </p:nvSpPr>
+        <p:spPr>
+          <a:xfrm>
+            <a:off x="457200" y="205979"/>
+            <a:ext cx="6758006" cy="4455333"/>
+          </a:xfrm>
+        </p:spPr>
+        <p:txBody>
+          <a:bodyPr vert="eaVert"/>
+          <a:lstStyle/>
+          <a:p>
+            <a:pPr lvl="0" eaLnBrk="1" latinLnBrk="0" hangingPunct="1"/>
             <a:r>
               <a:rPr lang="zh-CN" altLang="en-US" smtClean="0"/>
               <a:t>单击此处编辑母版文本样式</a:t>
             </a:r>
           </a:p>
           <a:p>
-            <a:pPr lvl="1"/>
+            <a:pPr lvl="1" eaLnBrk="1" latinLnBrk="0" hangingPunct="1"/>
             <a:r>
               <a:rPr lang="zh-CN" altLang="en-US" smtClean="0"/>
               <a:t>第二级</a:t>
             </a:r>
           </a:p>
           <a:p>
-            <a:pPr lvl="2"/>
+            <a:pPr lvl="2" eaLnBrk="1" latinLnBrk="0" hangingPunct="1"/>
             <a:r>
               <a:rPr lang="zh-CN" altLang="en-US" smtClean="0"/>
               <a:t>第三级</a:t>
             </a:r>
           </a:p>
           <a:p>
-            <a:pPr lvl="3"/>
+            <a:pPr lvl="3" eaLnBrk="1" latinLnBrk="0" hangingPunct="1"/>
             <a:r>
               <a:rPr lang="zh-CN" altLang="en-US" smtClean="0"/>
               <a:t>第四级</a:t>
             </a:r>
           </a:p>
           <a:p>
-            <a:pPr lvl="4"/>
+            <a:pPr lvl="4" eaLnBrk="1" latinLnBrk="0" hangingPunct="1"/>
             <a:r>
               <a:rPr lang="zh-CN" altLang="en-US" smtClean="0"/>
               <a:t>第五级</a:t>
             </a:r>
-            <a:endParaRPr lang="zh-CN" altLang="en-US"/>
+            <a:endParaRPr kumimoji="0" lang="en-US"/>
           </a:p>
         </p:txBody>
       </p:sp>
@@ -4485,7 +4778,7 @@
           <a:p>
             <a:fld id="{530820CF-B880-4189-942D-D702A7CBA730}" type="datetimeFigureOut">
               <a:rPr lang="zh-CN" altLang="en-US" smtClean="0"/>
-              <a:t>2017/9/5</a:t>
+              <a:t>2017/11/24</a:t>
             </a:fld>
             <a:endParaRPr lang="zh-CN" altLang="en-US"/>
           </a:p>
@@ -4533,6 +4826,39 @@
           </a:p>
         </p:txBody>
       </p:sp>
+      <p:pic>
+        <p:nvPicPr>
+          <p:cNvPr id="8" name="图片 7"/>
+          <p:cNvPicPr>
+            <a:picLocks noChangeAspect="1"/>
+          </p:cNvPicPr>
+          <p:nvPr/>
+        </p:nvPicPr>
+        <p:blipFill>
+          <a:blip r:embed="rId3">
+            <a:duotone>
+              <a:schemeClr val="bg2"/>
+              <a:srgbClr val="FFF1C1"/>
+            </a:duotone>
+          </a:blip>
+          <a:stretch>
+            <a:fillRect/>
+          </a:stretch>
+        </p:blipFill>
+        <p:spPr>
+          <a:xfrm>
+            <a:off x="8135908" y="0"/>
+            <a:ext cx="1008093" cy="1071552"/>
+          </a:xfrm>
+          <a:prstGeom prst="rect">
+            <a:avLst/>
+          </a:prstGeom>
+          <a:noFill/>
+          <a:ln>
+            <a:noFill/>
+          </a:ln>
+        </p:spPr>
+      </p:pic>
     </p:spTree>
   </p:cSld>
   <p:clrMapOvr>
@@ -4560,6 +4886,54 @@
       </p:grpSpPr>
       <p:sp>
         <p:nvSpPr>
+          <p:cNvPr id="7" name="矩形 6"/>
+          <p:cNvSpPr/>
+          <p:nvPr/>
+        </p:nvSpPr>
+        <p:spPr>
+          <a:xfrm>
+            <a:off x="0" y="0"/>
+            <a:ext cx="669600" cy="5143500"/>
+          </a:xfrm>
+          <a:prstGeom prst="rect">
+            <a:avLst/>
+          </a:prstGeom>
+          <a:blipFill>
+            <a:blip r:embed="rId2">
+              <a:alphaModFix amt="40000"/>
+            </a:blip>
+            <a:tile tx="0" ty="0" sx="50000" sy="50000" flip="x" algn="tl"/>
+          </a:blipFill>
+          <a:ln w="25400" cap="rnd" cmpd="sng" algn="ctr">
+            <a:noFill/>
+            <a:prstDash val="solid"/>
+          </a:ln>
+        </p:spPr>
+        <p:style>
+          <a:lnRef idx="2">
+            <a:schemeClr val="accent1"/>
+          </a:lnRef>
+          <a:fillRef idx="1">
+            <a:schemeClr val="accent1"/>
+          </a:fillRef>
+          <a:effectRef idx="0">
+            <a:schemeClr val="accent1"/>
+          </a:effectRef>
+          <a:fontRef idx="minor">
+            <a:schemeClr val="lt1"/>
+          </a:fontRef>
+        </p:style>
+        <p:txBody>
+          <a:bodyPr rtlCol="0" anchor="ctr"/>
+          <a:lstStyle/>
+          <a:p>
+            <a:pPr algn="ctr" eaLnBrk="1" latinLnBrk="0" hangingPunct="1"/>
+            <a:endParaRPr kumimoji="0" lang="zh-CN" altLang="en-US"/>
+          </a:p>
+        </p:txBody>
+      </p:sp>
+      <p:sp>
+        <p:nvSpPr>
           <p:cNvPr id="2" name="标题 1"/>
           <p:cNvSpPr>
             <a:spLocks noGrp="1"/>
@@ -4571,13 +4945,17 @@
         <p:spPr/>
         <p:txBody>
           <a:bodyPr/>
-          <a:lstStyle/>
-          <a:p>
-            <a:r>
-              <a:rPr lang="zh-CN" altLang="en-US" smtClean="0"/>
+          <a:lstStyle>
+            <a:lvl1pPr algn="l">
+              <a:defRPr/>
+            </a:lvl1pPr>
+          </a:lstStyle>
+          <a:p>
+            <a:r>
+              <a:rPr kumimoji="0" lang="zh-CN" altLang="en-US" smtClean="0"/>
               <a:t>单击此处编辑母版标题样式</a:t>
             </a:r>
-            <a:endParaRPr lang="zh-CN" altLang="en-US"/>
+            <a:endParaRPr kumimoji="0" lang="en-US"/>
           </a:p>
         </p:txBody>
       </p:sp>
@@ -4596,40 +4974,40 @@
           <a:bodyPr/>
           <a:lstStyle/>
           <a:p>
-            <a:pPr lvl="0"/>
+            <a:pPr lvl="0" eaLnBrk="1" latinLnBrk="0" hangingPunct="1"/>
             <a:r>
               <a:rPr lang="zh-CN" altLang="en-US" smtClean="0"/>
               <a:t>单击此处编辑母版文本样式</a:t>
             </a:r>
           </a:p>
           <a:p>
-            <a:pPr lvl="1"/>
+            <a:pPr lvl="1" eaLnBrk="1" latinLnBrk="0" hangingPunct="1"/>
             <a:r>
               <a:rPr lang="zh-CN" altLang="en-US" smtClean="0"/>
               <a:t>第二级</a:t>
             </a:r>
           </a:p>
           <a:p>
-            <a:pPr lvl="2"/>
+            <a:pPr lvl="2" eaLnBrk="1" latinLnBrk="0" hangingPunct="1"/>
             <a:r>
               <a:rPr lang="zh-CN" altLang="en-US" smtClean="0"/>
               <a:t>第三级</a:t>
             </a:r>
           </a:p>
           <a:p>
-            <a:pPr lvl="3"/>
+            <a:pPr lvl="3" eaLnBrk="1" latinLnBrk="0" hangingPunct="1"/>
             <a:r>
               <a:rPr lang="zh-CN" altLang="en-US" smtClean="0"/>
               <a:t>第四级</a:t>
             </a:r>
           </a:p>
           <a:p>
-            <a:pPr lvl="4"/>
+            <a:pPr lvl="4" eaLnBrk="1" latinLnBrk="0" hangingPunct="1"/>
             <a:r>
               <a:rPr lang="zh-CN" altLang="en-US" smtClean="0"/>
               <a:t>第五级</a:t>
             </a:r>
-            <a:endParaRPr lang="zh-CN" altLang="en-US"/>
+            <a:endParaRPr kumimoji="0" lang="en-US"/>
           </a:p>
         </p:txBody>
       </p:sp>
@@ -4650,7 +5028,7 @@
           <a:p>
             <a:fld id="{530820CF-B880-4189-942D-D702A7CBA730}" type="datetimeFigureOut">
               <a:rPr lang="zh-CN" altLang="en-US" smtClean="0"/>
-              <a:t>2017/9/5</a:t>
+              <a:t>2017/11/24</a:t>
             </a:fld>
             <a:endParaRPr lang="zh-CN" altLang="en-US"/>
           </a:p>
@@ -4698,6 +5076,39 @@
           </a:p>
         </p:txBody>
       </p:sp>
+      <p:pic>
+        <p:nvPicPr>
+          <p:cNvPr id="8" name="图片 7"/>
+          <p:cNvPicPr>
+            <a:picLocks noChangeAspect="1"/>
+          </p:cNvPicPr>
+          <p:nvPr/>
+        </p:nvPicPr>
+        <p:blipFill>
+          <a:blip r:embed="rId3">
+            <a:duotone>
+              <a:schemeClr val="bg2"/>
+              <a:srgbClr val="FFF1C1"/>
+            </a:duotone>
+          </a:blip>
+          <a:stretch>
+            <a:fillRect/>
+          </a:stretch>
+        </p:blipFill>
+        <p:spPr>
+          <a:xfrm>
+            <a:off x="8135908" y="0"/>
+            <a:ext cx="1008093" cy="1071552"/>
+          </a:xfrm>
+          <a:prstGeom prst="rect">
+            <a:avLst/>
+          </a:prstGeom>
+          <a:noFill/>
+          <a:ln>
+            <a:noFill/>
+          </a:ln>
+        </p:spPr>
+      </p:pic>
     </p:spTree>
   </p:cSld>
   <p:clrMapOvr>
@@ -4709,6 +5120,11 @@
 <file path=ppt/slideLayouts/slideLayout3.xml><?xml version="1.0" encoding="utf-8"?>
 <p:sldLayout xmlns:a="http://schemas.openxmlformats.org/drawingml/2006/main" xmlns:r="http://schemas.openxmlformats.org/officeDocument/2006/relationships" xmlns:p="http://schemas.openxmlformats.org/presentationml/2006/main" type="secHead" preserve="1">
   <p:cSld name="节标题">
+    <p:bg>
+      <p:bgRef idx="1003">
+        <a:schemeClr val="bg2"/>
+      </p:bgRef>
+    </p:bg>
     <p:spTree>
       <p:nvGrpSpPr>
         <p:cNvPr id="1" name=""/>
@@ -4735,8 +5151,8 @@
         </p:nvSpPr>
         <p:spPr>
           <a:xfrm>
-            <a:off x="722313" y="4406900"/>
-            <a:ext cx="7772400" cy="1362075"/>
+            <a:off x="722313" y="3107527"/>
+            <a:ext cx="7772400" cy="1021556"/>
           </a:xfrm>
         </p:spPr>
         <p:txBody>
@@ -4748,10 +5164,10 @@
           </a:lstStyle>
           <a:p>
             <a:r>
-              <a:rPr lang="zh-CN" altLang="en-US" smtClean="0"/>
+              <a:rPr kumimoji="0" lang="zh-CN" altLang="en-US" smtClean="0"/>
               <a:t>单击此处编辑母版标题样式</a:t>
             </a:r>
-            <a:endParaRPr lang="zh-CN" altLang="en-US"/>
+            <a:endParaRPr kumimoji="0" lang="en-US"/>
           </a:p>
         </p:txBody>
       </p:sp>
@@ -4767,8 +5183,8 @@
         </p:nvSpPr>
         <p:spPr>
           <a:xfrm>
-            <a:off x="722313" y="2906713"/>
-            <a:ext cx="7772400" cy="1500187"/>
+            <a:off x="722313" y="1982387"/>
+            <a:ext cx="7772400" cy="1125140"/>
           </a:xfrm>
         </p:spPr>
         <p:txBody>
@@ -4776,52 +5192,32 @@
           <a:lstStyle>
             <a:lvl1pPr marL="0" indent="0">
               <a:buNone/>
-              <a:defRPr sz="2000">
-                <a:solidFill>
-                  <a:schemeClr val="tx1">
-                    <a:tint val="75000"/>
-                  </a:schemeClr>
-                </a:solidFill>
+              <a:defRPr lang="zh-CN" altLang="en-US" sz="2800" smtClean="0">
+                <a:effectLst/>
               </a:defRPr>
             </a:lvl1pPr>
             <a:lvl2pPr marL="457200" indent="0">
               <a:buNone/>
-              <a:defRPr sz="1800">
-                <a:solidFill>
-                  <a:schemeClr val="tx1">
-                    <a:tint val="75000"/>
-                  </a:schemeClr>
-                </a:solidFill>
+              <a:defRPr lang="zh-CN" altLang="en-US" sz="2400" smtClean="0">
+                <a:effectLst/>
               </a:defRPr>
             </a:lvl2pPr>
             <a:lvl3pPr marL="914400" indent="0">
               <a:buNone/>
-              <a:defRPr sz="1600">
-                <a:solidFill>
-                  <a:schemeClr val="tx1">
-                    <a:tint val="75000"/>
-                  </a:schemeClr>
-                </a:solidFill>
+              <a:defRPr lang="zh-CN" altLang="en-US" sz="2000" smtClean="0">
+                <a:effectLst/>
               </a:defRPr>
             </a:lvl3pPr>
             <a:lvl4pPr marL="1371600" indent="0">
               <a:buNone/>
-              <a:defRPr sz="1400">
-                <a:solidFill>
-                  <a:schemeClr val="tx1">
-                    <a:tint val="75000"/>
-                  </a:schemeClr>
-                </a:solidFill>
+              <a:defRPr lang="zh-CN" altLang="en-US" sz="1600" smtClean="0">
+                <a:effectLst/>
               </a:defRPr>
             </a:lvl4pPr>
             <a:lvl5pPr marL="1828800" indent="0">
               <a:buNone/>
-              <a:defRPr sz="1400">
-                <a:solidFill>
-                  <a:schemeClr val="tx1">
-                    <a:tint val="75000"/>
-                  </a:schemeClr>
-                </a:solidFill>
+              <a:defRPr lang="zh-CN" altLang="en-US" sz="1400" dirty="0" smtClean="0">
+                <a:effectLst/>
               </a:defRPr>
             </a:lvl5pPr>
             <a:lvl6pPr marL="2286000" indent="0">
@@ -4866,9 +5262,9 @@
             </a:lvl9pPr>
           </a:lstStyle>
           <a:p>
-            <a:pPr lvl="0"/>
-            <a:r>
-              <a:rPr lang="zh-CN" altLang="en-US" smtClean="0"/>
+            <a:pPr lvl="0" eaLnBrk="1" latinLnBrk="0" hangingPunct="1"/>
+            <a:r>
+              <a:rPr kumimoji="0" lang="zh-CN" altLang="en-US" smtClean="0"/>
               <a:t>单击此处编辑母版文本样式</a:t>
             </a:r>
           </a:p>
@@ -4891,7 +5287,7 @@
           <a:p>
             <a:fld id="{530820CF-B880-4189-942D-D702A7CBA730}" type="datetimeFigureOut">
               <a:rPr lang="zh-CN" altLang="en-US" smtClean="0"/>
-              <a:t>2017/9/5</a:t>
+              <a:t>2017/11/24</a:t>
             </a:fld>
             <a:endParaRPr lang="zh-CN" altLang="en-US"/>
           </a:p>
@@ -4939,10 +5335,44 @@
           </a:p>
         </p:txBody>
       </p:sp>
+      <p:pic>
+        <p:nvPicPr>
+          <p:cNvPr id="7" name="图片 6"/>
+          <p:cNvPicPr>
+            <a:picLocks noChangeAspect="1"/>
+          </p:cNvPicPr>
+          <p:nvPr/>
+        </p:nvPicPr>
+        <p:blipFill>
+          <a:blip r:embed="rId2">
+            <a:duotone>
+              <a:schemeClr val="bg2"/>
+              <a:srgbClr val="FFF1C1"/>
+            </a:duotone>
+            <a:lum bright="-10000" contrast="-30000"/>
+          </a:blip>
+          <a:stretch>
+            <a:fillRect/>
+          </a:stretch>
+        </p:blipFill>
+        <p:spPr>
+          <a:xfrm>
+            <a:off x="7480636" y="0"/>
+            <a:ext cx="1663364" cy="1768073"/>
+          </a:xfrm>
+          <a:prstGeom prst="rect">
+            <a:avLst/>
+          </a:prstGeom>
+          <a:noFill/>
+          <a:ln>
+            <a:noFill/>
+          </a:ln>
+        </p:spPr>
+      </p:pic>
     </p:spTree>
   </p:cSld>
   <p:clrMapOvr>
-    <a:masterClrMapping/>
+    <a:overrideClrMapping bg1="dk1" tx1="lt1" bg2="dk2" tx2="lt2" accent1="accent1" accent2="accent2" accent3="accent3" accent4="accent4" accent5="accent5" accent6="accent6" hlink="hlink" folHlink="folHlink"/>
   </p:clrMapOvr>
 </p:sldLayout>
 </file>
@@ -4966,41 +5396,89 @@
       </p:grpSpPr>
       <p:sp>
         <p:nvSpPr>
-          <p:cNvPr id="2" name="标题 1"/>
-          <p:cNvSpPr>
-            <a:spLocks noGrp="1"/>
-          </p:cNvSpPr>
-          <p:nvPr>
-            <p:ph type="title"/>
-          </p:nvPr>
-        </p:nvSpPr>
-        <p:spPr/>
-        <p:txBody>
-          <a:bodyPr/>
-          <a:lstStyle/>
-          <a:p>
-            <a:r>
-              <a:rPr lang="zh-CN" altLang="en-US" smtClean="0"/>
-              <a:t>单击此处编辑母版标题样式</a:t>
-            </a:r>
-            <a:endParaRPr lang="zh-CN" altLang="en-US"/>
-          </a:p>
-        </p:txBody>
-      </p:sp>
-      <p:sp>
-        <p:nvSpPr>
-          <p:cNvPr id="3" name="内容占位符 2"/>
-          <p:cNvSpPr>
-            <a:spLocks noGrp="1"/>
-          </p:cNvSpPr>
-          <p:nvPr>
-            <p:ph sz="half" idx="1"/>
-          </p:nvPr>
+          <p:cNvPr id="8" name="矩形 7"/>
+          <p:cNvSpPr/>
+          <p:nvPr/>
         </p:nvSpPr>
         <p:spPr>
           <a:xfrm>
-            <a:off x="457200" y="1600200"/>
-            <a:ext cx="4038600" cy="4525963"/>
+            <a:off x="0" y="0"/>
+            <a:ext cx="655200" cy="5143500"/>
+          </a:xfrm>
+          <a:prstGeom prst="rect">
+            <a:avLst/>
+          </a:prstGeom>
+          <a:blipFill>
+            <a:blip r:embed="rId2">
+              <a:alphaModFix amt="40000"/>
+            </a:blip>
+            <a:tile tx="0" ty="0" sx="50000" sy="50000" flip="x" algn="tl"/>
+          </a:blipFill>
+          <a:ln w="25400" cap="rnd" cmpd="sng" algn="ctr">
+            <a:noFill/>
+            <a:prstDash val="solid"/>
+          </a:ln>
+        </p:spPr>
+        <p:style>
+          <a:lnRef idx="2">
+            <a:schemeClr val="accent1"/>
+          </a:lnRef>
+          <a:fillRef idx="1">
+            <a:schemeClr val="accent1"/>
+          </a:fillRef>
+          <a:effectRef idx="0">
+            <a:schemeClr val="accent1"/>
+          </a:effectRef>
+          <a:fontRef idx="minor">
+            <a:schemeClr val="lt1"/>
+          </a:fontRef>
+        </p:style>
+        <p:txBody>
+          <a:bodyPr rtlCol="0" anchor="ctr"/>
+          <a:lstStyle/>
+          <a:p>
+            <a:pPr algn="ctr" eaLnBrk="1" latinLnBrk="0" hangingPunct="1"/>
+            <a:endParaRPr kumimoji="0" lang="zh-CN" altLang="en-US"/>
+          </a:p>
+        </p:txBody>
+      </p:sp>
+      <p:sp>
+        <p:nvSpPr>
+          <p:cNvPr id="2" name="标题 1"/>
+          <p:cNvSpPr>
+            <a:spLocks noGrp="1"/>
+          </p:cNvSpPr>
+          <p:nvPr>
+            <p:ph type="title"/>
+          </p:nvPr>
+        </p:nvSpPr>
+        <p:spPr/>
+        <p:txBody>
+          <a:bodyPr/>
+          <a:lstStyle/>
+          <a:p>
+            <a:r>
+              <a:rPr kumimoji="0" lang="zh-CN" altLang="en-US" smtClean="0"/>
+              <a:t>单击此处编辑母版标题样式</a:t>
+            </a:r>
+            <a:endParaRPr kumimoji="0" lang="en-US"/>
+          </a:p>
+        </p:txBody>
+      </p:sp>
+      <p:sp>
+        <p:nvSpPr>
+          <p:cNvPr id="3" name="内容占位符 2"/>
+          <p:cNvSpPr>
+            <a:spLocks noGrp="1"/>
+          </p:cNvSpPr>
+          <p:nvPr>
+            <p:ph sz="half" idx="1"/>
+          </p:nvPr>
+        </p:nvSpPr>
+        <p:spPr>
+          <a:xfrm>
+            <a:off x="457200" y="1200151"/>
+            <a:ext cx="4038600" cy="3394472"/>
           </a:xfrm>
         </p:spPr>
         <p:txBody>
@@ -5035,40 +5513,40 @@
             </a:lvl9pPr>
           </a:lstStyle>
           <a:p>
-            <a:pPr lvl="0"/>
+            <a:pPr lvl="0" eaLnBrk="1" latinLnBrk="0" hangingPunct="1"/>
             <a:r>
               <a:rPr lang="zh-CN" altLang="en-US" smtClean="0"/>
               <a:t>单击此处编辑母版文本样式</a:t>
             </a:r>
           </a:p>
           <a:p>
-            <a:pPr lvl="1"/>
+            <a:pPr lvl="1" eaLnBrk="1" latinLnBrk="0" hangingPunct="1"/>
             <a:r>
               <a:rPr lang="zh-CN" altLang="en-US" smtClean="0"/>
               <a:t>第二级</a:t>
             </a:r>
           </a:p>
           <a:p>
-            <a:pPr lvl="2"/>
+            <a:pPr lvl="2" eaLnBrk="1" latinLnBrk="0" hangingPunct="1"/>
             <a:r>
               <a:rPr lang="zh-CN" altLang="en-US" smtClean="0"/>
               <a:t>第三级</a:t>
             </a:r>
           </a:p>
           <a:p>
-            <a:pPr lvl="3"/>
+            <a:pPr lvl="3" eaLnBrk="1" latinLnBrk="0" hangingPunct="1"/>
             <a:r>
               <a:rPr lang="zh-CN" altLang="en-US" smtClean="0"/>
               <a:t>第四级</a:t>
             </a:r>
           </a:p>
           <a:p>
-            <a:pPr lvl="4"/>
+            <a:pPr lvl="4" eaLnBrk="1" latinLnBrk="0" hangingPunct="1"/>
             <a:r>
               <a:rPr lang="zh-CN" altLang="en-US" smtClean="0"/>
               <a:t>第五级</a:t>
             </a:r>
-            <a:endParaRPr lang="zh-CN" altLang="en-US"/>
+            <a:endParaRPr kumimoji="0" lang="en-US"/>
           </a:p>
         </p:txBody>
       </p:sp>
@@ -5084,8 +5562,8 @@
         </p:nvSpPr>
         <p:spPr>
           <a:xfrm>
-            <a:off x="4648200" y="1600200"/>
-            <a:ext cx="4038600" cy="4525963"/>
+            <a:off x="4648200" y="1200151"/>
+            <a:ext cx="4038600" cy="3394472"/>
           </a:xfrm>
         </p:spPr>
         <p:txBody>
@@ -5120,40 +5598,40 @@
             </a:lvl9pPr>
           </a:lstStyle>
           <a:p>
-            <a:pPr lvl="0"/>
+            <a:pPr lvl="0" eaLnBrk="1" latinLnBrk="0" hangingPunct="1"/>
             <a:r>
               <a:rPr lang="zh-CN" altLang="en-US" smtClean="0"/>
               <a:t>单击此处编辑母版文本样式</a:t>
             </a:r>
           </a:p>
           <a:p>
-            <a:pPr lvl="1"/>
+            <a:pPr lvl="1" eaLnBrk="1" latinLnBrk="0" hangingPunct="1"/>
             <a:r>
               <a:rPr lang="zh-CN" altLang="en-US" smtClean="0"/>
               <a:t>第二级</a:t>
             </a:r>
           </a:p>
           <a:p>
-            <a:pPr lvl="2"/>
+            <a:pPr lvl="2" eaLnBrk="1" latinLnBrk="0" hangingPunct="1"/>
             <a:r>
               <a:rPr lang="zh-CN" altLang="en-US" smtClean="0"/>
               <a:t>第三级</a:t>
             </a:r>
           </a:p>
           <a:p>
-            <a:pPr lvl="3"/>
+            <a:pPr lvl="3" eaLnBrk="1" latinLnBrk="0" hangingPunct="1"/>
             <a:r>
               <a:rPr lang="zh-CN" altLang="en-US" smtClean="0"/>
               <a:t>第四级</a:t>
             </a:r>
           </a:p>
           <a:p>
-            <a:pPr lvl="4"/>
+            <a:pPr lvl="4" eaLnBrk="1" latinLnBrk="0" hangingPunct="1"/>
             <a:r>
               <a:rPr lang="zh-CN" altLang="en-US" smtClean="0"/>
               <a:t>第五级</a:t>
             </a:r>
-            <a:endParaRPr lang="zh-CN" altLang="en-US"/>
+            <a:endParaRPr kumimoji="0" lang="en-US"/>
           </a:p>
         </p:txBody>
       </p:sp>
@@ -5174,7 +5652,7 @@
           <a:p>
             <a:fld id="{530820CF-B880-4189-942D-D702A7CBA730}" type="datetimeFigureOut">
               <a:rPr lang="zh-CN" altLang="en-US" smtClean="0"/>
-              <a:t>2017/9/5</a:t>
+              <a:t>2017/11/24</a:t>
             </a:fld>
             <a:endParaRPr lang="zh-CN" altLang="en-US"/>
           </a:p>
@@ -5222,6 +5700,39 @@
           </a:p>
         </p:txBody>
       </p:sp>
+      <p:pic>
+        <p:nvPicPr>
+          <p:cNvPr id="9" name="图片 8"/>
+          <p:cNvPicPr>
+            <a:picLocks noChangeAspect="1"/>
+          </p:cNvPicPr>
+          <p:nvPr/>
+        </p:nvPicPr>
+        <p:blipFill>
+          <a:blip r:embed="rId3">
+            <a:duotone>
+              <a:schemeClr val="bg2"/>
+              <a:srgbClr val="FFF1C1"/>
+            </a:duotone>
+          </a:blip>
+          <a:stretch>
+            <a:fillRect/>
+          </a:stretch>
+        </p:blipFill>
+        <p:spPr>
+          <a:xfrm>
+            <a:off x="8135908" y="0"/>
+            <a:ext cx="1008093" cy="1071552"/>
+          </a:xfrm>
+          <a:prstGeom prst="rect">
+            <a:avLst/>
+          </a:prstGeom>
+          <a:noFill/>
+          <a:ln>
+            <a:noFill/>
+          </a:ln>
+        </p:spPr>
+      </p:pic>
     </p:spTree>
   </p:cSld>
   <p:clrMapOvr>
@@ -5249,6 +5760,54 @@
       </p:grpSpPr>
       <p:sp>
         <p:nvSpPr>
+          <p:cNvPr id="10" name="矩形 9"/>
+          <p:cNvSpPr/>
+          <p:nvPr/>
+        </p:nvSpPr>
+        <p:spPr>
+          <a:xfrm>
+            <a:off x="0" y="0"/>
+            <a:ext cx="640800" cy="5143500"/>
+          </a:xfrm>
+          <a:prstGeom prst="rect">
+            <a:avLst/>
+          </a:prstGeom>
+          <a:blipFill>
+            <a:blip r:embed="rId2">
+              <a:alphaModFix amt="40000"/>
+            </a:blip>
+            <a:tile tx="0" ty="0" sx="50000" sy="50000" flip="x" algn="tl"/>
+          </a:blipFill>
+          <a:ln w="25400" cap="rnd" cmpd="sng" algn="ctr">
+            <a:noFill/>
+            <a:prstDash val="solid"/>
+          </a:ln>
+        </p:spPr>
+        <p:style>
+          <a:lnRef idx="2">
+            <a:schemeClr val="accent1"/>
+          </a:lnRef>
+          <a:fillRef idx="1">
+            <a:schemeClr val="accent1"/>
+          </a:fillRef>
+          <a:effectRef idx="0">
+            <a:schemeClr val="accent1"/>
+          </a:effectRef>
+          <a:fontRef idx="minor">
+            <a:schemeClr val="lt1"/>
+          </a:fontRef>
+        </p:style>
+        <p:txBody>
+          <a:bodyPr rtlCol="0" anchor="ctr"/>
+          <a:lstStyle/>
+          <a:p>
+            <a:pPr algn="ctr" eaLnBrk="1" latinLnBrk="0" hangingPunct="1"/>
+            <a:endParaRPr kumimoji="0" lang="zh-CN" altLang="en-US"/>
+          </a:p>
+        </p:txBody>
+      </p:sp>
+      <p:sp>
+        <p:nvSpPr>
           <p:cNvPr id="2" name="标题 1"/>
           <p:cNvSpPr>
             <a:spLocks noGrp="1"/>
@@ -5267,10 +5826,10 @@
           </a:lstStyle>
           <a:p>
             <a:r>
-              <a:rPr lang="zh-CN" altLang="en-US" smtClean="0"/>
+              <a:rPr kumimoji="0" lang="zh-CN" altLang="en-US" smtClean="0"/>
               <a:t>单击此处编辑母版标题样式</a:t>
             </a:r>
-            <a:endParaRPr lang="zh-CN" altLang="en-US"/>
+            <a:endParaRPr kumimoji="0" lang="en-US"/>
           </a:p>
         </p:txBody>
       </p:sp>
@@ -5286,8 +5845,8 @@
         </p:nvSpPr>
         <p:spPr>
           <a:xfrm>
-            <a:off x="457200" y="1535113"/>
-            <a:ext cx="4040188" cy="639762"/>
+            <a:off x="457200" y="1151335"/>
+            <a:ext cx="4040188" cy="479822"/>
           </a:xfrm>
         </p:spPr>
         <p:txBody>
@@ -5331,9 +5890,9 @@
             </a:lvl9pPr>
           </a:lstStyle>
           <a:p>
-            <a:pPr lvl="0"/>
-            <a:r>
-              <a:rPr lang="zh-CN" altLang="en-US" smtClean="0"/>
+            <a:pPr lvl="0" eaLnBrk="1" latinLnBrk="0" hangingPunct="1"/>
+            <a:r>
+              <a:rPr kumimoji="0" lang="zh-CN" altLang="en-US" smtClean="0"/>
               <a:t>单击此处编辑母版文本样式</a:t>
             </a:r>
           </a:p>
@@ -5351,8 +5910,8 @@
         </p:nvSpPr>
         <p:spPr>
           <a:xfrm>
-            <a:off x="457200" y="2174875"/>
-            <a:ext cx="4040188" cy="3951288"/>
+            <a:off x="457200" y="1631156"/>
+            <a:ext cx="4040188" cy="2963466"/>
           </a:xfrm>
         </p:spPr>
         <p:txBody>
@@ -5387,40 +5946,40 @@
             </a:lvl9pPr>
           </a:lstStyle>
           <a:p>
-            <a:pPr lvl="0"/>
+            <a:pPr lvl="0" eaLnBrk="1" latinLnBrk="0" hangingPunct="1"/>
             <a:r>
               <a:rPr lang="zh-CN" altLang="en-US" smtClean="0"/>
               <a:t>单击此处编辑母版文本样式</a:t>
             </a:r>
           </a:p>
           <a:p>
-            <a:pPr lvl="1"/>
+            <a:pPr lvl="1" eaLnBrk="1" latinLnBrk="0" hangingPunct="1"/>
             <a:r>
               <a:rPr lang="zh-CN" altLang="en-US" smtClean="0"/>
               <a:t>第二级</a:t>
             </a:r>
           </a:p>
           <a:p>
-            <a:pPr lvl="2"/>
+            <a:pPr lvl="2" eaLnBrk="1" latinLnBrk="0" hangingPunct="1"/>
             <a:r>
               <a:rPr lang="zh-CN" altLang="en-US" smtClean="0"/>
               <a:t>第三级</a:t>
             </a:r>
           </a:p>
           <a:p>
-            <a:pPr lvl="3"/>
+            <a:pPr lvl="3" eaLnBrk="1" latinLnBrk="0" hangingPunct="1"/>
             <a:r>
               <a:rPr lang="zh-CN" altLang="en-US" smtClean="0"/>
               <a:t>第四级</a:t>
             </a:r>
           </a:p>
           <a:p>
-            <a:pPr lvl="4"/>
+            <a:pPr lvl="4" eaLnBrk="1" latinLnBrk="0" hangingPunct="1"/>
             <a:r>
               <a:rPr lang="zh-CN" altLang="en-US" smtClean="0"/>
               <a:t>第五级</a:t>
             </a:r>
-            <a:endParaRPr lang="zh-CN" altLang="en-US"/>
+            <a:endParaRPr kumimoji="0" lang="en-US"/>
           </a:p>
         </p:txBody>
       </p:sp>
@@ -5436,8 +5995,8 @@
         </p:nvSpPr>
         <p:spPr>
           <a:xfrm>
-            <a:off x="4645025" y="1535113"/>
-            <a:ext cx="4041775" cy="639762"/>
+            <a:off x="4645026" y="1151335"/>
+            <a:ext cx="4041775" cy="479822"/>
           </a:xfrm>
         </p:spPr>
         <p:txBody>
@@ -5481,9 +6040,9 @@
             </a:lvl9pPr>
           </a:lstStyle>
           <a:p>
-            <a:pPr lvl="0"/>
-            <a:r>
-              <a:rPr lang="zh-CN" altLang="en-US" smtClean="0"/>
+            <a:pPr lvl="0" eaLnBrk="1" latinLnBrk="0" hangingPunct="1"/>
+            <a:r>
+              <a:rPr kumimoji="0" lang="zh-CN" altLang="en-US" smtClean="0"/>
               <a:t>单击此处编辑母版文本样式</a:t>
             </a:r>
           </a:p>
@@ -5501,8 +6060,8 @@
         </p:nvSpPr>
         <p:spPr>
           <a:xfrm>
-            <a:off x="4645025" y="2174875"/>
-            <a:ext cx="4041775" cy="3951288"/>
+            <a:off x="4645026" y="1631156"/>
+            <a:ext cx="4041775" cy="2963466"/>
           </a:xfrm>
         </p:spPr>
         <p:txBody>
@@ -5537,40 +6096,40 @@
             </a:lvl9pPr>
           </a:lstStyle>
           <a:p>
-            <a:pPr lvl="0"/>
+            <a:pPr lvl="0" eaLnBrk="1" latinLnBrk="0" hangingPunct="1"/>
             <a:r>
               <a:rPr lang="zh-CN" altLang="en-US" smtClean="0"/>
               <a:t>单击此处编辑母版文本样式</a:t>
             </a:r>
           </a:p>
           <a:p>
-            <a:pPr lvl="1"/>
+            <a:pPr lvl="1" eaLnBrk="1" latinLnBrk="0" hangingPunct="1"/>
             <a:r>
               <a:rPr lang="zh-CN" altLang="en-US" smtClean="0"/>
               <a:t>第二级</a:t>
             </a:r>
           </a:p>
           <a:p>
-            <a:pPr lvl="2"/>
+            <a:pPr lvl="2" eaLnBrk="1" latinLnBrk="0" hangingPunct="1"/>
             <a:r>
               <a:rPr lang="zh-CN" altLang="en-US" smtClean="0"/>
               <a:t>第三级</a:t>
             </a:r>
           </a:p>
           <a:p>
-            <a:pPr lvl="3"/>
+            <a:pPr lvl="3" eaLnBrk="1" latinLnBrk="0" hangingPunct="1"/>
             <a:r>
               <a:rPr lang="zh-CN" altLang="en-US" smtClean="0"/>
               <a:t>第四级</a:t>
             </a:r>
           </a:p>
           <a:p>
-            <a:pPr lvl="4"/>
+            <a:pPr lvl="4" eaLnBrk="1" latinLnBrk="0" hangingPunct="1"/>
             <a:r>
               <a:rPr lang="zh-CN" altLang="en-US" smtClean="0"/>
               <a:t>第五级</a:t>
             </a:r>
-            <a:endParaRPr lang="zh-CN" altLang="en-US"/>
+            <a:endParaRPr kumimoji="0" lang="en-US"/>
           </a:p>
         </p:txBody>
       </p:sp>
@@ -5591,7 +6150,7 @@
           <a:p>
             <a:fld id="{530820CF-B880-4189-942D-D702A7CBA730}" type="datetimeFigureOut">
               <a:rPr lang="zh-CN" altLang="en-US" smtClean="0"/>
-              <a:t>2017/9/5</a:t>
+              <a:t>2017/11/24</a:t>
             </a:fld>
             <a:endParaRPr lang="zh-CN" altLang="en-US"/>
           </a:p>
@@ -5639,6 +6198,39 @@
           </a:p>
         </p:txBody>
       </p:sp>
+      <p:pic>
+        <p:nvPicPr>
+          <p:cNvPr id="11" name="图片 10"/>
+          <p:cNvPicPr>
+            <a:picLocks noChangeAspect="1"/>
+          </p:cNvPicPr>
+          <p:nvPr/>
+        </p:nvPicPr>
+        <p:blipFill>
+          <a:blip r:embed="rId3">
+            <a:duotone>
+              <a:schemeClr val="bg2"/>
+              <a:srgbClr val="FFF1C1"/>
+            </a:duotone>
+          </a:blip>
+          <a:stretch>
+            <a:fillRect/>
+          </a:stretch>
+        </p:blipFill>
+        <p:spPr>
+          <a:xfrm>
+            <a:off x="8135908" y="0"/>
+            <a:ext cx="1008093" cy="1071552"/>
+          </a:xfrm>
+          <a:prstGeom prst="rect">
+            <a:avLst/>
+          </a:prstGeom>
+          <a:noFill/>
+          <a:ln>
+            <a:noFill/>
+          </a:ln>
+        </p:spPr>
+      </p:pic>
     </p:spTree>
   </p:cSld>
   <p:clrMapOvr>
@@ -5666,6 +6258,54 @@
       </p:grpSpPr>
       <p:sp>
         <p:nvSpPr>
+          <p:cNvPr id="6" name="矩形 5"/>
+          <p:cNvSpPr/>
+          <p:nvPr/>
+        </p:nvSpPr>
+        <p:spPr>
+          <a:xfrm>
+            <a:off x="0" y="0"/>
+            <a:ext cx="669600" cy="5143500"/>
+          </a:xfrm>
+          <a:prstGeom prst="rect">
+            <a:avLst/>
+          </a:prstGeom>
+          <a:blipFill>
+            <a:blip r:embed="rId2">
+              <a:alphaModFix amt="40000"/>
+            </a:blip>
+            <a:tile tx="0" ty="0" sx="50000" sy="50000" flip="x" algn="tl"/>
+          </a:blipFill>
+          <a:ln w="25400" cap="rnd" cmpd="sng" algn="ctr">
+            <a:noFill/>
+            <a:prstDash val="solid"/>
+          </a:ln>
+        </p:spPr>
+        <p:style>
+          <a:lnRef idx="2">
+            <a:schemeClr val="accent1"/>
+          </a:lnRef>
+          <a:fillRef idx="1">
+            <a:schemeClr val="accent1"/>
+          </a:fillRef>
+          <a:effectRef idx="0">
+            <a:schemeClr val="accent1"/>
+          </a:effectRef>
+          <a:fontRef idx="minor">
+            <a:schemeClr val="lt1"/>
+          </a:fontRef>
+        </p:style>
+        <p:txBody>
+          <a:bodyPr rtlCol="0" anchor="ctr"/>
+          <a:lstStyle/>
+          <a:p>
+            <a:pPr algn="ctr" eaLnBrk="1" latinLnBrk="0" hangingPunct="1"/>
+            <a:endParaRPr kumimoji="0" lang="zh-CN" altLang="en-US"/>
+          </a:p>
+        </p:txBody>
+      </p:sp>
+      <p:sp>
+        <p:nvSpPr>
           <p:cNvPr id="2" name="标题 1"/>
           <p:cNvSpPr>
             <a:spLocks noGrp="1"/>
@@ -5680,10 +6320,10 @@
           <a:lstStyle/>
           <a:p>
             <a:r>
-              <a:rPr lang="zh-CN" altLang="en-US" smtClean="0"/>
+              <a:rPr kumimoji="0" lang="zh-CN" altLang="en-US" smtClean="0"/>
               <a:t>单击此处编辑母版标题样式</a:t>
             </a:r>
-            <a:endParaRPr lang="zh-CN" altLang="en-US"/>
+            <a:endParaRPr kumimoji="0" lang="en-US"/>
           </a:p>
         </p:txBody>
       </p:sp>
@@ -5704,7 +6344,7 @@
           <a:p>
             <a:fld id="{530820CF-B880-4189-942D-D702A7CBA730}" type="datetimeFigureOut">
               <a:rPr lang="zh-CN" altLang="en-US" smtClean="0"/>
-              <a:t>2017/9/5</a:t>
+              <a:t>2017/11/24</a:t>
             </a:fld>
             <a:endParaRPr lang="zh-CN" altLang="en-US"/>
           </a:p>
@@ -5752,6 +6392,39 @@
           </a:p>
         </p:txBody>
       </p:sp>
+      <p:pic>
+        <p:nvPicPr>
+          <p:cNvPr id="7" name="图片 6"/>
+          <p:cNvPicPr>
+            <a:picLocks noChangeAspect="1"/>
+          </p:cNvPicPr>
+          <p:nvPr/>
+        </p:nvPicPr>
+        <p:blipFill>
+          <a:blip r:embed="rId3">
+            <a:duotone>
+              <a:schemeClr val="bg2"/>
+              <a:srgbClr val="FFF1C1"/>
+            </a:duotone>
+          </a:blip>
+          <a:stretch>
+            <a:fillRect/>
+          </a:stretch>
+        </p:blipFill>
+        <p:spPr>
+          <a:xfrm>
+            <a:off x="8135908" y="0"/>
+            <a:ext cx="1008093" cy="1071552"/>
+          </a:xfrm>
+          <a:prstGeom prst="rect">
+            <a:avLst/>
+          </a:prstGeom>
+          <a:noFill/>
+          <a:ln>
+            <a:noFill/>
+          </a:ln>
+        </p:spPr>
+      </p:pic>
     </p:spTree>
   </p:cSld>
   <p:clrMapOvr>
@@ -5779,6 +6452,54 @@
       </p:grpSpPr>
       <p:sp>
         <p:nvSpPr>
+          <p:cNvPr id="5" name="矩形 4"/>
+          <p:cNvSpPr/>
+          <p:nvPr/>
+        </p:nvSpPr>
+        <p:spPr>
+          <a:xfrm>
+            <a:off x="0" y="0"/>
+            <a:ext cx="669600" cy="5143500"/>
+          </a:xfrm>
+          <a:prstGeom prst="rect">
+            <a:avLst/>
+          </a:prstGeom>
+          <a:blipFill>
+            <a:blip r:embed="rId2">
+              <a:alphaModFix amt="40000"/>
+            </a:blip>
+            <a:tile tx="0" ty="0" sx="50000" sy="50000" flip="x" algn="tl"/>
+          </a:blipFill>
+          <a:ln w="25400" cap="rnd" cmpd="sng" algn="ctr">
+            <a:noFill/>
+            <a:prstDash val="solid"/>
+          </a:ln>
+        </p:spPr>
+        <p:style>
+          <a:lnRef idx="2">
+            <a:schemeClr val="accent1"/>
+          </a:lnRef>
+          <a:fillRef idx="1">
+            <a:schemeClr val="accent1"/>
+          </a:fillRef>
+          <a:effectRef idx="0">
+            <a:schemeClr val="accent1"/>
+          </a:effectRef>
+          <a:fontRef idx="minor">
+            <a:schemeClr val="lt1"/>
+          </a:fontRef>
+        </p:style>
+        <p:txBody>
+          <a:bodyPr rtlCol="0" anchor="ctr"/>
+          <a:lstStyle/>
+          <a:p>
+            <a:pPr algn="ctr" eaLnBrk="1" latinLnBrk="0" hangingPunct="1"/>
+            <a:endParaRPr kumimoji="0" lang="zh-CN" altLang="en-US"/>
+          </a:p>
+        </p:txBody>
+      </p:sp>
+      <p:sp>
+        <p:nvSpPr>
           <p:cNvPr id="2" name="日期占位符 1"/>
           <p:cNvSpPr>
             <a:spLocks noGrp="1"/>
@@ -5794,7 +6515,7 @@
           <a:p>
             <a:fld id="{530820CF-B880-4189-942D-D702A7CBA730}" type="datetimeFigureOut">
               <a:rPr lang="zh-CN" altLang="en-US" smtClean="0"/>
-              <a:t>2017/9/5</a:t>
+              <a:t>2017/11/24</a:t>
             </a:fld>
             <a:endParaRPr lang="zh-CN" altLang="en-US"/>
           </a:p>
@@ -5842,6 +6563,39 @@
           </a:p>
         </p:txBody>
       </p:sp>
+      <p:pic>
+        <p:nvPicPr>
+          <p:cNvPr id="6" name="图片 5"/>
+          <p:cNvPicPr>
+            <a:picLocks noChangeAspect="1"/>
+          </p:cNvPicPr>
+          <p:nvPr/>
+        </p:nvPicPr>
+        <p:blipFill>
+          <a:blip r:embed="rId3">
+            <a:duotone>
+              <a:schemeClr val="bg2"/>
+              <a:srgbClr val="FFF1C1"/>
+            </a:duotone>
+          </a:blip>
+          <a:stretch>
+            <a:fillRect/>
+          </a:stretch>
+        </p:blipFill>
+        <p:spPr>
+          <a:xfrm>
+            <a:off x="8135908" y="0"/>
+            <a:ext cx="1008093" cy="1071552"/>
+          </a:xfrm>
+          <a:prstGeom prst="rect">
+            <a:avLst/>
+          </a:prstGeom>
+          <a:noFill/>
+          <a:ln>
+            <a:noFill/>
+          </a:ln>
+        </p:spPr>
+      </p:pic>
     </p:spTree>
   </p:cSld>
   <p:clrMapOvr>
@@ -5869,33 +6623,99 @@
       </p:grpSpPr>
       <p:sp>
         <p:nvSpPr>
-          <p:cNvPr id="2" name="标题 1"/>
-          <p:cNvSpPr>
-            <a:spLocks noGrp="1"/>
-          </p:cNvSpPr>
-          <p:nvPr>
-            <p:ph type="title"/>
-          </p:nvPr>
+          <p:cNvPr id="8" name="矩形 7"/>
+          <p:cNvSpPr/>
+          <p:nvPr/>
         </p:nvSpPr>
         <p:spPr>
           <a:xfrm>
-            <a:off x="457200" y="273050"/>
-            <a:ext cx="3008313" cy="1162050"/>
+            <a:off x="0" y="0"/>
+            <a:ext cx="673200" cy="5143500"/>
           </a:xfrm>
-        </p:spPr>
-        <p:txBody>
-          <a:bodyPr anchor="b"/>
+          <a:prstGeom prst="rect">
+            <a:avLst/>
+          </a:prstGeom>
+          <a:blipFill>
+            <a:blip r:embed="rId2">
+              <a:alphaModFix amt="40000"/>
+            </a:blip>
+            <a:tile tx="0" ty="0" sx="50000" sy="50000" flip="x" algn="tl"/>
+          </a:blipFill>
+          <a:ln w="25400" cap="rnd" cmpd="sng" algn="ctr">
+            <a:noFill/>
+            <a:prstDash val="solid"/>
+          </a:ln>
+        </p:spPr>
+        <p:style>
+          <a:lnRef idx="2">
+            <a:schemeClr val="accent1"/>
+          </a:lnRef>
+          <a:fillRef idx="1">
+            <a:schemeClr val="accent1"/>
+          </a:fillRef>
+          <a:effectRef idx="0">
+            <a:schemeClr val="accent1"/>
+          </a:effectRef>
+          <a:fontRef idx="minor">
+            <a:schemeClr val="lt1"/>
+          </a:fontRef>
+        </p:style>
+        <p:txBody>
+          <a:bodyPr rtlCol="0" anchor="ctr"/>
+          <a:lstStyle/>
+          <a:p>
+            <a:pPr algn="ctr" eaLnBrk="1" latinLnBrk="0" hangingPunct="1"/>
+            <a:endParaRPr kumimoji="0" lang="zh-CN" altLang="en-US"/>
+          </a:p>
+        </p:txBody>
+      </p:sp>
+      <p:sp>
+        <p:nvSpPr>
+          <p:cNvPr id="2" name="标题 1"/>
+          <p:cNvSpPr>
+            <a:spLocks noGrp="1"/>
+          </p:cNvSpPr>
+          <p:nvPr>
+            <p:ph type="title"/>
+          </p:nvPr>
+        </p:nvSpPr>
+        <p:spPr>
+          <a:xfrm>
+            <a:off x="461176" y="4018370"/>
+            <a:ext cx="8226225" cy="576021"/>
+          </a:xfrm>
+        </p:spPr>
+        <p:txBody>
+          <a:bodyPr anchor="ctr"/>
           <a:lstStyle>
-            <a:lvl1pPr algn="l">
-              <a:defRPr sz="2000" b="1"/>
+            <a:lvl1pPr algn="ctr">
+              <a:defRPr lang="zh-CN" altLang="en-US" sz="3600" b="0" kern="1200" spc="50" dirty="0">
+                <a:ln w="12700">
+                  <a:noFill/>
+                  <a:prstDash val="solid"/>
+                </a:ln>
+                <a:solidFill>
+                  <a:schemeClr val="accent4"/>
+                </a:solidFill>
+                <a:effectLst>
+                  <a:outerShdw blurRad="38100" dist="20320" dir="2700000" algn="tl" rotWithShape="0">
+                    <a:srgbClr val="000000">
+                      <a:alpha val="70000"/>
+                    </a:srgbClr>
+                  </a:outerShdw>
+                </a:effectLst>
+                <a:latin typeface="+mj-lt"/>
+                <a:ea typeface="+mj-ea"/>
+                <a:cs typeface="+mj-cs"/>
+              </a:defRPr>
             </a:lvl1pPr>
           </a:lstStyle>
           <a:p>
             <a:r>
-              <a:rPr lang="zh-CN" altLang="en-US" smtClean="0"/>
+              <a:rPr kumimoji="0" lang="zh-CN" altLang="en-US" smtClean="0"/>
               <a:t>单击此处编辑母版标题样式</a:t>
             </a:r>
-            <a:endParaRPr lang="zh-CN" altLang="en-US"/>
+            <a:endParaRPr kumimoji="0" lang="en-US"/>
           </a:p>
         </p:txBody>
       </p:sp>
@@ -5911,8 +6731,8 @@
         </p:nvSpPr>
         <p:spPr>
           <a:xfrm>
-            <a:off x="3575050" y="273050"/>
-            <a:ext cx="5111750" cy="5853113"/>
+            <a:off x="460382" y="321453"/>
+            <a:ext cx="5111750" cy="3643339"/>
           </a:xfrm>
         </p:spPr>
         <p:txBody>
@@ -5947,40 +6767,40 @@
             </a:lvl9pPr>
           </a:lstStyle>
           <a:p>
-            <a:pPr lvl="0"/>
+            <a:pPr lvl="0" eaLnBrk="1" latinLnBrk="0" hangingPunct="1"/>
             <a:r>
               <a:rPr lang="zh-CN" altLang="en-US" smtClean="0"/>
               <a:t>单击此处编辑母版文本样式</a:t>
             </a:r>
           </a:p>
           <a:p>
-            <a:pPr lvl="1"/>
+            <a:pPr lvl="1" eaLnBrk="1" latinLnBrk="0" hangingPunct="1"/>
             <a:r>
               <a:rPr lang="zh-CN" altLang="en-US" smtClean="0"/>
               <a:t>第二级</a:t>
             </a:r>
           </a:p>
           <a:p>
-            <a:pPr lvl="2"/>
+            <a:pPr lvl="2" eaLnBrk="1" latinLnBrk="0" hangingPunct="1"/>
             <a:r>
               <a:rPr lang="zh-CN" altLang="en-US" smtClean="0"/>
               <a:t>第三级</a:t>
             </a:r>
           </a:p>
           <a:p>
-            <a:pPr lvl="3"/>
+            <a:pPr lvl="3" eaLnBrk="1" latinLnBrk="0" hangingPunct="1"/>
             <a:r>
               <a:rPr lang="zh-CN" altLang="en-US" smtClean="0"/>
               <a:t>第四级</a:t>
             </a:r>
           </a:p>
           <a:p>
-            <a:pPr lvl="4"/>
+            <a:pPr lvl="4" eaLnBrk="1" latinLnBrk="0" hangingPunct="1"/>
             <a:r>
               <a:rPr lang="zh-CN" altLang="en-US" smtClean="0"/>
               <a:t>第五级</a:t>
             </a:r>
-            <a:endParaRPr lang="zh-CN" altLang="en-US"/>
+            <a:endParaRPr kumimoji="0" lang="en-US"/>
           </a:p>
         </p:txBody>
       </p:sp>
@@ -5996,8 +6816,8 @@
         </p:nvSpPr>
         <p:spPr>
           <a:xfrm>
-            <a:off x="457200" y="1435100"/>
-            <a:ext cx="3008313" cy="4691063"/>
+            <a:off x="5679087" y="1017973"/>
+            <a:ext cx="3008313" cy="2946818"/>
           </a:xfrm>
         </p:spPr>
         <p:txBody>
@@ -6041,12 +6861,41 @@
             </a:lvl9pPr>
           </a:lstStyle>
           <a:p>
-            <a:pPr lvl="0"/>
+            <a:pPr lvl="0" eaLnBrk="1" latinLnBrk="0" hangingPunct="1"/>
             <a:r>
               <a:rPr lang="zh-CN" altLang="en-US" smtClean="0"/>
               <a:t>单击此处编辑母版文本样式</a:t>
             </a:r>
           </a:p>
+          <a:p>
+            <a:pPr lvl="1" eaLnBrk="1" latinLnBrk="0" hangingPunct="1"/>
+            <a:r>
+              <a:rPr lang="zh-CN" altLang="en-US" smtClean="0"/>
+              <a:t>第二级</a:t>
+            </a:r>
+          </a:p>
+          <a:p>
+            <a:pPr lvl="2" eaLnBrk="1" latinLnBrk="0" hangingPunct="1"/>
+            <a:r>
+              <a:rPr lang="zh-CN" altLang="en-US" smtClean="0"/>
+              <a:t>第三级</a:t>
+            </a:r>
+          </a:p>
+          <a:p>
+            <a:pPr lvl="3" eaLnBrk="1" latinLnBrk="0" hangingPunct="1"/>
+            <a:r>
+              <a:rPr lang="zh-CN" altLang="en-US" smtClean="0"/>
+              <a:t>第四级</a:t>
+            </a:r>
+          </a:p>
+          <a:p>
+            <a:pPr lvl="4" eaLnBrk="1" latinLnBrk="0" hangingPunct="1"/>
+            <a:r>
+              <a:rPr lang="zh-CN" altLang="en-US" smtClean="0"/>
+              <a:t>第五级</a:t>
+            </a:r>
+            <a:endParaRPr kumimoji="0" lang="en-US"/>
+          </a:p>
         </p:txBody>
       </p:sp>
       <p:sp>
@@ -6066,7 +6915,7 @@
           <a:p>
             <a:fld id="{530820CF-B880-4189-942D-D702A7CBA730}" type="datetimeFigureOut">
               <a:rPr lang="zh-CN" altLang="en-US" smtClean="0"/>
-              <a:t>2017/9/5</a:t>
+              <a:t>2017/11/24</a:t>
             </a:fld>
             <a:endParaRPr lang="zh-CN" altLang="en-US"/>
           </a:p>
@@ -6114,6 +6963,39 @@
           </a:p>
         </p:txBody>
       </p:sp>
+      <p:pic>
+        <p:nvPicPr>
+          <p:cNvPr id="9" name="图片 8"/>
+          <p:cNvPicPr>
+            <a:picLocks noChangeAspect="1"/>
+          </p:cNvPicPr>
+          <p:nvPr/>
+        </p:nvPicPr>
+        <p:blipFill>
+          <a:blip r:embed="rId3">
+            <a:duotone>
+              <a:schemeClr val="bg2"/>
+              <a:srgbClr val="FFF1C1"/>
+            </a:duotone>
+          </a:blip>
+          <a:stretch>
+            <a:fillRect/>
+          </a:stretch>
+        </p:blipFill>
+        <p:spPr>
+          <a:xfrm>
+            <a:off x="8135908" y="0"/>
+            <a:ext cx="1008093" cy="1071552"/>
+          </a:xfrm>
+          <a:prstGeom prst="rect">
+            <a:avLst/>
+          </a:prstGeom>
+          <a:noFill/>
+          <a:ln>
+            <a:noFill/>
+          </a:ln>
+        </p:spPr>
+      </p:pic>
     </p:spTree>
   </p:cSld>
   <p:clrMapOvr>
@@ -6141,33 +7023,103 @@
       </p:grpSpPr>
       <p:sp>
         <p:nvSpPr>
-          <p:cNvPr id="2" name="标题 1"/>
-          <p:cNvSpPr>
-            <a:spLocks noGrp="1"/>
-          </p:cNvSpPr>
-          <p:nvPr>
-            <p:ph type="title"/>
-          </p:nvPr>
+          <p:cNvPr id="8" name="矩形 7"/>
+          <p:cNvSpPr/>
+          <p:nvPr/>
         </p:nvSpPr>
         <p:spPr>
           <a:xfrm>
-            <a:off x="1792288" y="4800600"/>
-            <a:ext cx="5486400" cy="566738"/>
+            <a:off x="0" y="0"/>
+            <a:ext cx="669600" cy="5143500"/>
           </a:xfrm>
-        </p:spPr>
-        <p:txBody>
-          <a:bodyPr anchor="b"/>
+          <a:prstGeom prst="rect">
+            <a:avLst/>
+          </a:prstGeom>
+          <a:blipFill>
+            <a:blip r:embed="rId2">
+              <a:alphaModFix amt="40000"/>
+            </a:blip>
+            <a:tile tx="0" ty="0" sx="50000" sy="50000" flip="x" algn="tl"/>
+          </a:blipFill>
+          <a:ln w="25400" cap="rnd" cmpd="sng" algn="ctr">
+            <a:noFill/>
+            <a:prstDash val="solid"/>
+          </a:ln>
+        </p:spPr>
+        <p:style>
+          <a:lnRef idx="2">
+            <a:schemeClr val="accent1"/>
+          </a:lnRef>
+          <a:fillRef idx="1">
+            <a:schemeClr val="accent1"/>
+          </a:fillRef>
+          <a:effectRef idx="0">
+            <a:schemeClr val="accent1"/>
+          </a:effectRef>
+          <a:fontRef idx="minor">
+            <a:schemeClr val="lt1"/>
+          </a:fontRef>
+        </p:style>
+        <p:txBody>
+          <a:bodyPr rtlCol="0" anchor="ctr"/>
+          <a:lstStyle/>
+          <a:p>
+            <a:pPr algn="ctr" eaLnBrk="1" latinLnBrk="0" hangingPunct="1"/>
+            <a:endParaRPr kumimoji="0" lang="zh-CN" altLang="en-US"/>
+          </a:p>
+        </p:txBody>
+      </p:sp>
+      <p:sp>
+        <p:nvSpPr>
+          <p:cNvPr id="2" name="标题 1"/>
+          <p:cNvSpPr>
+            <a:spLocks noGrp="1"/>
+          </p:cNvSpPr>
+          <p:nvPr>
+            <p:ph type="title"/>
+          </p:nvPr>
+        </p:nvSpPr>
+        <p:spPr>
+          <a:xfrm>
+            <a:off x="695298" y="160718"/>
+            <a:ext cx="7448602" cy="585789"/>
+          </a:xfrm>
+        </p:spPr>
+        <p:txBody>
+          <a:bodyPr anchor="ctr"/>
           <a:lstStyle>
-            <a:lvl1pPr algn="l">
-              <a:defRPr sz="2000" b="1"/>
+            <a:lvl1pPr algn="ctr" rtl="0">
+              <a:spcBef>
+                <a:spcPct val="0"/>
+              </a:spcBef>
+              <a:buNone/>
+              <a:defRPr sz="3600" b="0" kern="1200" spc="50">
+                <a:ln w="12700">
+                  <a:noFill/>
+                  <a:prstDash val="solid"/>
+                </a:ln>
+                <a:solidFill>
+                  <a:schemeClr val="accent4"/>
+                </a:solidFill>
+                <a:effectLst>
+                  <a:outerShdw blurRad="38100" dist="20320" dir="2700000" algn="tl" rotWithShape="0">
+                    <a:srgbClr val="000000">
+                      <a:alpha val="70000"/>
+                    </a:srgbClr>
+                  </a:outerShdw>
+                </a:effectLst>
+                <a:latin typeface="+mj-lt"/>
+                <a:ea typeface="+mj-ea"/>
+                <a:cs typeface="+mj-cs"/>
+              </a:defRPr>
             </a:lvl1pPr>
           </a:lstStyle>
           <a:p>
             <a:r>
-              <a:rPr lang="zh-CN" altLang="en-US" smtClean="0"/>
+              <a:rPr kumimoji="0" lang="zh-CN" altLang="en-US" smtClean="0"/>
               <a:t>单击此处编辑母版标题样式</a:t>
             </a:r>
-            <a:endParaRPr lang="zh-CN" altLang="en-US"/>
+            <a:endParaRPr kumimoji="0" lang="en-US"/>
           </a:p>
         </p:txBody>
       </p:sp>
@@ -6183,10 +7135,30 @@
         </p:nvSpPr>
         <p:spPr>
           <a:xfrm>
-            <a:off x="1792288" y="612775"/>
-            <a:ext cx="5486400" cy="4114800"/>
+            <a:off x="681015" y="750081"/>
+            <a:ext cx="7452360" cy="3911231"/>
           </a:xfrm>
-        </p:spPr>
+          <a:prstGeom prst="snip2DiagRect">
+            <a:avLst>
+              <a:gd name="adj1" fmla="val 0"/>
+              <a:gd name="adj2" fmla="val 17946"/>
+            </a:avLst>
+          </a:prstGeom>
+        </p:spPr>
+        <p:style>
+          <a:lnRef idx="2">
+            <a:schemeClr val="accent1"/>
+          </a:lnRef>
+          <a:fillRef idx="1">
+            <a:schemeClr val="lt1"/>
+          </a:fillRef>
+          <a:effectRef idx="0">
+            <a:schemeClr val="accent1"/>
+          </a:effectRef>
+          <a:fontRef idx="minor">
+            <a:schemeClr val="dk1"/>
+          </a:fontRef>
+        </p:style>
         <p:txBody>
           <a:bodyPr/>
           <a:lstStyle>
@@ -6228,7 +7200,11 @@
             </a:lvl9pPr>
           </a:lstStyle>
           <a:p>
-            <a:endParaRPr lang="zh-CN" altLang="en-US"/>
+            <a:r>
+              <a:rPr kumimoji="0" lang="zh-CN" altLang="en-US" smtClean="0"/>
+              <a:t>单击图标添加图片</a:t>
+            </a:r>
+            <a:endParaRPr kumimoji="0" lang="en-US"/>
           </a:p>
         </p:txBody>
       </p:sp>
@@ -6244,30 +7220,30 @@
         </p:nvSpPr>
         <p:spPr>
           <a:xfrm>
-            <a:off x="1792288" y="5367338"/>
-            <a:ext cx="5486400" cy="804862"/>
+            <a:off x="4953001" y="4682725"/>
+            <a:ext cx="3180375" cy="460775"/>
           </a:xfrm>
         </p:spPr>
         <p:txBody>
-          <a:bodyPr/>
+          <a:bodyPr anchor="t"/>
           <a:lstStyle>
-            <a:lvl1pPr marL="0" indent="0">
+            <a:lvl1pPr marL="0" indent="0" algn="r">
               <a:buNone/>
               <a:defRPr sz="1400"/>
             </a:lvl1pPr>
-            <a:lvl2pPr marL="457200" indent="0">
+            <a:lvl2pPr marL="457200" indent="0" algn="r">
               <a:buNone/>
               <a:defRPr sz="1200"/>
             </a:lvl2pPr>
-            <a:lvl3pPr marL="914400" indent="0">
+            <a:lvl3pPr marL="914400" indent="0" algn="r">
               <a:buNone/>
               <a:defRPr sz="1000"/>
             </a:lvl3pPr>
-            <a:lvl4pPr marL="1371600" indent="0">
+            <a:lvl4pPr marL="1371600" indent="0" algn="r">
               <a:buNone/>
               <a:defRPr sz="900"/>
             </a:lvl4pPr>
-            <a:lvl5pPr marL="1828800" indent="0">
+            <a:lvl5pPr marL="1828800" indent="0" algn="r">
               <a:buNone/>
               <a:defRPr sz="900"/>
             </a:lvl5pPr>
@@ -6289,9 +7265,9 @@
             </a:lvl9pPr>
           </a:lstStyle>
           <a:p>
-            <a:pPr lvl="0"/>
-            <a:r>
-              <a:rPr lang="zh-CN" altLang="en-US" smtClean="0"/>
+            <a:pPr lvl="0" eaLnBrk="1" latinLnBrk="0" hangingPunct="1"/>
+            <a:r>
+              <a:rPr kumimoji="0" lang="zh-CN" altLang="en-US" smtClean="0"/>
               <a:t>单击此处编辑母版文本样式</a:t>
             </a:r>
           </a:p>
@@ -6307,14 +7283,19 @@
             <p:ph type="dt" sz="half" idx="10"/>
           </p:nvPr>
         </p:nvSpPr>
-        <p:spPr/>
+        <p:spPr>
+          <a:xfrm>
+            <a:off x="609600" y="4869659"/>
+            <a:ext cx="1676384" cy="273844"/>
+          </a:xfrm>
+        </p:spPr>
         <p:txBody>
           <a:bodyPr/>
           <a:lstStyle/>
           <a:p>
             <a:fld id="{530820CF-B880-4189-942D-D702A7CBA730}" type="datetimeFigureOut">
               <a:rPr lang="zh-CN" altLang="en-US" smtClean="0"/>
-              <a:t>2017/9/5</a:t>
+              <a:t>2017/11/24</a:t>
             </a:fld>
             <a:endParaRPr lang="zh-CN" altLang="en-US"/>
           </a:p>
@@ -6330,7 +7311,12 @@
             <p:ph type="ftr" sz="quarter" idx="11"/>
           </p:nvPr>
         </p:nvSpPr>
-        <p:spPr/>
+        <p:spPr>
+          <a:xfrm>
+            <a:off x="2285984" y="4869657"/>
+            <a:ext cx="2643206" cy="273844"/>
+          </a:xfrm>
+        </p:spPr>
         <p:txBody>
           <a:bodyPr/>
           <a:lstStyle/>
@@ -6349,7 +7335,30 @@
             <p:ph type="sldNum" sz="quarter" idx="12"/>
           </p:nvPr>
         </p:nvSpPr>
-        <p:spPr/>
+        <p:spPr>
+          <a:xfrm>
+            <a:off x="683073" y="4010254"/>
+            <a:ext cx="871200" cy="653400"/>
+          </a:xfrm>
+          <a:prstGeom prst="rtTriangle">
+            <a:avLst/>
+          </a:prstGeom>
+          <a:noFill/>
+        </p:spPr>
+        <p:style>
+          <a:lnRef idx="2">
+            <a:schemeClr val="accent1"/>
+          </a:lnRef>
+          <a:fillRef idx="1">
+            <a:schemeClr val="lt1"/>
+          </a:fillRef>
+          <a:effectRef idx="0">
+            <a:schemeClr val="accent1"/>
+          </a:effectRef>
+          <a:fontRef idx="minor">
+            <a:schemeClr val="dk1"/>
+          </a:fontRef>
+        </p:style>
         <p:txBody>
           <a:bodyPr/>
           <a:lstStyle/>
@@ -6362,6 +7371,39 @@
           </a:p>
         </p:txBody>
       </p:sp>
+      <p:pic>
+        <p:nvPicPr>
+          <p:cNvPr id="9" name="图片 8"/>
+          <p:cNvPicPr>
+            <a:picLocks noChangeAspect="1"/>
+          </p:cNvPicPr>
+          <p:nvPr/>
+        </p:nvPicPr>
+        <p:blipFill>
+          <a:blip r:embed="rId3">
+            <a:duotone>
+              <a:schemeClr val="bg2"/>
+              <a:srgbClr val="FFF1C1"/>
+            </a:duotone>
+          </a:blip>
+          <a:stretch>
+            <a:fillRect/>
+          </a:stretch>
+        </p:blipFill>
+        <p:spPr>
+          <a:xfrm>
+            <a:off x="8135908" y="0"/>
+            <a:ext cx="1008093" cy="1071552"/>
+          </a:xfrm>
+          <a:prstGeom prst="rect">
+            <a:avLst/>
+          </a:prstGeom>
+          <a:noFill/>
+          <a:ln>
+            <a:noFill/>
+          </a:ln>
+        </p:spPr>
+      </p:pic>
     </p:spTree>
   </p:cSld>
   <p:clrMapOvr>
@@ -6375,7 +7417,7 @@
   <p:cSld>
     <p:bg>
       <p:bgRef idx="1001">
-        <a:schemeClr val="bg1"/>
+        <a:schemeClr val="bg2"/>
       </p:bgRef>
     </p:bg>
     <p:spTree>
@@ -6404,24 +7446,31 @@
         </p:nvSpPr>
         <p:spPr>
           <a:xfrm>
-            <a:off x="457200" y="274638"/>
-            <a:ext cx="8229600" cy="1143000"/>
+            <a:off x="457200" y="205979"/>
+            <a:ext cx="7776000" cy="857250"/>
           </a:xfrm>
           <a:prstGeom prst="rect">
             <a:avLst/>
           </a:prstGeom>
         </p:spPr>
         <p:txBody>
-          <a:bodyPr vert="horz" lIns="91440" tIns="45720" rIns="91440" bIns="45720" rtlCol="0" anchor="ctr">
+          <a:bodyPr vert="horz" rtlCol="0" anchor="ctr">
             <a:normAutofit/>
+            <a:scene3d>
+              <a:camera prst="orthographicFront"/>
+              <a:lightRig rig="soft" dir="t"/>
+            </a:scene3d>
+            <a:sp3d prstMaterial="matte">
+              <a:bevelT w="12700" h="12700"/>
+            </a:sp3d>
           </a:bodyPr>
           <a:lstStyle/>
           <a:p>
             <a:r>
-              <a:rPr lang="zh-CN" altLang="en-US" smtClean="0"/>
+              <a:rPr kumimoji="0" lang="zh-CN" altLang="en-US" smtClean="0"/>
               <a:t>单击此处编辑母版标题样式</a:t>
             </a:r>
-            <a:endParaRPr lang="zh-CN" altLang="en-US"/>
+            <a:endParaRPr kumimoji="0" lang="en-US"/>
           </a:p>
         </p:txBody>
       </p:sp>
@@ -6437,53 +7486,53 @@
         </p:nvSpPr>
         <p:spPr>
           <a:xfrm>
-            <a:off x="457200" y="1600200"/>
-            <a:ext cx="8229600" cy="4525963"/>
+            <a:off x="457200" y="1200151"/>
+            <a:ext cx="8229600" cy="3394472"/>
           </a:xfrm>
           <a:prstGeom prst="rect">
             <a:avLst/>
           </a:prstGeom>
         </p:spPr>
         <p:txBody>
-          <a:bodyPr vert="horz" lIns="91440" tIns="45720" rIns="91440" bIns="45720" rtlCol="0">
+          <a:bodyPr vert="horz" rtlCol="0">
             <a:normAutofit/>
           </a:bodyPr>
           <a:lstStyle/>
           <a:p>
-            <a:pPr lvl="0"/>
-            <a:r>
-              <a:rPr lang="zh-CN" altLang="en-US" smtClean="0"/>
+            <a:pPr lvl="0" eaLnBrk="1" latinLnBrk="0" hangingPunct="1"/>
+            <a:r>
+              <a:rPr kumimoji="0" lang="zh-CN" altLang="en-US" smtClean="0"/>
               <a:t>单击此处编辑母版文本样式</a:t>
             </a:r>
           </a:p>
           <a:p>
-            <a:pPr lvl="1"/>
-            <a:r>
-              <a:rPr lang="zh-CN" altLang="en-US" smtClean="0"/>
+            <a:pPr lvl="1" eaLnBrk="1" latinLnBrk="0" hangingPunct="1"/>
+            <a:r>
+              <a:rPr kumimoji="0" lang="zh-CN" altLang="en-US" smtClean="0"/>
               <a:t>第二级</a:t>
             </a:r>
           </a:p>
           <a:p>
-            <a:pPr lvl="2"/>
-            <a:r>
-              <a:rPr lang="zh-CN" altLang="en-US" smtClean="0"/>
+            <a:pPr lvl="2" eaLnBrk="1" latinLnBrk="0" hangingPunct="1"/>
+            <a:r>
+              <a:rPr kumimoji="0" lang="zh-CN" altLang="en-US" smtClean="0"/>
               <a:t>第三级</a:t>
             </a:r>
           </a:p>
           <a:p>
-            <a:pPr lvl="3"/>
-            <a:r>
-              <a:rPr lang="zh-CN" altLang="en-US" smtClean="0"/>
+            <a:pPr lvl="3" eaLnBrk="1" latinLnBrk="0" hangingPunct="1"/>
+            <a:r>
+              <a:rPr kumimoji="0" lang="zh-CN" altLang="en-US" smtClean="0"/>
               <a:t>第四级</a:t>
             </a:r>
           </a:p>
           <a:p>
-            <a:pPr lvl="4"/>
-            <a:r>
-              <a:rPr lang="zh-CN" altLang="en-US" smtClean="0"/>
+            <a:pPr lvl="4" eaLnBrk="1" latinLnBrk="0" hangingPunct="1"/>
+            <a:r>
+              <a:rPr kumimoji="0" lang="zh-CN" altLang="en-US" smtClean="0"/>
               <a:t>第五级</a:t>
             </a:r>
-            <a:endParaRPr lang="zh-CN" altLang="en-US"/>
+            <a:endParaRPr kumimoji="0" lang="en-US"/>
           </a:p>
         </p:txBody>
       </p:sp>
@@ -6499,22 +7548,20 @@
         </p:nvSpPr>
         <p:spPr>
           <a:xfrm>
-            <a:off x="457200" y="6356350"/>
-            <a:ext cx="2133600" cy="365125"/>
+            <a:off x="457200" y="4767263"/>
+            <a:ext cx="2133600" cy="273844"/>
           </a:xfrm>
           <a:prstGeom prst="rect">
             <a:avLst/>
           </a:prstGeom>
         </p:spPr>
         <p:txBody>
-          <a:bodyPr vert="horz" lIns="91440" tIns="45720" rIns="91440" bIns="45720" rtlCol="0" anchor="ctr"/>
+          <a:bodyPr vert="horz" lIns="274320" rtlCol="0" anchor="ctr"/>
           <a:lstStyle>
-            <a:lvl1pPr algn="l">
-              <a:defRPr sz="1200">
-                <a:solidFill>
-                  <a:schemeClr val="tx1">
-                    <a:tint val="75000"/>
-                  </a:schemeClr>
+            <a:lvl1pPr algn="l" eaLnBrk="1" latinLnBrk="0" hangingPunct="1">
+              <a:defRPr kumimoji="0" sz="1200">
+                <a:solidFill>
+                  <a:schemeClr val="tx1"/>
                 </a:solidFill>
               </a:defRPr>
             </a:lvl1pPr>
@@ -6522,7 +7569,7 @@
           <a:p>
             <a:fld id="{530820CF-B880-4189-942D-D702A7CBA730}" type="datetimeFigureOut">
               <a:rPr lang="zh-CN" altLang="en-US" smtClean="0"/>
-              <a:t>2017/9/5</a:t>
+              <a:t>2017/11/24</a:t>
             </a:fld>
             <a:endParaRPr lang="zh-CN" altLang="en-US"/>
           </a:p>
@@ -6540,22 +7587,20 @@
         </p:nvSpPr>
         <p:spPr>
           <a:xfrm>
-            <a:off x="3124200" y="6356350"/>
-            <a:ext cx="2895600" cy="365125"/>
+            <a:off x="3124200" y="4767263"/>
+            <a:ext cx="2895600" cy="273844"/>
           </a:xfrm>
           <a:prstGeom prst="rect">
             <a:avLst/>
           </a:prstGeom>
         </p:spPr>
         <p:txBody>
-          <a:bodyPr vert="horz" lIns="91440" tIns="45720" rIns="91440" bIns="45720" rtlCol="0" anchor="ctr"/>
+          <a:bodyPr vert="horz" rtlCol="0" anchor="ctr"/>
           <a:lstStyle>
-            <a:lvl1pPr algn="ctr">
-              <a:defRPr sz="1200">
-                <a:solidFill>
-                  <a:schemeClr val="tx1">
-                    <a:tint val="75000"/>
-                  </a:schemeClr>
+            <a:lvl1pPr algn="ctr" eaLnBrk="1" latinLnBrk="0" hangingPunct="1">
+              <a:defRPr kumimoji="0" sz="1200">
+                <a:solidFill>
+                  <a:schemeClr val="tx1"/>
                 </a:solidFill>
               </a:defRPr>
             </a:lvl1pPr>
@@ -6577,22 +7622,20 @@
         </p:nvSpPr>
         <p:spPr>
           <a:xfrm>
-            <a:off x="6553200" y="6356350"/>
-            <a:ext cx="2133600" cy="365125"/>
+            <a:off x="6553200" y="4767263"/>
+            <a:ext cx="2133600" cy="273844"/>
           </a:xfrm>
           <a:prstGeom prst="rect">
             <a:avLst/>
           </a:prstGeom>
         </p:spPr>
         <p:txBody>
-          <a:bodyPr vert="horz" lIns="91440" tIns="45720" rIns="91440" bIns="45720" rtlCol="0" anchor="ctr"/>
+          <a:bodyPr vert="horz" lIns="45720" tIns="45720" rIns="45720" rtlCol="0" anchor="ctr"/>
           <a:lstStyle>
-            <a:lvl1pPr algn="r">
-              <a:defRPr sz="1200">
-                <a:solidFill>
-                  <a:schemeClr val="tx1">
-                    <a:tint val="75000"/>
-                  </a:schemeClr>
+            <a:lvl1pPr algn="r" eaLnBrk="1" latinLnBrk="0" hangingPunct="1">
+              <a:defRPr kumimoji="0" sz="1200">
+                <a:solidFill>
+                  <a:schemeClr val="tx1"/>
                 </a:solidFill>
               </a:defRPr>
             </a:lvl1pPr>
@@ -6608,45 +7651,116 @@
       </p:sp>
     </p:spTree>
   </p:cSld>
-  <p:clrMap bg1="lt1" tx1="dk1" bg2="lt2" tx2="dk2" accent1="accent1" accent2="accent2" accent3="accent3" accent4="accent4" accent5="accent5" accent6="accent6" hlink="hlink" folHlink="folHlink"/>
+  <p:clrMap bg1="dk1" tx1="lt1" bg2="dk2" tx2="lt2" accent1="accent1" accent2="accent2" accent3="accent3" accent4="accent4" accent5="accent5" accent6="accent6" hlink="hlink" folHlink="folHlink"/>
   <p:sldLayoutIdLst>
-    <p:sldLayoutId id="2147483649" r:id="rId1"/>
-    <p:sldLayoutId id="2147483650" r:id="rId2"/>
-    <p:sldLayoutId id="2147483651" r:id="rId3"/>
-    <p:sldLayoutId id="2147483652" r:id="rId4"/>
-    <p:sldLayoutId id="2147483653" r:id="rId5"/>
-    <p:sldLayoutId id="2147483654" r:id="rId6"/>
-    <p:sldLayoutId id="2147483655" r:id="rId7"/>
-    <p:sldLayoutId id="2147483656" r:id="rId8"/>
-    <p:sldLayoutId id="2147483657" r:id="rId9"/>
-    <p:sldLayoutId id="2147483658" r:id="rId10"/>
-    <p:sldLayoutId id="2147483659" r:id="rId11"/>
+    <p:sldLayoutId id="2147483661" r:id="rId1"/>
+    <p:sldLayoutId id="2147483662" r:id="rId2"/>
+    <p:sldLayoutId id="2147483663" r:id="rId3"/>
+    <p:sldLayoutId id="2147483664" r:id="rId4"/>
+    <p:sldLayoutId id="2147483665" r:id="rId5"/>
+    <p:sldLayoutId id="2147483666" r:id="rId6"/>
+    <p:sldLayoutId id="2147483667" r:id="rId7"/>
+    <p:sldLayoutId id="2147483668" r:id="rId8"/>
+    <p:sldLayoutId id="2147483669" r:id="rId9"/>
+    <p:sldLayoutId id="2147483670" r:id="rId10"/>
+    <p:sldLayoutId id="2147483671" r:id="rId11"/>
   </p:sldLayoutIdLst>
   <p:txStyles>
     <p:titleStyle>
-      <a:lvl1pPr algn="ctr" defTabSz="914400" rtl="0" eaLnBrk="1" latinLnBrk="0" hangingPunct="1">
+      <a:lvl1pPr algn="l" rtl="0" eaLnBrk="1" latinLnBrk="0" hangingPunct="1">
         <a:spcBef>
           <a:spcPct val="0"/>
         </a:spcBef>
         <a:buNone/>
-        <a:defRPr sz="4400" kern="1200">
+        <a:defRPr kumimoji="0" lang="zh-CN" altLang="en-US" sz="4400" b="0" kern="1200" spc="50" dirty="0">
+          <a:ln w="12700">
+            <a:noFill/>
+            <a:prstDash val="solid"/>
+          </a:ln>
           <a:solidFill>
-            <a:schemeClr val="tx1"/>
+            <a:schemeClr val="accent4"/>
           </a:solidFill>
+          <a:effectLst>
+            <a:outerShdw blurRad="38100" dist="20320" dir="2700000" algn="tl" rotWithShape="0">
+              <a:srgbClr val="000000">
+                <a:alpha val="70000"/>
+              </a:srgbClr>
+            </a:outerShdw>
+          </a:effectLst>
           <a:latin typeface="+mj-lt"/>
           <a:ea typeface="+mj-ea"/>
           <a:cs typeface="+mj-cs"/>
         </a:defRPr>
       </a:lvl1pPr>
+      <a:lvl2pPr eaLnBrk="1" latinLnBrk="0" hangingPunct="1">
+        <a:defRPr kumimoji="0">
+          <a:solidFill>
+            <a:schemeClr val="tx2"/>
+          </a:solidFill>
+        </a:defRPr>
+      </a:lvl2pPr>
+      <a:lvl3pPr eaLnBrk="1" latinLnBrk="0" hangingPunct="1">
+        <a:defRPr kumimoji="0">
+          <a:solidFill>
+            <a:schemeClr val="tx2"/>
+          </a:solidFill>
+        </a:defRPr>
+      </a:lvl3pPr>
+      <a:lvl4pPr eaLnBrk="1" latinLnBrk="0" hangingPunct="1">
+        <a:defRPr kumimoji="0">
+          <a:solidFill>
+            <a:schemeClr val="tx2"/>
+          </a:solidFill>
+        </a:defRPr>
+      </a:lvl4pPr>
+      <a:lvl5pPr eaLnBrk="1" latinLnBrk="0" hangingPunct="1">
+        <a:defRPr kumimoji="0">
+          <a:solidFill>
+            <a:schemeClr val="tx2"/>
+          </a:solidFill>
+        </a:defRPr>
+      </a:lvl5pPr>
+      <a:lvl6pPr eaLnBrk="1" latinLnBrk="0" hangingPunct="1">
+        <a:defRPr kumimoji="0">
+          <a:solidFill>
+            <a:schemeClr val="tx2"/>
+          </a:solidFill>
+        </a:defRPr>
+      </a:lvl6pPr>
+      <a:lvl7pPr eaLnBrk="1" latinLnBrk="0" hangingPunct="1">
+        <a:defRPr kumimoji="0">
+          <a:solidFill>
+            <a:schemeClr val="tx2"/>
+          </a:solidFill>
+        </a:defRPr>
+      </a:lvl7pPr>
+      <a:lvl8pPr eaLnBrk="1" latinLnBrk="0" hangingPunct="1">
+        <a:defRPr kumimoji="0">
+          <a:solidFill>
+            <a:schemeClr val="tx2"/>
+          </a:solidFill>
+        </a:defRPr>
+      </a:lvl8pPr>
+      <a:lvl9pPr eaLnBrk="1" latinLnBrk="0" hangingPunct="1">
+        <a:defRPr kumimoji="0">
+          <a:solidFill>
+            <a:schemeClr val="tx2"/>
+          </a:solidFill>
+        </a:defRPr>
+      </a:lvl9pPr>
     </p:titleStyle>
     <p:bodyStyle>
-      <a:lvl1pPr marL="342900" indent="-342900" algn="l" defTabSz="914400" rtl="0" eaLnBrk="1" latinLnBrk="0" hangingPunct="1">
+      <a:lvl1pPr marL="342900" indent="-342900" algn="l" rtl="0" eaLnBrk="1" latinLnBrk="0" hangingPunct="1">
         <a:spcBef>
           <a:spcPct val="20000"/>
         </a:spcBef>
-        <a:buFont typeface="Arial" pitchFamily="34" charset="0"/>
-        <a:buChar char="•"/>
-        <a:defRPr sz="3200" kern="1200">
+        <a:buClr>
+          <a:schemeClr val="tx2"/>
+        </a:buClr>
+        <a:buSzPct val="60000"/>
+        <a:buFont typeface="Wingdings 2"/>
+        <a:buChar char=""/>
+        <a:defRPr kumimoji="0" sz="3200" kern="1200">
           <a:solidFill>
             <a:schemeClr val="tx1"/>
           </a:solidFill>
@@ -6655,13 +7769,17 @@
           <a:cs typeface="+mn-cs"/>
         </a:defRPr>
       </a:lvl1pPr>
-      <a:lvl2pPr marL="742950" indent="-285750" algn="l" defTabSz="914400" rtl="0" eaLnBrk="1" latinLnBrk="0" hangingPunct="1">
+      <a:lvl2pPr marL="742950" indent="-285750" algn="l" rtl="0" eaLnBrk="1" latinLnBrk="0" hangingPunct="1">
         <a:spcBef>
           <a:spcPct val="20000"/>
         </a:spcBef>
-        <a:buFont typeface="Arial" pitchFamily="34" charset="0"/>
-        <a:buChar char="–"/>
-        <a:defRPr sz="2800" kern="1200">
+        <a:buClr>
+          <a:schemeClr val="tx2"/>
+        </a:buClr>
+        <a:buSzPct val="60000"/>
+        <a:buFont typeface="Wingdings 2"/>
+        <a:buChar char=""/>
+        <a:defRPr kumimoji="0" sz="2800" kern="1200">
           <a:solidFill>
             <a:schemeClr val="tx1"/>
           </a:solidFill>
@@ -6670,13 +7788,17 @@
           <a:cs typeface="+mn-cs"/>
         </a:defRPr>
       </a:lvl2pPr>
-      <a:lvl3pPr marL="1143000" indent="-228600" algn="l" defTabSz="914400" rtl="0" eaLnBrk="1" latinLnBrk="0" hangingPunct="1">
+      <a:lvl3pPr marL="1143000" indent="-228600" algn="l" rtl="0" eaLnBrk="1" latinLnBrk="0" hangingPunct="1">
         <a:spcBef>
           <a:spcPct val="20000"/>
         </a:spcBef>
-        <a:buFont typeface="Arial" pitchFamily="34" charset="0"/>
-        <a:buChar char="•"/>
-        <a:defRPr sz="2400" kern="1200">
+        <a:buClr>
+          <a:schemeClr val="tx2"/>
+        </a:buClr>
+        <a:buSzPct val="60000"/>
+        <a:buFont typeface="Wingdings 2"/>
+        <a:buChar char=""/>
+        <a:defRPr kumimoji="0" sz="2400" kern="1200">
           <a:solidFill>
             <a:schemeClr val="tx1"/>
           </a:solidFill>
@@ -6685,13 +7807,17 @@
           <a:cs typeface="+mn-cs"/>
         </a:defRPr>
       </a:lvl3pPr>
-      <a:lvl4pPr marL="1600200" indent="-228600" algn="l" defTabSz="914400" rtl="0" eaLnBrk="1" latinLnBrk="0" hangingPunct="1">
+      <a:lvl4pPr marL="1600200" indent="-228600" algn="l" rtl="0" eaLnBrk="1" latinLnBrk="0" hangingPunct="1">
         <a:spcBef>
           <a:spcPct val="20000"/>
         </a:spcBef>
-        <a:buFont typeface="Arial" pitchFamily="34" charset="0"/>
-        <a:buChar char="–"/>
-        <a:defRPr sz="2000" kern="1200">
+        <a:buClr>
+          <a:schemeClr val="tx2"/>
+        </a:buClr>
+        <a:buSzPct val="60000"/>
+        <a:buFont typeface="Wingdings 2"/>
+        <a:buChar char=""/>
+        <a:defRPr kumimoji="0" sz="2000" kern="1200">
           <a:solidFill>
             <a:schemeClr val="tx1"/>
           </a:solidFill>
@@ -6700,13 +7826,17 @@
           <a:cs typeface="+mn-cs"/>
         </a:defRPr>
       </a:lvl4pPr>
-      <a:lvl5pPr marL="2057400" indent="-228600" algn="l" defTabSz="914400" rtl="0" eaLnBrk="1" latinLnBrk="0" hangingPunct="1">
+      <a:lvl5pPr marL="2057400" indent="-228600" algn="l" rtl="0" eaLnBrk="1" latinLnBrk="0" hangingPunct="1">
         <a:spcBef>
           <a:spcPct val="20000"/>
         </a:spcBef>
-        <a:buFont typeface="Arial" pitchFamily="34" charset="0"/>
-        <a:buChar char="»"/>
-        <a:defRPr sz="2000" kern="1200">
+        <a:buClr>
+          <a:schemeClr val="tx2"/>
+        </a:buClr>
+        <a:buSzPct val="60000"/>
+        <a:buFont typeface="Wingdings 2"/>
+        <a:buChar char=""/>
+        <a:defRPr kumimoji="0" sz="2000" kern="1200">
           <a:solidFill>
             <a:schemeClr val="tx1"/>
           </a:solidFill>
@@ -6715,13 +7845,13 @@
           <a:cs typeface="+mn-cs"/>
         </a:defRPr>
       </a:lvl5pPr>
-      <a:lvl6pPr marL="2514600" indent="-228600" algn="l" defTabSz="914400" rtl="0" eaLnBrk="1" latinLnBrk="0" hangingPunct="1">
+      <a:lvl6pPr marL="2514600" indent="-228600" algn="l" rtl="0" eaLnBrk="1" latinLnBrk="0" hangingPunct="1">
         <a:spcBef>
           <a:spcPct val="20000"/>
         </a:spcBef>
-        <a:buFont typeface="Arial" pitchFamily="34" charset="0"/>
+        <a:buFont typeface="Arial"/>
         <a:buChar char="•"/>
-        <a:defRPr sz="2000" kern="1200">
+        <a:defRPr kumimoji="0" sz="2000" kern="1200">
           <a:solidFill>
             <a:schemeClr val="tx1"/>
           </a:solidFill>
@@ -6730,13 +7860,13 @@
           <a:cs typeface="+mn-cs"/>
         </a:defRPr>
       </a:lvl6pPr>
-      <a:lvl7pPr marL="2971800" indent="-228600" algn="l" defTabSz="914400" rtl="0" eaLnBrk="1" latinLnBrk="0" hangingPunct="1">
+      <a:lvl7pPr marL="2971800" indent="-228600" algn="l" rtl="0" eaLnBrk="1" latinLnBrk="0" hangingPunct="1">
         <a:spcBef>
           <a:spcPct val="20000"/>
         </a:spcBef>
-        <a:buFont typeface="Arial" pitchFamily="34" charset="0"/>
+        <a:buFont typeface="Arial"/>
         <a:buChar char="•"/>
-        <a:defRPr sz="2000" kern="1200">
+        <a:defRPr kumimoji="0" sz="2000" kern="1200">
           <a:solidFill>
             <a:schemeClr val="tx1"/>
           </a:solidFill>
@@ -6745,13 +7875,13 @@
           <a:cs typeface="+mn-cs"/>
         </a:defRPr>
       </a:lvl7pPr>
-      <a:lvl8pPr marL="3429000" indent="-228600" algn="l" defTabSz="914400" rtl="0" eaLnBrk="1" latinLnBrk="0" hangingPunct="1">
+      <a:lvl8pPr marL="3429000" indent="-228600" algn="l" rtl="0" eaLnBrk="1" latinLnBrk="0" hangingPunct="1">
         <a:spcBef>
           <a:spcPct val="20000"/>
         </a:spcBef>
-        <a:buFont typeface="Arial" pitchFamily="34" charset="0"/>
+        <a:buFont typeface="Arial"/>
         <a:buChar char="•"/>
-        <a:defRPr sz="2000" kern="1200">
+        <a:defRPr kumimoji="0" sz="2000" kern="1200">
           <a:solidFill>
             <a:schemeClr val="tx1"/>
           </a:solidFill>
@@ -6760,13 +7890,13 @@
           <a:cs typeface="+mn-cs"/>
         </a:defRPr>
       </a:lvl8pPr>
-      <a:lvl9pPr marL="3886200" indent="-228600" algn="l" defTabSz="914400" rtl="0" eaLnBrk="1" latinLnBrk="0" hangingPunct="1">
+      <a:lvl9pPr marL="3886200" indent="-228600" algn="l" rtl="0" eaLnBrk="1" latinLnBrk="0" hangingPunct="1">
         <a:spcBef>
           <a:spcPct val="20000"/>
         </a:spcBef>
-        <a:buFont typeface="Arial" pitchFamily="34" charset="0"/>
+        <a:buFont typeface="Arial"/>
         <a:buChar char="•"/>
-        <a:defRPr sz="2000" kern="1200">
+        <a:defRPr kumimoji="0" sz="2000" kern="1200">
           <a:solidFill>
             <a:schemeClr val="tx1"/>
           </a:solidFill>
@@ -6777,11 +7907,8 @@
       </a:lvl9pPr>
     </p:bodyStyle>
     <p:otherStyle>
-      <a:defPPr>
-        <a:defRPr lang="zh-CN"/>
-      </a:defPPr>
-      <a:lvl1pPr marL="0" algn="l" defTabSz="914400" rtl="0" eaLnBrk="1" latinLnBrk="0" hangingPunct="1">
-        <a:defRPr sz="1800" kern="1200">
+      <a:lvl1pPr marL="0" algn="l" rtl="0" eaLnBrk="1" latinLnBrk="0" hangingPunct="1">
+        <a:defRPr kumimoji="0" kern="1200">
           <a:solidFill>
             <a:schemeClr val="tx1"/>
           </a:solidFill>
@@ -6790,8 +7917,8 @@
           <a:cs typeface="+mn-cs"/>
         </a:defRPr>
       </a:lvl1pPr>
-      <a:lvl2pPr marL="457200" algn="l" defTabSz="914400" rtl="0" eaLnBrk="1" latinLnBrk="0" hangingPunct="1">
-        <a:defRPr sz="1800" kern="1200">
+      <a:lvl2pPr marL="457200" algn="l" rtl="0" eaLnBrk="1" latinLnBrk="0" hangingPunct="1">
+        <a:defRPr kumimoji="0" kern="1200">
           <a:solidFill>
             <a:schemeClr val="tx1"/>
           </a:solidFill>
@@ -6800,8 +7927,8 @@
           <a:cs typeface="+mn-cs"/>
         </a:defRPr>
       </a:lvl2pPr>
-      <a:lvl3pPr marL="914400" algn="l" defTabSz="914400" rtl="0" eaLnBrk="1" latinLnBrk="0" hangingPunct="1">
-        <a:defRPr sz="1800" kern="1200">
+      <a:lvl3pPr marL="914400" algn="l" rtl="0" eaLnBrk="1" latinLnBrk="0" hangingPunct="1">
+        <a:defRPr kumimoji="0" kern="1200">
           <a:solidFill>
             <a:schemeClr val="tx1"/>
           </a:solidFill>
@@ -6810,8 +7937,8 @@
           <a:cs typeface="+mn-cs"/>
         </a:defRPr>
       </a:lvl3pPr>
-      <a:lvl4pPr marL="1371600" algn="l" defTabSz="914400" rtl="0" eaLnBrk="1" latinLnBrk="0" hangingPunct="1">
-        <a:defRPr sz="1800" kern="1200">
+      <a:lvl4pPr marL="1371600" algn="l" rtl="0" eaLnBrk="1" latinLnBrk="0" hangingPunct="1">
+        <a:defRPr kumimoji="0" kern="1200">
           <a:solidFill>
             <a:schemeClr val="tx1"/>
           </a:solidFill>
@@ -6820,8 +7947,8 @@
           <a:cs typeface="+mn-cs"/>
         </a:defRPr>
       </a:lvl4pPr>
-      <a:lvl5pPr marL="1828800" algn="l" defTabSz="914400" rtl="0" eaLnBrk="1" latinLnBrk="0" hangingPunct="1">
-        <a:defRPr sz="1800" kern="1200">
+      <a:lvl5pPr marL="1828800" algn="l" rtl="0" eaLnBrk="1" latinLnBrk="0" hangingPunct="1">
+        <a:defRPr kumimoji="0" kern="1200">
           <a:solidFill>
             <a:schemeClr val="tx1"/>
           </a:solidFill>
@@ -6830,8 +7957,8 @@
           <a:cs typeface="+mn-cs"/>
         </a:defRPr>
       </a:lvl5pPr>
-      <a:lvl6pPr marL="2286000" algn="l" defTabSz="914400" rtl="0" eaLnBrk="1" latinLnBrk="0" hangingPunct="1">
-        <a:defRPr sz="1800" kern="1200">
+      <a:lvl6pPr marL="2286000" algn="l" rtl="0" eaLnBrk="1" latinLnBrk="0" hangingPunct="1">
+        <a:defRPr kumimoji="0" kern="1200">
           <a:solidFill>
             <a:schemeClr val="tx1"/>
           </a:solidFill>
@@ -6840,8 +7967,8 @@
           <a:cs typeface="+mn-cs"/>
         </a:defRPr>
       </a:lvl6pPr>
-      <a:lvl7pPr marL="2743200" algn="l" defTabSz="914400" rtl="0" eaLnBrk="1" latinLnBrk="0" hangingPunct="1">
-        <a:defRPr sz="1800" kern="1200">
+      <a:lvl7pPr marL="2743200" algn="l" rtl="0" eaLnBrk="1" latinLnBrk="0" hangingPunct="1">
+        <a:defRPr kumimoji="0" kern="1200">
           <a:solidFill>
             <a:schemeClr val="tx1"/>
           </a:solidFill>
@@ -6850,8 +7977,8 @@
           <a:cs typeface="+mn-cs"/>
         </a:defRPr>
       </a:lvl7pPr>
-      <a:lvl8pPr marL="3200400" algn="l" defTabSz="914400" rtl="0" eaLnBrk="1" latinLnBrk="0" hangingPunct="1">
-        <a:defRPr sz="1800" kern="1200">
+      <a:lvl8pPr marL="3200400" algn="l" rtl="0" eaLnBrk="1" latinLnBrk="0" hangingPunct="1">
+        <a:defRPr kumimoji="0" kern="1200">
           <a:solidFill>
             <a:schemeClr val="tx1"/>
           </a:solidFill>
@@ -6860,8 +7987,8 @@
           <a:cs typeface="+mn-cs"/>
         </a:defRPr>
       </a:lvl8pPr>
-      <a:lvl9pPr marL="3657600" algn="l" defTabSz="914400" rtl="0" eaLnBrk="1" latinLnBrk="0" hangingPunct="1">
-        <a:defRPr sz="1800" kern="1200">
+      <a:lvl9pPr marL="3657600" algn="l" rtl="0" eaLnBrk="1" latinLnBrk="0" hangingPunct="1">
+        <a:defRPr kumimoji="0" kern="1200">
           <a:solidFill>
             <a:schemeClr val="tx1"/>
           </a:solidFill>
@@ -6904,8 +8031,8 @@
         </p:nvSpPr>
         <p:spPr>
           <a:xfrm>
-            <a:off x="304800" y="2590800"/>
-            <a:ext cx="8534400" cy="1295400"/>
+            <a:off x="304800" y="1943100"/>
+            <a:ext cx="8534400" cy="971550"/>
           </a:xfrm>
           <a:noFill/>
           <a:ln/>
@@ -6990,6 +8117,83 @@
       </p:grpSpPr>
       <p:sp>
         <p:nvSpPr>
+          <p:cNvPr id="23554" name="Rectangle 2"/>
+          <p:cNvSpPr>
+            <a:spLocks noGrp="1" noChangeArrowheads="1"/>
+          </p:cNvSpPr>
+          <p:nvPr>
+            <p:ph type="title"/>
+          </p:nvPr>
+        </p:nvSpPr>
+        <p:spPr>
+          <a:noFill/>
+          <a:ln/>
+        </p:spPr>
+        <p:txBody>
+          <a:bodyPr/>
+          <a:lstStyle/>
+          <a:p>
+            <a:r>
+              <a:rPr lang="zh-CN" altLang="en-US"/>
+              <a:t>算法</a:t>
+            </a:r>
+          </a:p>
+        </p:txBody>
+      </p:sp>
+      <p:sp>
+        <p:nvSpPr>
+          <p:cNvPr id="23555" name="Rectangle 3"/>
+          <p:cNvSpPr>
+            <a:spLocks noGrp="1" noChangeArrowheads="1"/>
+          </p:cNvSpPr>
+          <p:nvPr>
+            <p:ph idx="1"/>
+          </p:nvPr>
+        </p:nvSpPr>
+        <p:spPr>
+          <a:noFill/>
+          <a:ln/>
+        </p:spPr>
+        <p:txBody>
+          <a:bodyPr>
+            <a:normAutofit lnSpcReduction="10000"/>
+          </a:bodyPr>
+          <a:lstStyle/>
+          <a:p>
+            <a:r>
+              <a:rPr lang="en-US" altLang="zh-CN"/>
+              <a:t>C++</a:t>
+            </a:r>
+            <a:r>
+              <a:rPr lang="zh-CN" altLang="en-US"/>
+              <a:t>标准模板库中包括</a:t>
+            </a:r>
+            <a:r>
+              <a:rPr lang="en-US" altLang="zh-CN"/>
+              <a:t>70</a:t>
+            </a:r>
+            <a:r>
+              <a:rPr lang="zh-CN" altLang="en-US"/>
+              <a:t>多个算法</a:t>
+            </a:r>
+          </a:p>
+          <a:p>
+            <a:pPr lvl="1"/>
+            <a:r>
+              <a:rPr lang="zh-CN" altLang="en-US"/>
+              <a:t>其中包括查找算法，排序算法，消除算法，记数算法，比较算法，变换算法，置换算法和容器管理等等。</a:t>
+            </a:r>
+          </a:p>
+          <a:p>
+            <a:r>
+              <a:rPr lang="zh-CN" altLang="en-US"/>
+              <a:t>这些算法的一个最重要的特性就是它们的统一性，并且可以广泛用于不同的对象和内置的数据类型。</a:t>
+            </a:r>
+          </a:p>
+        </p:txBody>
+      </p:sp>
+      <p:sp>
+        <p:nvSpPr>
           <p:cNvPr id="7" name="灯片编号占位符 5"/>
           <p:cNvSpPr>
             <a:spLocks noGrp="1"/>
@@ -7014,81 +8218,6 @@
       </p:sp>
       <p:sp>
         <p:nvSpPr>
-          <p:cNvPr id="23554" name="Rectangle 2"/>
-          <p:cNvSpPr>
-            <a:spLocks noGrp="1" noChangeArrowheads="1"/>
-          </p:cNvSpPr>
-          <p:nvPr>
-            <p:ph type="title"/>
-          </p:nvPr>
-        </p:nvSpPr>
-        <p:spPr>
-          <a:noFill/>
-          <a:ln/>
-        </p:spPr>
-        <p:txBody>
-          <a:bodyPr/>
-          <a:lstStyle/>
-          <a:p>
-            <a:r>
-              <a:rPr lang="zh-CN" altLang="en-US"/>
-              <a:t>算法</a:t>
-            </a:r>
-          </a:p>
-        </p:txBody>
-      </p:sp>
-      <p:sp>
-        <p:nvSpPr>
-          <p:cNvPr id="23555" name="Rectangle 3"/>
-          <p:cNvSpPr>
-            <a:spLocks noGrp="1" noChangeArrowheads="1"/>
-          </p:cNvSpPr>
-          <p:nvPr>
-            <p:ph type="body" idx="1"/>
-          </p:nvPr>
-        </p:nvSpPr>
-        <p:spPr>
-          <a:noFill/>
-          <a:ln/>
-        </p:spPr>
-        <p:txBody>
-          <a:bodyPr/>
-          <a:lstStyle/>
-          <a:p>
-            <a:r>
-              <a:rPr lang="en-US" altLang="zh-CN"/>
-              <a:t>C++</a:t>
-            </a:r>
-            <a:r>
-              <a:rPr lang="zh-CN" altLang="en-US"/>
-              <a:t>标准模板库中包括</a:t>
-            </a:r>
-            <a:r>
-              <a:rPr lang="en-US" altLang="zh-CN"/>
-              <a:t>70</a:t>
-            </a:r>
-            <a:r>
-              <a:rPr lang="zh-CN" altLang="en-US"/>
-              <a:t>多个算法</a:t>
-            </a:r>
-          </a:p>
-          <a:p>
-            <a:pPr lvl="1"/>
-            <a:r>
-              <a:rPr lang="zh-CN" altLang="en-US"/>
-              <a:t>其中包括查找算法，排序算法，消除算法，记数算法，比较算法，变换算法，置换算法和容器管理等等。</a:t>
-            </a:r>
-          </a:p>
-          <a:p>
-            <a:r>
-              <a:rPr lang="zh-CN" altLang="en-US"/>
-              <a:t>这些算法的一个最重要的特性就是它们的统一性，并且可以广泛用于不同的对象和内置的数据类型。</a:t>
-            </a:r>
-          </a:p>
-        </p:txBody>
-      </p:sp>
-      <p:sp>
-        <p:nvSpPr>
           <p:cNvPr id="23556" name="Rectangle 4"/>
           <p:cNvSpPr>
             <a:spLocks noChangeArrowheads="1"/>
@@ -7097,8 +8226,8 @@
         </p:nvSpPr>
         <p:spPr bwMode="auto">
           <a:xfrm>
-            <a:off x="273050" y="914400"/>
-            <a:ext cx="793750" cy="4953000"/>
+            <a:off x="265299" y="685800"/>
+            <a:ext cx="801501" cy="3714750"/>
           </a:xfrm>
           <a:prstGeom prst="rect">
             <a:avLst/>
@@ -7200,6 +8329,174 @@
       </p:grpSpPr>
       <p:sp>
         <p:nvSpPr>
+          <p:cNvPr id="25602" name="Rectangle 2"/>
+          <p:cNvSpPr>
+            <a:spLocks noGrp="1" noChangeArrowheads="1"/>
+          </p:cNvSpPr>
+          <p:nvPr>
+            <p:ph type="title"/>
+          </p:nvPr>
+        </p:nvSpPr>
+        <p:spPr>
+          <a:noFill/>
+          <a:ln/>
+        </p:spPr>
+        <p:txBody>
+          <a:bodyPr/>
+          <a:lstStyle/>
+          <a:p>
+            <a:r>
+              <a:rPr lang="zh-CN" altLang="en-US"/>
+              <a:t>顺序容器</a:t>
+            </a:r>
+          </a:p>
+        </p:txBody>
+      </p:sp>
+      <p:sp>
+        <p:nvSpPr>
+          <p:cNvPr id="25603" name="Rectangle 3"/>
+          <p:cNvSpPr>
+            <a:spLocks noGrp="1" noChangeArrowheads="1"/>
+          </p:cNvSpPr>
+          <p:nvPr>
+            <p:ph idx="1"/>
+          </p:nvPr>
+        </p:nvSpPr>
+        <p:spPr>
+          <a:noFill/>
+          <a:ln/>
+        </p:spPr>
+        <p:txBody>
+          <a:bodyPr>
+            <a:normAutofit fontScale="92500" lnSpcReduction="10000"/>
+          </a:bodyPr>
+          <a:lstStyle/>
+          <a:p>
+            <a:r>
+              <a:rPr lang="zh-CN" altLang="en-US" sz="2800"/>
+              <a:t>顺序容器的接口</a:t>
+            </a:r>
+          </a:p>
+          <a:p>
+            <a:pPr lvl="1"/>
+            <a:r>
+              <a:rPr lang="zh-CN" altLang="en-US" sz="2400"/>
+              <a:t>插入方法</a:t>
+            </a:r>
+          </a:p>
+          <a:p>
+            <a:pPr lvl="2"/>
+            <a:r>
+              <a:rPr lang="en-US" altLang="zh-CN" sz="2000"/>
+              <a:t>push_front()</a:t>
+            </a:r>
+            <a:r>
+              <a:rPr lang="zh-CN" altLang="en-US" sz="2000"/>
+              <a:t>，</a:t>
+            </a:r>
+            <a:r>
+              <a:rPr lang="en-US" altLang="zh-CN" sz="2000"/>
+              <a:t>push_back()</a:t>
+            </a:r>
+            <a:r>
+              <a:rPr lang="zh-CN" altLang="en-US" sz="2000"/>
+              <a:t>，</a:t>
+            </a:r>
+            <a:r>
+              <a:rPr lang="en-US" altLang="zh-CN" sz="2000"/>
+              <a:t>insert()</a:t>
+            </a:r>
+            <a:r>
+              <a:rPr lang="zh-CN" altLang="en-US" sz="2000"/>
+              <a:t>，运算符“</a:t>
+            </a:r>
+            <a:r>
+              <a:rPr lang="en-US" altLang="zh-CN" sz="2000"/>
+              <a:t>=”</a:t>
+            </a:r>
+          </a:p>
+          <a:p>
+            <a:pPr lvl="1"/>
+            <a:r>
+              <a:rPr lang="zh-CN" altLang="en-US" sz="2400"/>
+              <a:t>删除方法</a:t>
+            </a:r>
+          </a:p>
+          <a:p>
+            <a:pPr lvl="2"/>
+            <a:r>
+              <a:rPr lang="en-US" altLang="zh-CN" sz="2000"/>
+              <a:t>pop() </a:t>
+            </a:r>
+            <a:r>
+              <a:rPr lang="zh-CN" altLang="en-US" sz="2000"/>
+              <a:t>，</a:t>
+            </a:r>
+            <a:r>
+              <a:rPr lang="en-US" altLang="zh-CN" sz="2000"/>
+              <a:t>erase()</a:t>
+            </a:r>
+            <a:r>
+              <a:rPr lang="zh-CN" altLang="en-US" sz="2000"/>
+              <a:t>，</a:t>
+            </a:r>
+            <a:r>
+              <a:rPr lang="en-US" altLang="zh-CN" sz="2000"/>
+              <a:t>clear()</a:t>
+            </a:r>
+          </a:p>
+          <a:p>
+            <a:pPr lvl="1"/>
+            <a:r>
+              <a:rPr lang="zh-CN" altLang="en-US" sz="2400"/>
+              <a:t>迭代访问方法</a:t>
+            </a:r>
+          </a:p>
+          <a:p>
+            <a:pPr lvl="2"/>
+            <a:r>
+              <a:rPr lang="zh-CN" altLang="en-US" sz="2000"/>
+              <a:t>使用迭代器</a:t>
+            </a:r>
+          </a:p>
+          <a:p>
+            <a:pPr lvl="1"/>
+            <a:r>
+              <a:rPr lang="zh-CN" altLang="en-US" sz="2400"/>
+              <a:t>其它顺序容器访问方法（不修改访问方法）</a:t>
+            </a:r>
+          </a:p>
+          <a:p>
+            <a:pPr lvl="2"/>
+            <a:r>
+              <a:rPr lang="en-US" altLang="zh-CN" sz="2000"/>
+              <a:t>front()</a:t>
+            </a:r>
+            <a:r>
+              <a:rPr lang="zh-CN" altLang="en-US" sz="2000"/>
+              <a:t>，</a:t>
+            </a:r>
+            <a:r>
+              <a:rPr lang="en-US" altLang="zh-CN" sz="2000"/>
+              <a:t>back()</a:t>
+            </a:r>
+            <a:r>
+              <a:rPr lang="zh-CN" altLang="en-US" sz="2000"/>
+              <a:t>，下标</a:t>
+            </a:r>
+            <a:r>
+              <a:rPr lang="en-US" altLang="zh-CN" sz="2000"/>
+              <a:t>[]</a:t>
+            </a:r>
+            <a:r>
+              <a:rPr lang="zh-CN" altLang="en-US" sz="2000"/>
+              <a:t>运算符</a:t>
+            </a:r>
+          </a:p>
+        </p:txBody>
+      </p:sp>
+      <p:sp>
+        <p:nvSpPr>
           <p:cNvPr id="7" name="灯片编号占位符 5"/>
           <p:cNvSpPr>
             <a:spLocks noGrp="1"/>
@@ -7224,172 +8521,6 @@
       </p:sp>
       <p:sp>
         <p:nvSpPr>
-          <p:cNvPr id="25602" name="Rectangle 2"/>
-          <p:cNvSpPr>
-            <a:spLocks noGrp="1" noChangeArrowheads="1"/>
-          </p:cNvSpPr>
-          <p:nvPr>
-            <p:ph type="title"/>
-          </p:nvPr>
-        </p:nvSpPr>
-        <p:spPr>
-          <a:noFill/>
-          <a:ln/>
-        </p:spPr>
-        <p:txBody>
-          <a:bodyPr/>
-          <a:lstStyle/>
-          <a:p>
-            <a:r>
-              <a:rPr lang="zh-CN" altLang="en-US"/>
-              <a:t>顺序容器</a:t>
-            </a:r>
-          </a:p>
-        </p:txBody>
-      </p:sp>
-      <p:sp>
-        <p:nvSpPr>
-          <p:cNvPr id="25603" name="Rectangle 3"/>
-          <p:cNvSpPr>
-            <a:spLocks noGrp="1" noChangeArrowheads="1"/>
-          </p:cNvSpPr>
-          <p:nvPr>
-            <p:ph type="body" idx="1"/>
-          </p:nvPr>
-        </p:nvSpPr>
-        <p:spPr>
-          <a:noFill/>
-          <a:ln/>
-        </p:spPr>
-        <p:txBody>
-          <a:bodyPr/>
-          <a:lstStyle/>
-          <a:p>
-            <a:r>
-              <a:rPr lang="zh-CN" altLang="en-US" sz="2800"/>
-              <a:t>顺序容器的接口</a:t>
-            </a:r>
-          </a:p>
-          <a:p>
-            <a:pPr lvl="1"/>
-            <a:r>
-              <a:rPr lang="zh-CN" altLang="en-US" sz="2400"/>
-              <a:t>插入方法</a:t>
-            </a:r>
-          </a:p>
-          <a:p>
-            <a:pPr lvl="2"/>
-            <a:r>
-              <a:rPr lang="en-US" altLang="zh-CN" sz="2000"/>
-              <a:t>push_front()</a:t>
-            </a:r>
-            <a:r>
-              <a:rPr lang="zh-CN" altLang="en-US" sz="2000"/>
-              <a:t>，</a:t>
-            </a:r>
-            <a:r>
-              <a:rPr lang="en-US" altLang="zh-CN" sz="2000"/>
-              <a:t>push_back()</a:t>
-            </a:r>
-            <a:r>
-              <a:rPr lang="zh-CN" altLang="en-US" sz="2000"/>
-              <a:t>，</a:t>
-            </a:r>
-            <a:r>
-              <a:rPr lang="en-US" altLang="zh-CN" sz="2000"/>
-              <a:t>insert()</a:t>
-            </a:r>
-            <a:r>
-              <a:rPr lang="zh-CN" altLang="en-US" sz="2000"/>
-              <a:t>，运算符“</a:t>
-            </a:r>
-            <a:r>
-              <a:rPr lang="en-US" altLang="zh-CN" sz="2000"/>
-              <a:t>=”</a:t>
-            </a:r>
-          </a:p>
-          <a:p>
-            <a:pPr lvl="1"/>
-            <a:r>
-              <a:rPr lang="zh-CN" altLang="en-US" sz="2400"/>
-              <a:t>删除方法</a:t>
-            </a:r>
-          </a:p>
-          <a:p>
-            <a:pPr lvl="2"/>
-            <a:r>
-              <a:rPr lang="en-US" altLang="zh-CN" sz="2000"/>
-              <a:t>pop() </a:t>
-            </a:r>
-            <a:r>
-              <a:rPr lang="zh-CN" altLang="en-US" sz="2000"/>
-              <a:t>，</a:t>
-            </a:r>
-            <a:r>
-              <a:rPr lang="en-US" altLang="zh-CN" sz="2000"/>
-              <a:t>erase()</a:t>
-            </a:r>
-            <a:r>
-              <a:rPr lang="zh-CN" altLang="en-US" sz="2000"/>
-              <a:t>，</a:t>
-            </a:r>
-            <a:r>
-              <a:rPr lang="en-US" altLang="zh-CN" sz="2000"/>
-              <a:t>clear()</a:t>
-            </a:r>
-          </a:p>
-          <a:p>
-            <a:pPr lvl="1"/>
-            <a:r>
-              <a:rPr lang="zh-CN" altLang="en-US" sz="2400"/>
-              <a:t>迭代访问方法</a:t>
-            </a:r>
-          </a:p>
-          <a:p>
-            <a:pPr lvl="2"/>
-            <a:r>
-              <a:rPr lang="zh-CN" altLang="en-US" sz="2000"/>
-              <a:t>使用迭代器</a:t>
-            </a:r>
-          </a:p>
-          <a:p>
-            <a:pPr lvl="1"/>
-            <a:r>
-              <a:rPr lang="zh-CN" altLang="en-US" sz="2400"/>
-              <a:t>其它顺序容器访问方法（不修改访问方法）</a:t>
-            </a:r>
-          </a:p>
-          <a:p>
-            <a:pPr lvl="2"/>
-            <a:r>
-              <a:rPr lang="en-US" altLang="zh-CN" sz="2000"/>
-              <a:t>front()</a:t>
-            </a:r>
-            <a:r>
-              <a:rPr lang="zh-CN" altLang="en-US" sz="2000"/>
-              <a:t>，</a:t>
-            </a:r>
-            <a:r>
-              <a:rPr lang="en-US" altLang="zh-CN" sz="2000"/>
-              <a:t>back()</a:t>
-            </a:r>
-            <a:r>
-              <a:rPr lang="zh-CN" altLang="en-US" sz="2000"/>
-              <a:t>，下标</a:t>
-            </a:r>
-            <a:r>
-              <a:rPr lang="en-US" altLang="zh-CN" sz="2000"/>
-              <a:t>[]</a:t>
-            </a:r>
-            <a:r>
-              <a:rPr lang="zh-CN" altLang="en-US" sz="2000"/>
-              <a:t>运算符</a:t>
-            </a:r>
-          </a:p>
-        </p:txBody>
-      </p:sp>
-      <p:sp>
-        <p:nvSpPr>
           <p:cNvPr id="25604" name="Rectangle 4"/>
           <p:cNvSpPr>
             <a:spLocks noChangeArrowheads="1"/>
@@ -7398,8 +8529,8 @@
         </p:nvSpPr>
         <p:spPr bwMode="auto">
           <a:xfrm>
-            <a:off x="273050" y="914400"/>
-            <a:ext cx="793750" cy="4953000"/>
+            <a:off x="265299" y="685800"/>
+            <a:ext cx="801501" cy="3714750"/>
           </a:xfrm>
           <a:prstGeom prst="rect">
             <a:avLst/>
@@ -7501,6 +8632,124 @@
       </p:grpSpPr>
       <p:sp>
         <p:nvSpPr>
+          <p:cNvPr id="27650" name="Rectangle 2"/>
+          <p:cNvSpPr>
+            <a:spLocks noGrp="1" noChangeArrowheads="1"/>
+          </p:cNvSpPr>
+          <p:nvPr>
+            <p:ph type="title"/>
+          </p:nvPr>
+        </p:nvSpPr>
+        <p:spPr>
+          <a:noFill/>
+          <a:ln/>
+        </p:spPr>
+        <p:txBody>
+          <a:bodyPr/>
+          <a:lstStyle/>
+          <a:p>
+            <a:r>
+              <a:rPr lang="zh-CN" altLang="en-US"/>
+              <a:t>顺序容器</a:t>
+            </a:r>
+            <a:r>
+              <a:rPr lang="en-US" altLang="zh-CN"/>
+              <a:t>——</a:t>
+            </a:r>
+            <a:r>
+              <a:rPr lang="zh-CN" altLang="en-US"/>
+              <a:t>向量</a:t>
+            </a:r>
+          </a:p>
+        </p:txBody>
+      </p:sp>
+      <p:sp>
+        <p:nvSpPr>
+          <p:cNvPr id="27651" name="Rectangle 3"/>
+          <p:cNvSpPr>
+            <a:spLocks noGrp="1" noChangeArrowheads="1"/>
+          </p:cNvSpPr>
+          <p:nvPr>
+            <p:ph idx="1"/>
+          </p:nvPr>
+        </p:nvSpPr>
+        <p:spPr>
+          <a:noFill/>
+          <a:ln/>
+        </p:spPr>
+        <p:txBody>
+          <a:bodyPr>
+            <a:normAutofit fontScale="92500"/>
+          </a:bodyPr>
+          <a:lstStyle/>
+          <a:p>
+            <a:pPr>
+              <a:lnSpc>
+                <a:spcPct val="90000"/>
+              </a:lnSpc>
+            </a:pPr>
+            <a:r>
+              <a:rPr lang="zh-CN" altLang="en-US"/>
+              <a:t>向量属于顺序容器，用于容纳不定长线性序列（即线性群体），提供对序列的快速随机访问（也称直接访问）</a:t>
+            </a:r>
+          </a:p>
+          <a:p>
+            <a:pPr>
+              <a:lnSpc>
+                <a:spcPct val="90000"/>
+              </a:lnSpc>
+            </a:pPr>
+            <a:r>
+              <a:rPr lang="zh-CN" altLang="en-US"/>
+              <a:t>向量是动态结构，它的大小不固定，可以在程序运行时增加或减少。</a:t>
+            </a:r>
+          </a:p>
+          <a:p>
+            <a:pPr>
+              <a:lnSpc>
+                <a:spcPct val="90000"/>
+              </a:lnSpc>
+            </a:pPr>
+            <a:r>
+              <a:rPr lang="zh-CN" altLang="en-US"/>
+              <a:t>例</a:t>
+            </a:r>
+            <a:r>
+              <a:rPr lang="en-US" altLang="zh-CN"/>
+              <a:t>10-1</a:t>
+            </a:r>
+          </a:p>
+          <a:p>
+            <a:pPr lvl="1">
+              <a:lnSpc>
+                <a:spcPct val="90000"/>
+              </a:lnSpc>
+            </a:pPr>
+            <a:r>
+              <a:rPr lang="zh-CN" altLang="en-US"/>
+              <a:t>求范围</a:t>
+            </a:r>
+            <a:r>
+              <a:rPr lang="en-US" altLang="zh-CN"/>
+              <a:t>2~N</a:t>
+            </a:r>
+            <a:r>
+              <a:rPr lang="zh-CN" altLang="en-US"/>
+              <a:t>中的质数，</a:t>
+            </a:r>
+            <a:r>
+              <a:rPr lang="en-US" altLang="zh-CN"/>
+              <a:t>N</a:t>
+            </a:r>
+            <a:r>
+              <a:rPr lang="zh-CN" altLang="en-US"/>
+              <a:t>在程序运行时由键盘输入。</a:t>
+            </a:r>
+          </a:p>
+        </p:txBody>
+      </p:sp>
+      <p:sp>
+        <p:nvSpPr>
           <p:cNvPr id="7" name="灯片编号占位符 5"/>
           <p:cNvSpPr>
             <a:spLocks noGrp="1"/>
@@ -7525,122 +8774,6 @@
       </p:sp>
       <p:sp>
         <p:nvSpPr>
-          <p:cNvPr id="27650" name="Rectangle 2"/>
-          <p:cNvSpPr>
-            <a:spLocks noGrp="1" noChangeArrowheads="1"/>
-          </p:cNvSpPr>
-          <p:nvPr>
-            <p:ph type="title"/>
-          </p:nvPr>
-        </p:nvSpPr>
-        <p:spPr>
-          <a:noFill/>
-          <a:ln/>
-        </p:spPr>
-        <p:txBody>
-          <a:bodyPr/>
-          <a:lstStyle/>
-          <a:p>
-            <a:r>
-              <a:rPr lang="zh-CN" altLang="en-US"/>
-              <a:t>顺序容器</a:t>
-            </a:r>
-            <a:r>
-              <a:rPr lang="en-US" altLang="zh-CN"/>
-              <a:t>——</a:t>
-            </a:r>
-            <a:r>
-              <a:rPr lang="zh-CN" altLang="en-US"/>
-              <a:t>向量</a:t>
-            </a:r>
-          </a:p>
-        </p:txBody>
-      </p:sp>
-      <p:sp>
-        <p:nvSpPr>
-          <p:cNvPr id="27651" name="Rectangle 3"/>
-          <p:cNvSpPr>
-            <a:spLocks noGrp="1" noChangeArrowheads="1"/>
-          </p:cNvSpPr>
-          <p:nvPr>
-            <p:ph type="body" idx="1"/>
-          </p:nvPr>
-        </p:nvSpPr>
-        <p:spPr>
-          <a:noFill/>
-          <a:ln/>
-        </p:spPr>
-        <p:txBody>
-          <a:bodyPr/>
-          <a:lstStyle/>
-          <a:p>
-            <a:pPr>
-              <a:lnSpc>
-                <a:spcPct val="90000"/>
-              </a:lnSpc>
-            </a:pPr>
-            <a:r>
-              <a:rPr lang="zh-CN" altLang="en-US"/>
-              <a:t>向量属于顺序容器，用于容纳不定长线性序列（即线性群体），提供对序列的快速随机访问（也称直接访问）</a:t>
-            </a:r>
-          </a:p>
-          <a:p>
-            <a:pPr>
-              <a:lnSpc>
-                <a:spcPct val="90000"/>
-              </a:lnSpc>
-            </a:pPr>
-            <a:r>
-              <a:rPr lang="zh-CN" altLang="en-US"/>
-              <a:t>向量是动态结构，它的大小不固定，可以在程序运行时增加或减少。</a:t>
-            </a:r>
-          </a:p>
-          <a:p>
-            <a:pPr>
-              <a:lnSpc>
-                <a:spcPct val="90000"/>
-              </a:lnSpc>
-            </a:pPr>
-            <a:r>
-              <a:rPr lang="zh-CN" altLang="en-US"/>
-              <a:t>例</a:t>
-            </a:r>
-            <a:r>
-              <a:rPr lang="en-US" altLang="zh-CN"/>
-              <a:t>10-1</a:t>
-            </a:r>
-          </a:p>
-          <a:p>
-            <a:pPr lvl="1">
-              <a:lnSpc>
-                <a:spcPct val="90000"/>
-              </a:lnSpc>
-            </a:pPr>
-            <a:r>
-              <a:rPr lang="zh-CN" altLang="en-US"/>
-              <a:t>求范围</a:t>
-            </a:r>
-            <a:r>
-              <a:rPr lang="en-US" altLang="zh-CN"/>
-              <a:t>2~N</a:t>
-            </a:r>
-            <a:r>
-              <a:rPr lang="zh-CN" altLang="en-US"/>
-              <a:t>中的质数，</a:t>
-            </a:r>
-            <a:r>
-              <a:rPr lang="en-US" altLang="zh-CN"/>
-              <a:t>N</a:t>
-            </a:r>
-            <a:r>
-              <a:rPr lang="zh-CN" altLang="en-US"/>
-              <a:t>在程序运行时由键盘输入。</a:t>
-            </a:r>
-          </a:p>
-        </p:txBody>
-      </p:sp>
-      <p:sp>
-        <p:nvSpPr>
           <p:cNvPr id="27652" name="Rectangle 4"/>
           <p:cNvSpPr>
             <a:spLocks noChangeArrowheads="1"/>
@@ -7649,8 +8782,8 @@
         </p:nvSpPr>
         <p:spPr bwMode="auto">
           <a:xfrm>
-            <a:off x="273050" y="914400"/>
-            <a:ext cx="793750" cy="4953000"/>
+            <a:off x="265299" y="685800"/>
+            <a:ext cx="801501" cy="3714750"/>
           </a:xfrm>
           <a:prstGeom prst="rect">
             <a:avLst/>
@@ -7757,19 +8890,21 @@
             <a:spLocks noGrp="1" noChangeArrowheads="1"/>
           </p:cNvSpPr>
           <p:nvPr>
-            <p:ph type="body" idx="1"/>
+            <p:ph idx="1"/>
           </p:nvPr>
         </p:nvSpPr>
         <p:spPr>
           <a:xfrm>
-            <a:off x="685800" y="533400"/>
-            <a:ext cx="8153400" cy="5486400"/>
+            <a:off x="685800" y="400050"/>
+            <a:ext cx="8153400" cy="4114800"/>
           </a:xfrm>
           <a:noFill/>
           <a:ln/>
         </p:spPr>
         <p:txBody>
-          <a:bodyPr/>
+          <a:bodyPr>
+            <a:normAutofit fontScale="92500" lnSpcReduction="20000"/>
+          </a:bodyPr>
           <a:lstStyle/>
           <a:p>
             <a:pPr>
@@ -7984,8 +9119,8 @@
         </p:nvSpPr>
         <p:spPr bwMode="auto">
           <a:xfrm>
-            <a:off x="8629650" y="6478588"/>
-            <a:ext cx="504825" cy="304800"/>
+            <a:off x="8629651" y="4858941"/>
+            <a:ext cx="504825" cy="307777"/>
           </a:xfrm>
           <a:prstGeom prst="rect">
             <a:avLst/>
@@ -8100,19 +9235,21 @@
             <a:spLocks noGrp="1" noChangeArrowheads="1"/>
           </p:cNvSpPr>
           <p:nvPr>
-            <p:ph type="body" idx="1"/>
+            <p:ph idx="1"/>
           </p:nvPr>
         </p:nvSpPr>
         <p:spPr>
           <a:xfrm>
-            <a:off x="685800" y="304800"/>
-            <a:ext cx="7848600" cy="6324600"/>
+            <a:off x="685800" y="228600"/>
+            <a:ext cx="7848600" cy="4743450"/>
           </a:xfrm>
           <a:noFill/>
           <a:ln/>
         </p:spPr>
         <p:txBody>
-          <a:bodyPr/>
+          <a:bodyPr>
+            <a:normAutofit fontScale="92500" lnSpcReduction="20000"/>
+          </a:bodyPr>
           <a:lstStyle/>
           <a:p>
             <a:pPr>
@@ -8417,8 +9554,8 @@
         </p:nvSpPr>
         <p:spPr bwMode="auto">
           <a:xfrm>
-            <a:off x="8629650" y="6478588"/>
-            <a:ext cx="504825" cy="304800"/>
+            <a:off x="8629651" y="4858941"/>
+            <a:ext cx="504825" cy="307777"/>
           </a:xfrm>
           <a:prstGeom prst="rect">
             <a:avLst/>
@@ -8528,6 +9665,89 @@
       </p:grpSpPr>
       <p:sp>
         <p:nvSpPr>
+          <p:cNvPr id="33794" name="Rectangle 2"/>
+          <p:cNvSpPr>
+            <a:spLocks noGrp="1" noChangeArrowheads="1"/>
+          </p:cNvSpPr>
+          <p:nvPr>
+            <p:ph type="title"/>
+          </p:nvPr>
+        </p:nvSpPr>
+        <p:spPr>
+          <a:noFill/>
+          <a:ln/>
+        </p:spPr>
+        <p:txBody>
+          <a:bodyPr/>
+          <a:lstStyle/>
+          <a:p>
+            <a:r>
+              <a:rPr lang="zh-CN" altLang="en-US"/>
+              <a:t>顺序容器</a:t>
+            </a:r>
+            <a:r>
+              <a:rPr lang="en-US" altLang="zh-CN"/>
+              <a:t>——</a:t>
+            </a:r>
+            <a:r>
+              <a:rPr lang="zh-CN" altLang="en-US"/>
+              <a:t>双端队列</a:t>
+            </a:r>
+          </a:p>
+        </p:txBody>
+      </p:sp>
+      <p:sp>
+        <p:nvSpPr>
+          <p:cNvPr id="33795" name="Rectangle 3"/>
+          <p:cNvSpPr>
+            <a:spLocks noGrp="1" noChangeArrowheads="1"/>
+          </p:cNvSpPr>
+          <p:nvPr>
+            <p:ph idx="1"/>
+          </p:nvPr>
+        </p:nvSpPr>
+        <p:spPr>
+          <a:noFill/>
+          <a:ln/>
+        </p:spPr>
+        <p:txBody>
+          <a:bodyPr/>
+          <a:lstStyle/>
+          <a:p>
+            <a:r>
+              <a:rPr lang="zh-CN" altLang="en-US"/>
+              <a:t>双端队列是一种放松了访问权限的队列。元素可以从队列的两端入队和出队，也支持通过下标操作符“</a:t>
+            </a:r>
+            <a:r>
+              <a:rPr lang="en-US" altLang="zh-CN"/>
+              <a:t>[]”</a:t>
+            </a:r>
+            <a:r>
+              <a:rPr lang="zh-CN" altLang="en-US"/>
+              <a:t>进行直接访问。</a:t>
+            </a:r>
+          </a:p>
+          <a:p>
+            <a:r>
+              <a:rPr lang="zh-CN" altLang="en-US"/>
+              <a:t>例</a:t>
+            </a:r>
+            <a:r>
+              <a:rPr lang="en-US" altLang="zh-CN"/>
+              <a:t>10-2</a:t>
+            </a:r>
+          </a:p>
+          <a:p>
+            <a:pPr lvl="1"/>
+            <a:r>
+              <a:rPr lang="zh-CN" altLang="en-US"/>
+              <a:t>使用双端队列容器保存双精度数值序列</a:t>
+            </a:r>
+          </a:p>
+        </p:txBody>
+      </p:sp>
+      <p:sp>
+        <p:nvSpPr>
           <p:cNvPr id="7" name="灯片编号占位符 5"/>
           <p:cNvSpPr>
             <a:spLocks noGrp="1"/>
@@ -8552,89 +9772,6 @@
       </p:sp>
       <p:sp>
         <p:nvSpPr>
-          <p:cNvPr id="33794" name="Rectangle 2"/>
-          <p:cNvSpPr>
-            <a:spLocks noGrp="1" noChangeArrowheads="1"/>
-          </p:cNvSpPr>
-          <p:nvPr>
-            <p:ph type="title"/>
-          </p:nvPr>
-        </p:nvSpPr>
-        <p:spPr>
-          <a:noFill/>
-          <a:ln/>
-        </p:spPr>
-        <p:txBody>
-          <a:bodyPr/>
-          <a:lstStyle/>
-          <a:p>
-            <a:r>
-              <a:rPr lang="zh-CN" altLang="en-US"/>
-              <a:t>顺序容器</a:t>
-            </a:r>
-            <a:r>
-              <a:rPr lang="en-US" altLang="zh-CN"/>
-              <a:t>——</a:t>
-            </a:r>
-            <a:r>
-              <a:rPr lang="zh-CN" altLang="en-US"/>
-              <a:t>双端队列</a:t>
-            </a:r>
-          </a:p>
-        </p:txBody>
-      </p:sp>
-      <p:sp>
-        <p:nvSpPr>
-          <p:cNvPr id="33795" name="Rectangle 3"/>
-          <p:cNvSpPr>
-            <a:spLocks noGrp="1" noChangeArrowheads="1"/>
-          </p:cNvSpPr>
-          <p:nvPr>
-            <p:ph type="body" idx="1"/>
-          </p:nvPr>
-        </p:nvSpPr>
-        <p:spPr>
-          <a:noFill/>
-          <a:ln/>
-        </p:spPr>
-        <p:txBody>
-          <a:bodyPr/>
-          <a:lstStyle/>
-          <a:p>
-            <a:r>
-              <a:rPr lang="zh-CN" altLang="en-US"/>
-              <a:t>双端队列是一种放松了访问权限的队列。元素可以从队列的两端入队和出队，也支持通过下标操作符“</a:t>
-            </a:r>
-            <a:r>
-              <a:rPr lang="en-US" altLang="zh-CN"/>
-              <a:t>[]”</a:t>
-            </a:r>
-            <a:r>
-              <a:rPr lang="zh-CN" altLang="en-US"/>
-              <a:t>进行直接访问。</a:t>
-            </a:r>
-          </a:p>
-          <a:p>
-            <a:r>
-              <a:rPr lang="zh-CN" altLang="en-US"/>
-              <a:t>例</a:t>
-            </a:r>
-            <a:r>
-              <a:rPr lang="en-US" altLang="zh-CN"/>
-              <a:t>10-2</a:t>
-            </a:r>
-          </a:p>
-          <a:p>
-            <a:pPr lvl="1"/>
-            <a:r>
-              <a:rPr lang="zh-CN" altLang="en-US"/>
-              <a:t>使用双端队列容器保存双精度数值序列</a:t>
-            </a:r>
-          </a:p>
-        </p:txBody>
-      </p:sp>
-      <p:sp>
-        <p:nvSpPr>
           <p:cNvPr id="33796" name="Rectangle 4"/>
           <p:cNvSpPr>
             <a:spLocks noChangeArrowheads="1"/>
@@ -8643,8 +9780,8 @@
         </p:nvSpPr>
         <p:spPr bwMode="auto">
           <a:xfrm>
-            <a:off x="273050" y="914400"/>
-            <a:ext cx="793750" cy="4953000"/>
+            <a:off x="265299" y="685800"/>
+            <a:ext cx="801501" cy="3714750"/>
           </a:xfrm>
           <a:prstGeom prst="rect">
             <a:avLst/>
@@ -8746,6 +9883,125 @@
       </p:grpSpPr>
       <p:sp>
         <p:nvSpPr>
+          <p:cNvPr id="35842" name="Rectangle 2"/>
+          <p:cNvSpPr>
+            <a:spLocks noGrp="1" noChangeArrowheads="1"/>
+          </p:cNvSpPr>
+          <p:nvPr>
+            <p:ph type="title"/>
+          </p:nvPr>
+        </p:nvSpPr>
+        <p:spPr>
+          <a:noFill/>
+          <a:ln/>
+        </p:spPr>
+        <p:txBody>
+          <a:bodyPr/>
+          <a:lstStyle/>
+          <a:p>
+            <a:r>
+              <a:rPr lang="zh-CN" altLang="en-US"/>
+              <a:t>顺序容器</a:t>
+            </a:r>
+            <a:r>
+              <a:rPr lang="en-US" altLang="zh-CN"/>
+              <a:t>——</a:t>
+            </a:r>
+            <a:r>
+              <a:rPr lang="zh-CN" altLang="en-US"/>
+              <a:t>列表</a:t>
+            </a:r>
+          </a:p>
+        </p:txBody>
+      </p:sp>
+      <p:sp>
+        <p:nvSpPr>
+          <p:cNvPr id="35843" name="Rectangle 3"/>
+          <p:cNvSpPr>
+            <a:spLocks noGrp="1" noChangeArrowheads="1"/>
+          </p:cNvSpPr>
+          <p:nvPr>
+            <p:ph idx="1"/>
+          </p:nvPr>
+        </p:nvSpPr>
+        <p:spPr>
+          <a:xfrm>
+            <a:off x="1295400" y="1428750"/>
+            <a:ext cx="7239000" cy="3371850"/>
+          </a:xfrm>
+          <a:noFill/>
+          <a:ln/>
+        </p:spPr>
+        <p:txBody>
+          <a:bodyPr>
+            <a:normAutofit fontScale="92500" lnSpcReduction="10000"/>
+          </a:bodyPr>
+          <a:lstStyle/>
+          <a:p>
+            <a:pPr>
+              <a:lnSpc>
+                <a:spcPct val="90000"/>
+              </a:lnSpc>
+            </a:pPr>
+            <a:r>
+              <a:rPr lang="zh-CN" altLang="en-US" sz="2800"/>
+              <a:t>列表主要用于存放双向链表，可以从任意一端开始遍历。列表还提供了拼接（</a:t>
+            </a:r>
+            <a:r>
+              <a:rPr lang="en-US" altLang="zh-CN" sz="2800"/>
+              <a:t>splicing</a:t>
+            </a:r>
+            <a:r>
+              <a:rPr lang="zh-CN" altLang="en-US" sz="2800"/>
+              <a:t>）操作，将一个序列中的元素从插入到另一个序列中。</a:t>
+            </a:r>
+          </a:p>
+          <a:p>
+            <a:pPr>
+              <a:lnSpc>
+                <a:spcPct val="90000"/>
+              </a:lnSpc>
+            </a:pPr>
+            <a:r>
+              <a:rPr lang="zh-CN" altLang="en-US" sz="2800"/>
+              <a:t>例</a:t>
+            </a:r>
+            <a:r>
+              <a:rPr lang="en-US" altLang="zh-CN" sz="2800"/>
+              <a:t>10-3 </a:t>
+            </a:r>
+            <a:r>
+              <a:rPr lang="zh-CN" altLang="en-US" sz="2800"/>
+              <a:t>改写例</a:t>
+            </a:r>
+            <a:r>
+              <a:rPr lang="en-US" altLang="zh-CN" sz="2800"/>
+              <a:t>9-7</a:t>
+            </a:r>
+          </a:p>
+          <a:p>
+            <a:pPr lvl="1">
+              <a:lnSpc>
+                <a:spcPct val="90000"/>
+              </a:lnSpc>
+            </a:pPr>
+            <a:r>
+              <a:rPr lang="zh-CN" altLang="en-US" sz="2400"/>
+              <a:t>从键盘输入</a:t>
+            </a:r>
+            <a:r>
+              <a:rPr lang="en-US" altLang="zh-CN" sz="2400"/>
+              <a:t>10</a:t>
+            </a:r>
+            <a:r>
+              <a:rPr lang="zh-CN" altLang="en-US" sz="2400"/>
+              <a:t>个整数，用这些整数值作为结点数据，生成一个链表，按顺序输出链表中结点的数值。然后从键盘输入一个待查找整数，在链表中查找该整数，若找到则删除该整数所在的结点（如果出现多次，全部删除），然后输出删除结点以后的链表。在程序结束之前清空链表。</a:t>
+            </a:r>
+          </a:p>
+        </p:txBody>
+      </p:sp>
+      <p:sp>
+        <p:nvSpPr>
           <p:cNvPr id="7" name="灯片编号占位符 5"/>
           <p:cNvSpPr>
             <a:spLocks noGrp="1"/>
@@ -8770,123 +10026,6 @@
       </p:sp>
       <p:sp>
         <p:nvSpPr>
-          <p:cNvPr id="35842" name="Rectangle 2"/>
-          <p:cNvSpPr>
-            <a:spLocks noGrp="1" noChangeArrowheads="1"/>
-          </p:cNvSpPr>
-          <p:nvPr>
-            <p:ph type="title"/>
-          </p:nvPr>
-        </p:nvSpPr>
-        <p:spPr>
-          <a:noFill/>
-          <a:ln/>
-        </p:spPr>
-        <p:txBody>
-          <a:bodyPr/>
-          <a:lstStyle/>
-          <a:p>
-            <a:r>
-              <a:rPr lang="zh-CN" altLang="en-US"/>
-              <a:t>顺序容器</a:t>
-            </a:r>
-            <a:r>
-              <a:rPr lang="en-US" altLang="zh-CN"/>
-              <a:t>——</a:t>
-            </a:r>
-            <a:r>
-              <a:rPr lang="zh-CN" altLang="en-US"/>
-              <a:t>列表</a:t>
-            </a:r>
-          </a:p>
-        </p:txBody>
-      </p:sp>
-      <p:sp>
-        <p:nvSpPr>
-          <p:cNvPr id="35843" name="Rectangle 3"/>
-          <p:cNvSpPr>
-            <a:spLocks noGrp="1" noChangeArrowheads="1"/>
-          </p:cNvSpPr>
-          <p:nvPr>
-            <p:ph type="body" idx="1"/>
-          </p:nvPr>
-        </p:nvSpPr>
-        <p:spPr>
-          <a:xfrm>
-            <a:off x="1295400" y="1905000"/>
-            <a:ext cx="7239000" cy="4495800"/>
-          </a:xfrm>
-          <a:noFill/>
-          <a:ln/>
-        </p:spPr>
-        <p:txBody>
-          <a:bodyPr/>
-          <a:lstStyle/>
-          <a:p>
-            <a:pPr>
-              <a:lnSpc>
-                <a:spcPct val="90000"/>
-              </a:lnSpc>
-            </a:pPr>
-            <a:r>
-              <a:rPr lang="zh-CN" altLang="en-US" sz="2800"/>
-              <a:t>列表主要用于存放双向链表，可以从任意一端开始遍历。列表还提供了拼接（</a:t>
-            </a:r>
-            <a:r>
-              <a:rPr lang="en-US" altLang="zh-CN" sz="2800"/>
-              <a:t>splicing</a:t>
-            </a:r>
-            <a:r>
-              <a:rPr lang="zh-CN" altLang="en-US" sz="2800"/>
-              <a:t>）操作，将一个序列中的元素从插入到另一个序列中。</a:t>
-            </a:r>
-          </a:p>
-          <a:p>
-            <a:pPr>
-              <a:lnSpc>
-                <a:spcPct val="90000"/>
-              </a:lnSpc>
-            </a:pPr>
-            <a:r>
-              <a:rPr lang="zh-CN" altLang="en-US" sz="2800"/>
-              <a:t>例</a:t>
-            </a:r>
-            <a:r>
-              <a:rPr lang="en-US" altLang="zh-CN" sz="2800"/>
-              <a:t>10-3 </a:t>
-            </a:r>
-            <a:r>
-              <a:rPr lang="zh-CN" altLang="en-US" sz="2800"/>
-              <a:t>改写例</a:t>
-            </a:r>
-            <a:r>
-              <a:rPr lang="en-US" altLang="zh-CN" sz="2800"/>
-              <a:t>9-7</a:t>
-            </a:r>
-          </a:p>
-          <a:p>
-            <a:pPr lvl="1">
-              <a:lnSpc>
-                <a:spcPct val="90000"/>
-              </a:lnSpc>
-            </a:pPr>
-            <a:r>
-              <a:rPr lang="zh-CN" altLang="en-US" sz="2400"/>
-              <a:t>从键盘输入</a:t>
-            </a:r>
-            <a:r>
-              <a:rPr lang="en-US" altLang="zh-CN" sz="2400"/>
-              <a:t>10</a:t>
-            </a:r>
-            <a:r>
-              <a:rPr lang="zh-CN" altLang="en-US" sz="2400"/>
-              <a:t>个整数，用这些整数值作为结点数据，生成一个链表，按顺序输出链表中结点的数值。然后从键盘输入一个待查找整数，在链表中查找该整数，若找到则删除该整数所在的结点（如果出现多次，全部删除），然后输出删除结点以后的链表。在程序结束之前清空链表。</a:t>
-            </a:r>
-          </a:p>
-        </p:txBody>
-      </p:sp>
-      <p:sp>
-        <p:nvSpPr>
           <p:cNvPr id="35844" name="Rectangle 4"/>
           <p:cNvSpPr>
             <a:spLocks noChangeArrowheads="1"/>
@@ -8895,8 +10034,8 @@
         </p:nvSpPr>
         <p:spPr bwMode="auto">
           <a:xfrm>
-            <a:off x="273050" y="914400"/>
-            <a:ext cx="793750" cy="4953000"/>
+            <a:off x="265299" y="685800"/>
+            <a:ext cx="801501" cy="3714750"/>
           </a:xfrm>
           <a:prstGeom prst="rect">
             <a:avLst/>
@@ -9003,19 +10142,21 @@
             <a:spLocks noGrp="1" noChangeArrowheads="1"/>
           </p:cNvSpPr>
           <p:nvPr>
-            <p:ph type="body" idx="1"/>
+            <p:ph idx="1"/>
           </p:nvPr>
         </p:nvSpPr>
         <p:spPr>
           <a:xfrm>
-            <a:off x="685800" y="304800"/>
-            <a:ext cx="7848600" cy="6172200"/>
+            <a:off x="685800" y="228600"/>
+            <a:ext cx="7848600" cy="4629150"/>
           </a:xfrm>
           <a:noFill/>
           <a:ln/>
         </p:spPr>
         <p:txBody>
-          <a:bodyPr/>
+          <a:bodyPr>
+            <a:normAutofit fontScale="92500" lnSpcReduction="20000"/>
+          </a:bodyPr>
           <a:lstStyle/>
           <a:p>
             <a:pPr>
@@ -9293,8 +10434,8 @@
         </p:nvSpPr>
         <p:spPr bwMode="auto">
           <a:xfrm>
-            <a:off x="8629650" y="6478588"/>
-            <a:ext cx="504825" cy="304800"/>
+            <a:off x="8629651" y="4858941"/>
+            <a:ext cx="504825" cy="307777"/>
           </a:xfrm>
           <a:prstGeom prst="rect">
             <a:avLst/>
@@ -9409,20 +10550,20 @@
             <a:spLocks noGrp="1" noChangeArrowheads="1"/>
           </p:cNvSpPr>
           <p:nvPr>
-            <p:ph type="body" idx="1"/>
+            <p:ph idx="1"/>
           </p:nvPr>
         </p:nvSpPr>
         <p:spPr>
           <a:xfrm>
-            <a:off x="762000" y="381000"/>
-            <a:ext cx="7772400" cy="6248400"/>
+            <a:off x="762000" y="285750"/>
+            <a:ext cx="7772400" cy="4686300"/>
           </a:xfrm>
           <a:noFill/>
           <a:ln/>
         </p:spPr>
         <p:txBody>
           <a:bodyPr>
-            <a:normAutofit lnSpcReduction="10000"/>
+            <a:normAutofit fontScale="92500" lnSpcReduction="20000"/>
           </a:bodyPr>
           <a:lstStyle/>
           <a:p>
@@ -9851,8 +10992,8 @@
         </p:nvSpPr>
         <p:spPr bwMode="auto">
           <a:xfrm>
-            <a:off x="8629650" y="6478588"/>
-            <a:ext cx="504825" cy="304800"/>
+            <a:off x="8629651" y="4858941"/>
+            <a:ext cx="504825" cy="307777"/>
           </a:xfrm>
           <a:prstGeom prst="rect">
             <a:avLst/>
@@ -9962,6 +11103,158 @@
       </p:grpSpPr>
       <p:sp>
         <p:nvSpPr>
+          <p:cNvPr id="41986" name="Rectangle 2"/>
+          <p:cNvSpPr>
+            <a:spLocks noGrp="1" noChangeArrowheads="1"/>
+          </p:cNvSpPr>
+          <p:nvPr>
+            <p:ph type="title"/>
+          </p:nvPr>
+        </p:nvSpPr>
+        <p:spPr>
+          <a:noFill/>
+          <a:ln/>
+        </p:spPr>
+        <p:txBody>
+          <a:bodyPr/>
+          <a:lstStyle/>
+          <a:p>
+            <a:r>
+              <a:rPr lang="zh-CN" altLang="en-US"/>
+              <a:t>容器适配器</a:t>
+            </a:r>
+          </a:p>
+        </p:txBody>
+      </p:sp>
+      <p:sp>
+        <p:nvSpPr>
+          <p:cNvPr id="41987" name="Rectangle 3"/>
+          <p:cNvSpPr>
+            <a:spLocks noGrp="1" noChangeArrowheads="1"/>
+          </p:cNvSpPr>
+          <p:nvPr>
+            <p:ph idx="1"/>
+          </p:nvPr>
+        </p:nvSpPr>
+        <p:spPr>
+          <a:xfrm>
+            <a:off x="1295400" y="1428750"/>
+            <a:ext cx="7391400" cy="3314700"/>
+          </a:xfrm>
+          <a:noFill/>
+          <a:ln/>
+        </p:spPr>
+        <p:txBody>
+          <a:bodyPr>
+            <a:normAutofit fontScale="85000" lnSpcReduction="20000"/>
+          </a:bodyPr>
+          <a:lstStyle/>
+          <a:p>
+            <a:r>
+              <a:rPr lang="zh-CN" altLang="en-US" sz="2800"/>
+              <a:t>容器适配器是用来扩展</a:t>
+            </a:r>
+            <a:r>
+              <a:rPr lang="en-US" altLang="zh-CN" sz="2800"/>
+              <a:t>7</a:t>
+            </a:r>
+            <a:r>
+              <a:rPr lang="zh-CN" altLang="en-US" sz="2800"/>
+              <a:t>种基本容器的</a:t>
+            </a:r>
+          </a:p>
+          <a:p>
+            <a:r>
+              <a:rPr lang="zh-CN" altLang="en-US" sz="2800"/>
+              <a:t>栈容器</a:t>
+            </a:r>
+          </a:p>
+          <a:p>
+            <a:pPr lvl="1"/>
+            <a:r>
+              <a:rPr lang="zh-CN" altLang="en-US" sz="2400"/>
+              <a:t>使用适配器与一种基础容器相结合来实现</a:t>
+            </a:r>
+          </a:p>
+          <a:p>
+            <a:pPr lvl="1"/>
+            <a:r>
+              <a:rPr lang="zh-CN" altLang="en-US" sz="2400"/>
+              <a:t>例</a:t>
+            </a:r>
+            <a:r>
+              <a:rPr lang="en-US" altLang="zh-CN" sz="2400"/>
+              <a:t>10-4</a:t>
+            </a:r>
+            <a:r>
+              <a:rPr lang="zh-CN" altLang="en-US" sz="2400"/>
+              <a:t>：应用标准库中的</a:t>
+            </a:r>
+            <a:r>
+              <a:rPr lang="en-US" altLang="zh-CN" sz="2400"/>
+              <a:t>deque</a:t>
+            </a:r>
+            <a:r>
+              <a:rPr lang="zh-CN" altLang="en-US" sz="2400"/>
+              <a:t>顺序容器生成一个整数栈</a:t>
+            </a:r>
+            <a:r>
+              <a:rPr lang="en-US" altLang="zh-CN" sz="2400"/>
+              <a:t>stack</a:t>
+            </a:r>
+            <a:r>
+              <a:rPr lang="zh-CN" altLang="en-US" sz="2400"/>
+              <a:t>。</a:t>
+            </a:r>
+          </a:p>
+          <a:p>
+            <a:r>
+              <a:rPr lang="zh-CN" altLang="en-US" sz="2800"/>
+              <a:t>队列容器</a:t>
+            </a:r>
+          </a:p>
+          <a:p>
+            <a:pPr lvl="1"/>
+            <a:r>
+              <a:rPr lang="zh-CN" altLang="en-US" sz="2400"/>
+              <a:t>使用适配器与一种基础容器相结合来实现的先进先出数据结构。</a:t>
+            </a:r>
+          </a:p>
+          <a:p>
+            <a:pPr lvl="1"/>
+            <a:r>
+              <a:rPr lang="zh-CN" altLang="en-US" sz="2400"/>
+              <a:t>例</a:t>
+            </a:r>
+            <a:r>
+              <a:rPr lang="en-US" altLang="zh-CN" sz="2400"/>
+              <a:t>10-5</a:t>
+            </a:r>
+            <a:r>
+              <a:rPr lang="zh-CN" altLang="en-US" sz="2400"/>
+              <a:t>：应用标准库中的</a:t>
+            </a:r>
+            <a:r>
+              <a:rPr lang="en-US" altLang="zh-CN" sz="2400"/>
+              <a:t>deque</a:t>
+            </a:r>
+            <a:r>
+              <a:rPr lang="zh-CN" altLang="en-US" sz="2400"/>
+              <a:t>顺序容器生成一个整数标准队列</a:t>
+            </a:r>
+            <a:r>
+              <a:rPr lang="en-US" altLang="zh-CN" sz="2400"/>
+              <a:t>Queue</a:t>
+            </a:r>
+            <a:r>
+              <a:rPr lang="zh-CN" altLang="en-US" sz="2400"/>
+              <a:t>。</a:t>
+            </a:r>
+          </a:p>
+        </p:txBody>
+      </p:sp>
+      <p:sp>
+        <p:nvSpPr>
           <p:cNvPr id="7" name="灯片编号占位符 5"/>
           <p:cNvSpPr>
             <a:spLocks noGrp="1"/>
@@ -9986,156 +11279,6 @@
       </p:sp>
       <p:sp>
         <p:nvSpPr>
-          <p:cNvPr id="41986" name="Rectangle 2"/>
-          <p:cNvSpPr>
-            <a:spLocks noGrp="1" noChangeArrowheads="1"/>
-          </p:cNvSpPr>
-          <p:nvPr>
-            <p:ph type="title"/>
-          </p:nvPr>
-        </p:nvSpPr>
-        <p:spPr>
-          <a:noFill/>
-          <a:ln/>
-        </p:spPr>
-        <p:txBody>
-          <a:bodyPr/>
-          <a:lstStyle/>
-          <a:p>
-            <a:r>
-              <a:rPr lang="zh-CN" altLang="en-US"/>
-              <a:t>容器适配器</a:t>
-            </a:r>
-          </a:p>
-        </p:txBody>
-      </p:sp>
-      <p:sp>
-        <p:nvSpPr>
-          <p:cNvPr id="41987" name="Rectangle 3"/>
-          <p:cNvSpPr>
-            <a:spLocks noGrp="1" noChangeArrowheads="1"/>
-          </p:cNvSpPr>
-          <p:nvPr>
-            <p:ph type="body" idx="1"/>
-          </p:nvPr>
-        </p:nvSpPr>
-        <p:spPr>
-          <a:xfrm>
-            <a:off x="1295400" y="1905000"/>
-            <a:ext cx="7391400" cy="4419600"/>
-          </a:xfrm>
-          <a:noFill/>
-          <a:ln/>
-        </p:spPr>
-        <p:txBody>
-          <a:bodyPr/>
-          <a:lstStyle/>
-          <a:p>
-            <a:r>
-              <a:rPr lang="zh-CN" altLang="en-US" sz="2800"/>
-              <a:t>容器适配器是用来扩展</a:t>
-            </a:r>
-            <a:r>
-              <a:rPr lang="en-US" altLang="zh-CN" sz="2800"/>
-              <a:t>7</a:t>
-            </a:r>
-            <a:r>
-              <a:rPr lang="zh-CN" altLang="en-US" sz="2800"/>
-              <a:t>种基本容器的</a:t>
-            </a:r>
-          </a:p>
-          <a:p>
-            <a:r>
-              <a:rPr lang="zh-CN" altLang="en-US" sz="2800"/>
-              <a:t>栈容器</a:t>
-            </a:r>
-          </a:p>
-          <a:p>
-            <a:pPr lvl="1"/>
-            <a:r>
-              <a:rPr lang="zh-CN" altLang="en-US" sz="2400"/>
-              <a:t>使用适配器与一种基础容器相结合来实现</a:t>
-            </a:r>
-          </a:p>
-          <a:p>
-            <a:pPr lvl="1"/>
-            <a:r>
-              <a:rPr lang="zh-CN" altLang="en-US" sz="2400"/>
-              <a:t>例</a:t>
-            </a:r>
-            <a:r>
-              <a:rPr lang="en-US" altLang="zh-CN" sz="2400"/>
-              <a:t>10-4</a:t>
-            </a:r>
-            <a:r>
-              <a:rPr lang="zh-CN" altLang="en-US" sz="2400"/>
-              <a:t>：应用标准库中的</a:t>
-            </a:r>
-            <a:r>
-              <a:rPr lang="en-US" altLang="zh-CN" sz="2400"/>
-              <a:t>deque</a:t>
-            </a:r>
-            <a:r>
-              <a:rPr lang="zh-CN" altLang="en-US" sz="2400"/>
-              <a:t>顺序容器生成一个整数栈</a:t>
-            </a:r>
-            <a:r>
-              <a:rPr lang="en-US" altLang="zh-CN" sz="2400"/>
-              <a:t>stack</a:t>
-            </a:r>
-            <a:r>
-              <a:rPr lang="zh-CN" altLang="en-US" sz="2400"/>
-              <a:t>。</a:t>
-            </a:r>
-          </a:p>
-          <a:p>
-            <a:r>
-              <a:rPr lang="zh-CN" altLang="en-US" sz="2800"/>
-              <a:t>队列容器</a:t>
-            </a:r>
-          </a:p>
-          <a:p>
-            <a:pPr lvl="1"/>
-            <a:r>
-              <a:rPr lang="zh-CN" altLang="en-US" sz="2400"/>
-              <a:t>使用适配器与一种基础容器相结合来实现的先进先出数据结构。</a:t>
-            </a:r>
-          </a:p>
-          <a:p>
-            <a:pPr lvl="1"/>
-            <a:r>
-              <a:rPr lang="zh-CN" altLang="en-US" sz="2400"/>
-              <a:t>例</a:t>
-            </a:r>
-            <a:r>
-              <a:rPr lang="en-US" altLang="zh-CN" sz="2400"/>
-              <a:t>10-5</a:t>
-            </a:r>
-            <a:r>
-              <a:rPr lang="zh-CN" altLang="en-US" sz="2400"/>
-              <a:t>：应用标准库中的</a:t>
-            </a:r>
-            <a:r>
-              <a:rPr lang="en-US" altLang="zh-CN" sz="2400"/>
-              <a:t>deque</a:t>
-            </a:r>
-            <a:r>
-              <a:rPr lang="zh-CN" altLang="en-US" sz="2400"/>
-              <a:t>顺序容器生成一个整数标准队列</a:t>
-            </a:r>
-            <a:r>
-              <a:rPr lang="en-US" altLang="zh-CN" sz="2400"/>
-              <a:t>Queue</a:t>
-            </a:r>
-            <a:r>
-              <a:rPr lang="zh-CN" altLang="en-US" sz="2400"/>
-              <a:t>。</a:t>
-            </a:r>
-          </a:p>
-        </p:txBody>
-      </p:sp>
-      <p:sp>
-        <p:nvSpPr>
           <p:cNvPr id="41988" name="Rectangle 4"/>
           <p:cNvSpPr>
             <a:spLocks noChangeArrowheads="1"/>
@@ -10144,8 +11287,8 @@
         </p:nvSpPr>
         <p:spPr bwMode="auto">
           <a:xfrm>
-            <a:off x="273050" y="914400"/>
-            <a:ext cx="793750" cy="4953000"/>
+            <a:off x="265299" y="685800"/>
+            <a:ext cx="801501" cy="3714750"/>
           </a:xfrm>
           <a:prstGeom prst="rect">
             <a:avLst/>
@@ -10247,6 +11390,110 @@
       </p:grpSpPr>
       <p:sp>
         <p:nvSpPr>
+          <p:cNvPr id="7170" name="Rectangle 2"/>
+          <p:cNvSpPr>
+            <a:spLocks noGrp="1" noChangeArrowheads="1"/>
+          </p:cNvSpPr>
+          <p:nvPr>
+            <p:ph type="title"/>
+          </p:nvPr>
+        </p:nvSpPr>
+        <p:spPr>
+          <a:xfrm>
+            <a:off x="1447800" y="285750"/>
+            <a:ext cx="7162800" cy="857250"/>
+          </a:xfrm>
+          <a:noFill/>
+          <a:ln/>
+        </p:spPr>
+        <p:txBody>
+          <a:bodyPr/>
+          <a:lstStyle/>
+          <a:p>
+            <a:r>
+              <a:rPr lang="zh-CN" altLang="en-US"/>
+              <a:t>主要内容</a:t>
+            </a:r>
+          </a:p>
+        </p:txBody>
+      </p:sp>
+      <p:sp>
+        <p:nvSpPr>
+          <p:cNvPr id="7171" name="Rectangle 3"/>
+          <p:cNvSpPr>
+            <a:spLocks noGrp="1" noChangeArrowheads="1"/>
+          </p:cNvSpPr>
+          <p:nvPr>
+            <p:ph idx="1"/>
+          </p:nvPr>
+        </p:nvSpPr>
+        <p:spPr>
+          <a:noFill/>
+          <a:ln/>
+        </p:spPr>
+        <p:txBody>
+          <a:bodyPr>
+            <a:normAutofit lnSpcReduction="10000"/>
+          </a:bodyPr>
+          <a:lstStyle/>
+          <a:p>
+            <a:r>
+              <a:rPr lang="zh-CN" altLang="en-US"/>
+              <a:t>泛型程序设计</a:t>
+            </a:r>
+          </a:p>
+          <a:p>
+            <a:r>
+              <a:rPr lang="zh-CN" altLang="en-US"/>
+              <a:t>与标准模板库有关的概念和术语</a:t>
+            </a:r>
+          </a:p>
+          <a:p>
+            <a:r>
+              <a:rPr lang="en-US" altLang="zh-CN"/>
+              <a:t>C++</a:t>
+            </a:r>
+            <a:r>
+              <a:rPr lang="zh-CN" altLang="en-US"/>
+              <a:t>标准模板库中的容器</a:t>
+            </a:r>
+          </a:p>
+          <a:p>
+            <a:r>
+              <a:rPr lang="zh-CN" altLang="en-US"/>
+              <a:t>迭代器</a:t>
+            </a:r>
+          </a:p>
+          <a:p>
+            <a:r>
+              <a:rPr lang="zh-CN" altLang="en-US"/>
+              <a:t>标准</a:t>
+            </a:r>
+            <a:r>
+              <a:rPr lang="en-US" altLang="zh-CN"/>
+              <a:t>C++</a:t>
+            </a:r>
+            <a:r>
+              <a:rPr lang="zh-CN" altLang="en-US"/>
+              <a:t>库中的算法</a:t>
+            </a:r>
+          </a:p>
+          <a:p>
+            <a:r>
+              <a:rPr lang="zh-CN" altLang="en-US">
+                <a:latin typeface="Times New Roman" pitchFamily="18" charset="0"/>
+              </a:rPr>
+              <a:t>函数对象</a:t>
+            </a:r>
+            <a:r>
+              <a:rPr lang="zh-CN" altLang="en-US"/>
+              <a:t> </a:t>
+            </a:r>
+          </a:p>
+        </p:txBody>
+      </p:sp>
+      <p:sp>
+        <p:nvSpPr>
           <p:cNvPr id="6" name="灯片编号占位符 5"/>
           <p:cNvSpPr>
             <a:spLocks noGrp="1"/>
@@ -10266,108 +11513,6 @@
               <a:t>2</a:t>
             </a:fld>
             <a:endParaRPr lang="en-US" altLang="zh-CN"/>
-          </a:p>
-        </p:txBody>
-      </p:sp>
-      <p:sp>
-        <p:nvSpPr>
-          <p:cNvPr id="7170" name="Rectangle 2"/>
-          <p:cNvSpPr>
-            <a:spLocks noGrp="1" noChangeArrowheads="1"/>
-          </p:cNvSpPr>
-          <p:nvPr>
-            <p:ph type="title"/>
-          </p:nvPr>
-        </p:nvSpPr>
-        <p:spPr>
-          <a:xfrm>
-            <a:off x="1447800" y="381000"/>
-            <a:ext cx="7162800" cy="1143000"/>
-          </a:xfrm>
-          <a:noFill/>
-          <a:ln/>
-        </p:spPr>
-        <p:txBody>
-          <a:bodyPr/>
-          <a:lstStyle/>
-          <a:p>
-            <a:r>
-              <a:rPr lang="zh-CN" altLang="en-US"/>
-              <a:t>主要内容</a:t>
-            </a:r>
-          </a:p>
-        </p:txBody>
-      </p:sp>
-      <p:sp>
-        <p:nvSpPr>
-          <p:cNvPr id="7171" name="Rectangle 3"/>
-          <p:cNvSpPr>
-            <a:spLocks noGrp="1" noChangeArrowheads="1"/>
-          </p:cNvSpPr>
-          <p:nvPr>
-            <p:ph type="body" idx="1"/>
-          </p:nvPr>
-        </p:nvSpPr>
-        <p:spPr>
-          <a:noFill/>
-          <a:ln/>
-        </p:spPr>
-        <p:txBody>
-          <a:bodyPr/>
-          <a:lstStyle/>
-          <a:p>
-            <a:r>
-              <a:rPr lang="zh-CN" altLang="en-US"/>
-              <a:t>泛型程序设计</a:t>
-            </a:r>
-          </a:p>
-          <a:p>
-            <a:r>
-              <a:rPr lang="zh-CN" altLang="en-US"/>
-              <a:t>与标准模板库有关的概念和术语</a:t>
-            </a:r>
-          </a:p>
-          <a:p>
-            <a:r>
-              <a:rPr lang="en-US" altLang="zh-CN"/>
-              <a:t>C++</a:t>
-            </a:r>
-            <a:r>
-              <a:rPr lang="zh-CN" altLang="en-US"/>
-              <a:t>标准模板库中的容器</a:t>
-            </a:r>
-          </a:p>
-          <a:p>
-            <a:r>
-              <a:rPr lang="zh-CN" altLang="en-US"/>
-              <a:t>迭代器</a:t>
-            </a:r>
-          </a:p>
-          <a:p>
-            <a:r>
-              <a:rPr lang="zh-CN" altLang="en-US"/>
-              <a:t>标准</a:t>
-            </a:r>
-            <a:r>
-              <a:rPr lang="en-US" altLang="zh-CN"/>
-              <a:t>C++</a:t>
-            </a:r>
-            <a:r>
-              <a:rPr lang="zh-CN" altLang="en-US"/>
-              <a:t>库中的算法</a:t>
-            </a:r>
-          </a:p>
-          <a:p>
-            <a:r>
-              <a:rPr lang="zh-CN" altLang="en-US">
-                <a:latin typeface="Times New Roman" pitchFamily="18" charset="0"/>
-              </a:rPr>
-              <a:t>函数对象</a:t>
-            </a:r>
-            <a:r>
-              <a:rPr lang="zh-CN" altLang="en-US"/>
-              <a:t> </a:t>
-            </a:r>
           </a:p>
         </p:txBody>
       </p:sp>
@@ -10410,6 +11555,82 @@
       </p:grpSpPr>
       <p:sp>
         <p:nvSpPr>
+          <p:cNvPr id="44034" name="Rectangle 2"/>
+          <p:cNvSpPr>
+            <a:spLocks noGrp="1" noChangeArrowheads="1"/>
+          </p:cNvSpPr>
+          <p:nvPr>
+            <p:ph type="title"/>
+          </p:nvPr>
+        </p:nvSpPr>
+        <p:spPr>
+          <a:noFill/>
+          <a:ln/>
+        </p:spPr>
+        <p:txBody>
+          <a:bodyPr/>
+          <a:lstStyle/>
+          <a:p>
+            <a:r>
+              <a:rPr lang="zh-CN" altLang="en-US"/>
+              <a:t>什么是迭代器</a:t>
+            </a:r>
+          </a:p>
+        </p:txBody>
+      </p:sp>
+      <p:sp>
+        <p:nvSpPr>
+          <p:cNvPr id="44035" name="Rectangle 3"/>
+          <p:cNvSpPr>
+            <a:spLocks noGrp="1" noChangeArrowheads="1"/>
+          </p:cNvSpPr>
+          <p:nvPr>
+            <p:ph idx="1"/>
+          </p:nvPr>
+        </p:nvSpPr>
+        <p:spPr>
+          <a:noFill/>
+          <a:ln/>
+        </p:spPr>
+        <p:txBody>
+          <a:bodyPr>
+            <a:normAutofit lnSpcReduction="10000"/>
+          </a:bodyPr>
+          <a:lstStyle/>
+          <a:p>
+            <a:r>
+              <a:rPr lang="zh-CN" altLang="en-US"/>
+              <a:t>迭代器是面向对象版本的指针</a:t>
+            </a:r>
+          </a:p>
+          <a:p>
+            <a:pPr lvl="1"/>
+            <a:r>
+              <a:rPr lang="zh-CN" altLang="en-US"/>
+              <a:t>指针可以指向内存中的一个地址</a:t>
+            </a:r>
+          </a:p>
+          <a:p>
+            <a:pPr lvl="1"/>
+            <a:r>
+              <a:rPr lang="zh-CN" altLang="en-US"/>
+              <a:t>迭代器可以指向容器中的一个位置</a:t>
+            </a:r>
+          </a:p>
+          <a:p>
+            <a:r>
+              <a:rPr lang="en-US" altLang="zh-CN"/>
+              <a:t>STL</a:t>
+            </a:r>
+            <a:r>
+              <a:rPr lang="zh-CN" altLang="en-US"/>
+              <a:t>的每一个容器类模版中，都定义了一组对应的迭代器类。使用迭代器，算法函数可以访问容器中指定位置的元素，而无需关心元素的具体类型。</a:t>
+            </a:r>
+          </a:p>
+        </p:txBody>
+      </p:sp>
+      <p:sp>
+        <p:nvSpPr>
           <p:cNvPr id="7" name="灯片编号占位符 5"/>
           <p:cNvSpPr>
             <a:spLocks noGrp="1"/>
@@ -10434,80 +11655,6 @@
       </p:sp>
       <p:sp>
         <p:nvSpPr>
-          <p:cNvPr id="44034" name="Rectangle 2"/>
-          <p:cNvSpPr>
-            <a:spLocks noGrp="1" noChangeArrowheads="1"/>
-          </p:cNvSpPr>
-          <p:nvPr>
-            <p:ph type="title"/>
-          </p:nvPr>
-        </p:nvSpPr>
-        <p:spPr>
-          <a:noFill/>
-          <a:ln/>
-        </p:spPr>
-        <p:txBody>
-          <a:bodyPr/>
-          <a:lstStyle/>
-          <a:p>
-            <a:r>
-              <a:rPr lang="zh-CN" altLang="en-US"/>
-              <a:t>什么是迭代器</a:t>
-            </a:r>
-          </a:p>
-        </p:txBody>
-      </p:sp>
-      <p:sp>
-        <p:nvSpPr>
-          <p:cNvPr id="44035" name="Rectangle 3"/>
-          <p:cNvSpPr>
-            <a:spLocks noGrp="1" noChangeArrowheads="1"/>
-          </p:cNvSpPr>
-          <p:nvPr>
-            <p:ph type="body" idx="1"/>
-          </p:nvPr>
-        </p:nvSpPr>
-        <p:spPr>
-          <a:noFill/>
-          <a:ln/>
-        </p:spPr>
-        <p:txBody>
-          <a:bodyPr/>
-          <a:lstStyle/>
-          <a:p>
-            <a:r>
-              <a:rPr lang="zh-CN" altLang="en-US"/>
-              <a:t>迭代器是面向对象版本的指针</a:t>
-            </a:r>
-          </a:p>
-          <a:p>
-            <a:pPr lvl="1"/>
-            <a:r>
-              <a:rPr lang="zh-CN" altLang="en-US"/>
-              <a:t>指针可以指向内存中的一个地址</a:t>
-            </a:r>
-          </a:p>
-          <a:p>
-            <a:pPr lvl="1"/>
-            <a:r>
-              <a:rPr lang="zh-CN" altLang="en-US"/>
-              <a:t>迭代器可以指向容器中的一个位置</a:t>
-            </a:r>
-          </a:p>
-          <a:p>
-            <a:r>
-              <a:rPr lang="en-US" altLang="zh-CN"/>
-              <a:t>STL</a:t>
-            </a:r>
-            <a:r>
-              <a:rPr lang="zh-CN" altLang="en-US"/>
-              <a:t>的每一个容器类模版中，都定义了一组对应的迭代器类。使用迭代器，算法函数可以访问容器中指定位置的元素，而无需关心元素的具体类型。</a:t>
-            </a:r>
-          </a:p>
-        </p:txBody>
-      </p:sp>
-      <p:sp>
-        <p:nvSpPr>
           <p:cNvPr id="44036" name="Rectangle 4"/>
           <p:cNvSpPr>
             <a:spLocks noChangeArrowheads="1"/>
@@ -10516,8 +11663,8 @@
         </p:nvSpPr>
         <p:spPr bwMode="auto">
           <a:xfrm>
-            <a:off x="273050" y="914400"/>
-            <a:ext cx="793750" cy="4953000"/>
+            <a:off x="265299" y="685800"/>
+            <a:ext cx="801501" cy="3714750"/>
           </a:xfrm>
           <a:prstGeom prst="rect">
             <a:avLst/>
@@ -10619,6 +11766,166 @@
       </p:grpSpPr>
       <p:sp>
         <p:nvSpPr>
+          <p:cNvPr id="46082" name="Rectangle 2"/>
+          <p:cNvSpPr>
+            <a:spLocks noGrp="1" noChangeArrowheads="1"/>
+          </p:cNvSpPr>
+          <p:nvPr>
+            <p:ph type="title"/>
+          </p:nvPr>
+        </p:nvSpPr>
+        <p:spPr>
+          <a:noFill/>
+          <a:ln/>
+        </p:spPr>
+        <p:txBody>
+          <a:bodyPr/>
+          <a:lstStyle/>
+          <a:p>
+            <a:r>
+              <a:rPr lang="zh-CN" altLang="en-US"/>
+              <a:t>迭代器的类型</a:t>
+            </a:r>
+          </a:p>
+        </p:txBody>
+      </p:sp>
+      <p:sp>
+        <p:nvSpPr>
+          <p:cNvPr id="46083" name="Rectangle 3"/>
+          <p:cNvSpPr>
+            <a:spLocks noGrp="1" noChangeArrowheads="1"/>
+          </p:cNvSpPr>
+          <p:nvPr>
+            <p:ph idx="1"/>
+          </p:nvPr>
+        </p:nvSpPr>
+        <p:spPr>
+          <a:xfrm>
+            <a:off x="1295400" y="1428750"/>
+            <a:ext cx="7239000" cy="3371850"/>
+          </a:xfrm>
+          <a:noFill/>
+          <a:ln/>
+        </p:spPr>
+        <p:txBody>
+          <a:bodyPr>
+            <a:normAutofit fontScale="92500" lnSpcReduction="20000"/>
+          </a:bodyPr>
+          <a:lstStyle/>
+          <a:p>
+            <a:pPr>
+              <a:lnSpc>
+                <a:spcPct val="90000"/>
+              </a:lnSpc>
+            </a:pPr>
+            <a:r>
+              <a:rPr lang="zh-CN" altLang="en-US" sz="2400"/>
+              <a:t>输入迭代器</a:t>
+            </a:r>
+          </a:p>
+          <a:p>
+            <a:pPr lvl="1">
+              <a:lnSpc>
+                <a:spcPct val="90000"/>
+              </a:lnSpc>
+            </a:pPr>
+            <a:r>
+              <a:rPr lang="zh-CN" altLang="en-US" sz="2000"/>
+              <a:t>可以用来从序列中读取数据</a:t>
+            </a:r>
+          </a:p>
+          <a:p>
+            <a:pPr>
+              <a:lnSpc>
+                <a:spcPct val="90000"/>
+              </a:lnSpc>
+            </a:pPr>
+            <a:r>
+              <a:rPr lang="zh-CN" altLang="en-US" sz="2400"/>
+              <a:t>输出迭代器</a:t>
+            </a:r>
+          </a:p>
+          <a:p>
+            <a:pPr lvl="1">
+              <a:lnSpc>
+                <a:spcPct val="90000"/>
+              </a:lnSpc>
+            </a:pPr>
+            <a:r>
+              <a:rPr lang="zh-CN" altLang="en-US" sz="2000"/>
+              <a:t>允许向序列中写入数据</a:t>
+            </a:r>
+          </a:p>
+          <a:p>
+            <a:pPr>
+              <a:lnSpc>
+                <a:spcPct val="90000"/>
+              </a:lnSpc>
+            </a:pPr>
+            <a:r>
+              <a:rPr lang="zh-CN" altLang="en-US" sz="2400"/>
+              <a:t>前向迭代器</a:t>
+            </a:r>
+          </a:p>
+          <a:p>
+            <a:pPr lvl="1">
+              <a:lnSpc>
+                <a:spcPct val="90000"/>
+              </a:lnSpc>
+            </a:pPr>
+            <a:r>
+              <a:rPr lang="zh-CN" altLang="en-US" sz="2000"/>
+              <a:t>既是输入迭代器又是输出迭代器，并且可以对序列进行单向的遍历</a:t>
+            </a:r>
+          </a:p>
+          <a:p>
+            <a:pPr>
+              <a:lnSpc>
+                <a:spcPct val="90000"/>
+              </a:lnSpc>
+            </a:pPr>
+            <a:r>
+              <a:rPr lang="zh-CN" altLang="en-US" sz="2400"/>
+              <a:t>双向迭代器</a:t>
+            </a:r>
+          </a:p>
+          <a:p>
+            <a:pPr lvl="1">
+              <a:lnSpc>
+                <a:spcPct val="90000"/>
+              </a:lnSpc>
+            </a:pPr>
+            <a:r>
+              <a:rPr lang="zh-CN" altLang="en-US" sz="2000"/>
+              <a:t>与前向迭代器相似，但是在两个方向上都可以对数据遍历</a:t>
+            </a:r>
+          </a:p>
+          <a:p>
+            <a:pPr>
+              <a:lnSpc>
+                <a:spcPct val="90000"/>
+              </a:lnSpc>
+            </a:pPr>
+            <a:r>
+              <a:rPr lang="zh-CN" altLang="en-US" sz="2400"/>
+              <a:t>随机访问迭代器</a:t>
+            </a:r>
+          </a:p>
+          <a:p>
+            <a:pPr lvl="1">
+              <a:lnSpc>
+                <a:spcPct val="90000"/>
+              </a:lnSpc>
+            </a:pPr>
+            <a:r>
+              <a:rPr lang="zh-CN" altLang="en-US" sz="2000"/>
+              <a:t>也是双向迭代器，但能够在序列中的任意两个位置之间进行跳转。</a:t>
+            </a:r>
+          </a:p>
+        </p:txBody>
+      </p:sp>
+      <p:sp>
+        <p:nvSpPr>
           <p:cNvPr id="7" name="灯片编号占位符 5"/>
           <p:cNvSpPr>
             <a:spLocks noGrp="1"/>
@@ -10643,166 +11950,6 @@
       </p:sp>
       <p:sp>
         <p:nvSpPr>
-          <p:cNvPr id="46082" name="Rectangle 2"/>
-          <p:cNvSpPr>
-            <a:spLocks noGrp="1" noChangeArrowheads="1"/>
-          </p:cNvSpPr>
-          <p:nvPr>
-            <p:ph type="title"/>
-          </p:nvPr>
-        </p:nvSpPr>
-        <p:spPr>
-          <a:noFill/>
-          <a:ln/>
-        </p:spPr>
-        <p:txBody>
-          <a:bodyPr/>
-          <a:lstStyle/>
-          <a:p>
-            <a:r>
-              <a:rPr lang="zh-CN" altLang="en-US"/>
-              <a:t>迭代器的类型</a:t>
-            </a:r>
-          </a:p>
-        </p:txBody>
-      </p:sp>
-      <p:sp>
-        <p:nvSpPr>
-          <p:cNvPr id="46083" name="Rectangle 3"/>
-          <p:cNvSpPr>
-            <a:spLocks noGrp="1" noChangeArrowheads="1"/>
-          </p:cNvSpPr>
-          <p:nvPr>
-            <p:ph type="body" idx="1"/>
-          </p:nvPr>
-        </p:nvSpPr>
-        <p:spPr>
-          <a:xfrm>
-            <a:off x="1295400" y="1905000"/>
-            <a:ext cx="7239000" cy="4495800"/>
-          </a:xfrm>
-          <a:noFill/>
-          <a:ln/>
-        </p:spPr>
-        <p:txBody>
-          <a:bodyPr>
-            <a:normAutofit lnSpcReduction="10000"/>
-          </a:bodyPr>
-          <a:lstStyle/>
-          <a:p>
-            <a:pPr>
-              <a:lnSpc>
-                <a:spcPct val="90000"/>
-              </a:lnSpc>
-            </a:pPr>
-            <a:r>
-              <a:rPr lang="zh-CN" altLang="en-US" sz="2400"/>
-              <a:t>输入迭代器</a:t>
-            </a:r>
-          </a:p>
-          <a:p>
-            <a:pPr lvl="1">
-              <a:lnSpc>
-                <a:spcPct val="90000"/>
-              </a:lnSpc>
-            </a:pPr>
-            <a:r>
-              <a:rPr lang="zh-CN" altLang="en-US" sz="2000"/>
-              <a:t>可以用来从序列中读取数据</a:t>
-            </a:r>
-          </a:p>
-          <a:p>
-            <a:pPr>
-              <a:lnSpc>
-                <a:spcPct val="90000"/>
-              </a:lnSpc>
-            </a:pPr>
-            <a:r>
-              <a:rPr lang="zh-CN" altLang="en-US" sz="2400"/>
-              <a:t>输出迭代器</a:t>
-            </a:r>
-          </a:p>
-          <a:p>
-            <a:pPr lvl="1">
-              <a:lnSpc>
-                <a:spcPct val="90000"/>
-              </a:lnSpc>
-            </a:pPr>
-            <a:r>
-              <a:rPr lang="zh-CN" altLang="en-US" sz="2000"/>
-              <a:t>允许向序列中写入数据</a:t>
-            </a:r>
-          </a:p>
-          <a:p>
-            <a:pPr>
-              <a:lnSpc>
-                <a:spcPct val="90000"/>
-              </a:lnSpc>
-            </a:pPr>
-            <a:r>
-              <a:rPr lang="zh-CN" altLang="en-US" sz="2400"/>
-              <a:t>前向迭代器</a:t>
-            </a:r>
-          </a:p>
-          <a:p>
-            <a:pPr lvl="1">
-              <a:lnSpc>
-                <a:spcPct val="90000"/>
-              </a:lnSpc>
-            </a:pPr>
-            <a:r>
-              <a:rPr lang="zh-CN" altLang="en-US" sz="2000"/>
-              <a:t>既是输入迭代器又是输出迭代器，并且可以对序列进行单向的遍历</a:t>
-            </a:r>
-          </a:p>
-          <a:p>
-            <a:pPr>
-              <a:lnSpc>
-                <a:spcPct val="90000"/>
-              </a:lnSpc>
-            </a:pPr>
-            <a:r>
-              <a:rPr lang="zh-CN" altLang="en-US" sz="2400"/>
-              <a:t>双向迭代器</a:t>
-            </a:r>
-          </a:p>
-          <a:p>
-            <a:pPr lvl="1">
-              <a:lnSpc>
-                <a:spcPct val="90000"/>
-              </a:lnSpc>
-            </a:pPr>
-            <a:r>
-              <a:rPr lang="zh-CN" altLang="en-US" sz="2000"/>
-              <a:t>与前向迭代器相似，但是在两个方向上都可以对数据遍历</a:t>
-            </a:r>
-          </a:p>
-          <a:p>
-            <a:pPr>
-              <a:lnSpc>
-                <a:spcPct val="90000"/>
-              </a:lnSpc>
-            </a:pPr>
-            <a:r>
-              <a:rPr lang="zh-CN" altLang="en-US" sz="2400"/>
-              <a:t>随机访问迭代器</a:t>
-            </a:r>
-          </a:p>
-          <a:p>
-            <a:pPr lvl="1">
-              <a:lnSpc>
-                <a:spcPct val="90000"/>
-              </a:lnSpc>
-            </a:pPr>
-            <a:r>
-              <a:rPr lang="zh-CN" altLang="en-US" sz="2000"/>
-              <a:t>也是双向迭代器，但能够在序列中的任意两个位置之间进行跳转。</a:t>
-            </a:r>
-          </a:p>
-        </p:txBody>
-      </p:sp>
-      <p:sp>
-        <p:nvSpPr>
           <p:cNvPr id="46084" name="Rectangle 4"/>
           <p:cNvSpPr>
             <a:spLocks noChangeArrowheads="1"/>
@@ -10811,8 +11958,8 @@
         </p:nvSpPr>
         <p:spPr bwMode="auto">
           <a:xfrm>
-            <a:off x="273050" y="914400"/>
-            <a:ext cx="793750" cy="4953000"/>
+            <a:off x="265299" y="685800"/>
+            <a:ext cx="801501" cy="3714750"/>
           </a:xfrm>
           <a:prstGeom prst="rect">
             <a:avLst/>
@@ -10914,6 +12061,105 @@
       </p:grpSpPr>
       <p:sp>
         <p:nvSpPr>
+          <p:cNvPr id="48130" name="Rectangle 2"/>
+          <p:cNvSpPr>
+            <a:spLocks noGrp="1" noChangeArrowheads="1"/>
+          </p:cNvSpPr>
+          <p:nvPr>
+            <p:ph type="title"/>
+          </p:nvPr>
+        </p:nvSpPr>
+        <p:spPr>
+          <a:noFill/>
+          <a:ln/>
+        </p:spPr>
+        <p:txBody>
+          <a:bodyPr/>
+          <a:lstStyle/>
+          <a:p>
+            <a:r>
+              <a:rPr lang="zh-CN" altLang="en-US"/>
+              <a:t>迭代器适配器</a:t>
+            </a:r>
+          </a:p>
+        </p:txBody>
+      </p:sp>
+      <p:sp>
+        <p:nvSpPr>
+          <p:cNvPr id="48131" name="Rectangle 3"/>
+          <p:cNvSpPr>
+            <a:spLocks noGrp="1" noChangeArrowheads="1"/>
+          </p:cNvSpPr>
+          <p:nvPr>
+            <p:ph idx="1"/>
+          </p:nvPr>
+        </p:nvSpPr>
+        <p:spPr>
+          <a:xfrm>
+            <a:off x="1295400" y="1428750"/>
+            <a:ext cx="7239000" cy="3371850"/>
+          </a:xfrm>
+          <a:noFill/>
+          <a:ln/>
+        </p:spPr>
+        <p:txBody>
+          <a:bodyPr>
+            <a:normAutofit fontScale="92500" lnSpcReduction="10000"/>
+          </a:bodyPr>
+          <a:lstStyle/>
+          <a:p>
+            <a:r>
+              <a:rPr lang="zh-CN" altLang="en-US" sz="2400"/>
+              <a:t>迭代器适配器是用来扩展（或调整）迭代器功能的类。它本身也被称为迭代器，只是这种迭代器是通过改变另一个迭代器而得到的</a:t>
+            </a:r>
+          </a:p>
+          <a:p>
+            <a:r>
+              <a:rPr lang="zh-CN" altLang="en-US" sz="2400"/>
+              <a:t>逆向迭代器</a:t>
+            </a:r>
+          </a:p>
+          <a:p>
+            <a:pPr lvl="1"/>
+            <a:r>
+              <a:rPr lang="zh-CN" altLang="en-US" sz="2000"/>
+              <a:t>通过重新定义递增运算和递减运算，使其行为正好倒置</a:t>
+            </a:r>
+          </a:p>
+          <a:p>
+            <a:r>
+              <a:rPr lang="zh-CN" altLang="en-US" sz="2400"/>
+              <a:t>插入型迭代器</a:t>
+            </a:r>
+          </a:p>
+          <a:p>
+            <a:pPr lvl="1"/>
+            <a:r>
+              <a:rPr lang="zh-CN" altLang="en-US" sz="2000"/>
+              <a:t>将赋值操作转换为插入操作。通过这种迭代器，算法可以执行插入行为而不是覆盖行为</a:t>
+            </a:r>
+          </a:p>
+          <a:p>
+            <a:r>
+              <a:rPr lang="zh-CN" altLang="en-US" sz="2400"/>
+              <a:t>例</a:t>
+            </a:r>
+            <a:r>
+              <a:rPr lang="en-US" altLang="zh-CN" sz="2400"/>
+              <a:t>10-6</a:t>
+            </a:r>
+          </a:p>
+          <a:p>
+            <a:pPr lvl="1"/>
+            <a:r>
+              <a:rPr lang="zh-CN" altLang="en-US" sz="2000"/>
+              <a:t>应用逆向迭代器和后插迭代器来操作向量容器中的元素</a:t>
+            </a:r>
+          </a:p>
+        </p:txBody>
+      </p:sp>
+      <p:sp>
+        <p:nvSpPr>
           <p:cNvPr id="7" name="灯片编号占位符 5"/>
           <p:cNvSpPr>
             <a:spLocks noGrp="1"/>
@@ -10938,103 +12184,6 @@
       </p:sp>
       <p:sp>
         <p:nvSpPr>
-          <p:cNvPr id="48130" name="Rectangle 2"/>
-          <p:cNvSpPr>
-            <a:spLocks noGrp="1" noChangeArrowheads="1"/>
-          </p:cNvSpPr>
-          <p:nvPr>
-            <p:ph type="title"/>
-          </p:nvPr>
-        </p:nvSpPr>
-        <p:spPr>
-          <a:noFill/>
-          <a:ln/>
-        </p:spPr>
-        <p:txBody>
-          <a:bodyPr/>
-          <a:lstStyle/>
-          <a:p>
-            <a:r>
-              <a:rPr lang="zh-CN" altLang="en-US"/>
-              <a:t>迭代器适配器</a:t>
-            </a:r>
-          </a:p>
-        </p:txBody>
-      </p:sp>
-      <p:sp>
-        <p:nvSpPr>
-          <p:cNvPr id="48131" name="Rectangle 3"/>
-          <p:cNvSpPr>
-            <a:spLocks noGrp="1" noChangeArrowheads="1"/>
-          </p:cNvSpPr>
-          <p:nvPr>
-            <p:ph type="body" idx="1"/>
-          </p:nvPr>
-        </p:nvSpPr>
-        <p:spPr>
-          <a:xfrm>
-            <a:off x="1295400" y="1905000"/>
-            <a:ext cx="7239000" cy="4495800"/>
-          </a:xfrm>
-          <a:noFill/>
-          <a:ln/>
-        </p:spPr>
-        <p:txBody>
-          <a:bodyPr/>
-          <a:lstStyle/>
-          <a:p>
-            <a:r>
-              <a:rPr lang="zh-CN" altLang="en-US" sz="2400"/>
-              <a:t>迭代器适配器是用来扩展（或调整）迭代器功能的类。它本身也被称为迭代器，只是这种迭代器是通过改变另一个迭代器而得到的</a:t>
-            </a:r>
-          </a:p>
-          <a:p>
-            <a:r>
-              <a:rPr lang="zh-CN" altLang="en-US" sz="2400"/>
-              <a:t>逆向迭代器</a:t>
-            </a:r>
-          </a:p>
-          <a:p>
-            <a:pPr lvl="1"/>
-            <a:r>
-              <a:rPr lang="zh-CN" altLang="en-US" sz="2000"/>
-              <a:t>通过重新定义递增运算和递减运算，使其行为正好倒置</a:t>
-            </a:r>
-          </a:p>
-          <a:p>
-            <a:r>
-              <a:rPr lang="zh-CN" altLang="en-US" sz="2400"/>
-              <a:t>插入型迭代器</a:t>
-            </a:r>
-          </a:p>
-          <a:p>
-            <a:pPr lvl="1"/>
-            <a:r>
-              <a:rPr lang="zh-CN" altLang="en-US" sz="2000"/>
-              <a:t>将赋值操作转换为插入操作。通过这种迭代器，算法可以执行插入行为而不是覆盖行为</a:t>
-            </a:r>
-          </a:p>
-          <a:p>
-            <a:r>
-              <a:rPr lang="zh-CN" altLang="en-US" sz="2400"/>
-              <a:t>例</a:t>
-            </a:r>
-            <a:r>
-              <a:rPr lang="en-US" altLang="zh-CN" sz="2400"/>
-              <a:t>10-6</a:t>
-            </a:r>
-          </a:p>
-          <a:p>
-            <a:pPr lvl="1"/>
-            <a:r>
-              <a:rPr lang="zh-CN" altLang="en-US" sz="2000"/>
-              <a:t>应用逆向迭代器和后插迭代器来操作向量容器中的元素</a:t>
-            </a:r>
-          </a:p>
-        </p:txBody>
-      </p:sp>
-      <p:sp>
-        <p:nvSpPr>
           <p:cNvPr id="48132" name="Rectangle 4"/>
           <p:cNvSpPr>
             <a:spLocks noChangeArrowheads="1"/>
@@ -11043,8 +12192,8 @@
         </p:nvSpPr>
         <p:spPr bwMode="auto">
           <a:xfrm>
-            <a:off x="273050" y="914400"/>
-            <a:ext cx="793750" cy="4953000"/>
+            <a:off x="265299" y="685800"/>
+            <a:ext cx="801501" cy="3714750"/>
           </a:xfrm>
           <a:prstGeom prst="rect">
             <a:avLst/>
@@ -11146,6 +12295,156 @@
       </p:grpSpPr>
       <p:sp>
         <p:nvSpPr>
+          <p:cNvPr id="50178" name="Rectangle 2"/>
+          <p:cNvSpPr>
+            <a:spLocks noGrp="1" noChangeArrowheads="1"/>
+          </p:cNvSpPr>
+          <p:nvPr>
+            <p:ph type="title"/>
+          </p:nvPr>
+        </p:nvSpPr>
+        <p:spPr>
+          <a:noFill/>
+          <a:ln/>
+        </p:spPr>
+        <p:txBody>
+          <a:bodyPr/>
+          <a:lstStyle/>
+          <a:p>
+            <a:r>
+              <a:rPr lang="zh-CN" altLang="en-US"/>
+              <a:t>迭代器相关的辅助函数</a:t>
+            </a:r>
+          </a:p>
+        </p:txBody>
+      </p:sp>
+      <p:sp>
+        <p:nvSpPr>
+          <p:cNvPr id="50179" name="Rectangle 3"/>
+          <p:cNvSpPr>
+            <a:spLocks noGrp="1" noChangeArrowheads="1"/>
+          </p:cNvSpPr>
+          <p:nvPr>
+            <p:ph idx="1"/>
+          </p:nvPr>
+        </p:nvSpPr>
+        <p:spPr>
+          <a:noFill/>
+          <a:ln/>
+        </p:spPr>
+        <p:txBody>
+          <a:bodyPr>
+            <a:normAutofit lnSpcReduction="10000"/>
+          </a:bodyPr>
+          <a:lstStyle/>
+          <a:p>
+            <a:pPr>
+              <a:lnSpc>
+                <a:spcPct val="90000"/>
+              </a:lnSpc>
+            </a:pPr>
+            <a:r>
+              <a:rPr lang="en-US" altLang="zh-CN" sz="2800"/>
+              <a:t>advance()</a:t>
+            </a:r>
+            <a:r>
+              <a:rPr lang="zh-CN" altLang="en-US" sz="2800"/>
+              <a:t>函数</a:t>
+            </a:r>
+          </a:p>
+          <a:p>
+            <a:pPr lvl="1">
+              <a:lnSpc>
+                <a:spcPct val="90000"/>
+              </a:lnSpc>
+            </a:pPr>
+            <a:r>
+              <a:rPr lang="zh-CN" altLang="en-US" sz="2400"/>
+              <a:t>将迭代器的位置增加，增加的幅度由参数决定</a:t>
+            </a:r>
+          </a:p>
+          <a:p>
+            <a:pPr>
+              <a:lnSpc>
+                <a:spcPct val="90000"/>
+              </a:lnSpc>
+            </a:pPr>
+            <a:r>
+              <a:rPr lang="en-US" altLang="zh-CN" sz="2800"/>
+              <a:t>Distance()</a:t>
+            </a:r>
+            <a:r>
+              <a:rPr lang="zh-CN" altLang="en-US" sz="2800"/>
+              <a:t>函数</a:t>
+            </a:r>
+          </a:p>
+          <a:p>
+            <a:pPr lvl="1">
+              <a:lnSpc>
+                <a:spcPct val="90000"/>
+              </a:lnSpc>
+            </a:pPr>
+            <a:r>
+              <a:rPr lang="zh-CN" altLang="en-US" sz="2400"/>
+              <a:t>返回迭代器之间的距离</a:t>
+            </a:r>
+          </a:p>
+          <a:p>
+            <a:pPr>
+              <a:lnSpc>
+                <a:spcPct val="90000"/>
+              </a:lnSpc>
+            </a:pPr>
+            <a:r>
+              <a:rPr lang="zh-CN" altLang="en-US" sz="2800"/>
+              <a:t>函数</a:t>
+            </a:r>
+            <a:r>
+              <a:rPr lang="en-US" altLang="zh-CN" sz="2800"/>
+              <a:t>iter_swap()</a:t>
+            </a:r>
+          </a:p>
+          <a:p>
+            <a:pPr lvl="1">
+              <a:lnSpc>
+                <a:spcPct val="90000"/>
+              </a:lnSpc>
+            </a:pPr>
+            <a:r>
+              <a:rPr lang="zh-CN" altLang="en-US" sz="2400"/>
+              <a:t>交换两个迭代器所指向的元素值</a:t>
+            </a:r>
+          </a:p>
+          <a:p>
+            <a:pPr>
+              <a:lnSpc>
+                <a:spcPct val="90000"/>
+              </a:lnSpc>
+            </a:pPr>
+            <a:r>
+              <a:rPr lang="zh-CN" altLang="en-US" sz="2800"/>
+              <a:t>例</a:t>
+            </a:r>
+            <a:r>
+              <a:rPr lang="en-US" altLang="zh-CN" sz="2800"/>
+              <a:t>10-7</a:t>
+            </a:r>
+          </a:p>
+          <a:p>
+            <a:pPr lvl="1">
+              <a:lnSpc>
+                <a:spcPct val="90000"/>
+              </a:lnSpc>
+            </a:pPr>
+            <a:r>
+              <a:rPr lang="zh-CN" altLang="en-US" sz="2400"/>
+              <a:t>用三个迭代器辅助函数来操作列表容器中的元素。</a:t>
+            </a:r>
+          </a:p>
+        </p:txBody>
+      </p:sp>
+      <p:sp>
+        <p:nvSpPr>
           <p:cNvPr id="7" name="灯片编号占位符 5"/>
           <p:cNvSpPr>
             <a:spLocks noGrp="1"/>
@@ -11170,154 +12469,6 @@
       </p:sp>
       <p:sp>
         <p:nvSpPr>
-          <p:cNvPr id="50178" name="Rectangle 2"/>
-          <p:cNvSpPr>
-            <a:spLocks noGrp="1" noChangeArrowheads="1"/>
-          </p:cNvSpPr>
-          <p:nvPr>
-            <p:ph type="title"/>
-          </p:nvPr>
-        </p:nvSpPr>
-        <p:spPr>
-          <a:noFill/>
-          <a:ln/>
-        </p:spPr>
-        <p:txBody>
-          <a:bodyPr/>
-          <a:lstStyle/>
-          <a:p>
-            <a:r>
-              <a:rPr lang="zh-CN" altLang="en-US"/>
-              <a:t>迭代器相关的辅助函数</a:t>
-            </a:r>
-          </a:p>
-        </p:txBody>
-      </p:sp>
-      <p:sp>
-        <p:nvSpPr>
-          <p:cNvPr id="50179" name="Rectangle 3"/>
-          <p:cNvSpPr>
-            <a:spLocks noGrp="1" noChangeArrowheads="1"/>
-          </p:cNvSpPr>
-          <p:nvPr>
-            <p:ph type="body" idx="1"/>
-          </p:nvPr>
-        </p:nvSpPr>
-        <p:spPr>
-          <a:noFill/>
-          <a:ln/>
-        </p:spPr>
-        <p:txBody>
-          <a:bodyPr/>
-          <a:lstStyle/>
-          <a:p>
-            <a:pPr>
-              <a:lnSpc>
-                <a:spcPct val="90000"/>
-              </a:lnSpc>
-            </a:pPr>
-            <a:r>
-              <a:rPr lang="en-US" altLang="zh-CN" sz="2800"/>
-              <a:t>advance()</a:t>
-            </a:r>
-            <a:r>
-              <a:rPr lang="zh-CN" altLang="en-US" sz="2800"/>
-              <a:t>函数</a:t>
-            </a:r>
-          </a:p>
-          <a:p>
-            <a:pPr lvl="1">
-              <a:lnSpc>
-                <a:spcPct val="90000"/>
-              </a:lnSpc>
-            </a:pPr>
-            <a:r>
-              <a:rPr lang="zh-CN" altLang="en-US" sz="2400"/>
-              <a:t>将迭代器的位置增加，增加的幅度由参数决定</a:t>
-            </a:r>
-          </a:p>
-          <a:p>
-            <a:pPr>
-              <a:lnSpc>
-                <a:spcPct val="90000"/>
-              </a:lnSpc>
-            </a:pPr>
-            <a:r>
-              <a:rPr lang="en-US" altLang="zh-CN" sz="2800"/>
-              <a:t>Distance()</a:t>
-            </a:r>
-            <a:r>
-              <a:rPr lang="zh-CN" altLang="en-US" sz="2800"/>
-              <a:t>函数</a:t>
-            </a:r>
-          </a:p>
-          <a:p>
-            <a:pPr lvl="1">
-              <a:lnSpc>
-                <a:spcPct val="90000"/>
-              </a:lnSpc>
-            </a:pPr>
-            <a:r>
-              <a:rPr lang="zh-CN" altLang="en-US" sz="2400"/>
-              <a:t>返回迭代器之间的距离</a:t>
-            </a:r>
-          </a:p>
-          <a:p>
-            <a:pPr>
-              <a:lnSpc>
-                <a:spcPct val="90000"/>
-              </a:lnSpc>
-            </a:pPr>
-            <a:r>
-              <a:rPr lang="zh-CN" altLang="en-US" sz="2800"/>
-              <a:t>函数</a:t>
-            </a:r>
-            <a:r>
-              <a:rPr lang="en-US" altLang="zh-CN" sz="2800"/>
-              <a:t>iter_swap()</a:t>
-            </a:r>
-          </a:p>
-          <a:p>
-            <a:pPr lvl="1">
-              <a:lnSpc>
-                <a:spcPct val="90000"/>
-              </a:lnSpc>
-            </a:pPr>
-            <a:r>
-              <a:rPr lang="zh-CN" altLang="en-US" sz="2400"/>
-              <a:t>交换两个迭代器所指向的元素值</a:t>
-            </a:r>
-          </a:p>
-          <a:p>
-            <a:pPr>
-              <a:lnSpc>
-                <a:spcPct val="90000"/>
-              </a:lnSpc>
-            </a:pPr>
-            <a:r>
-              <a:rPr lang="zh-CN" altLang="en-US" sz="2800"/>
-              <a:t>例</a:t>
-            </a:r>
-            <a:r>
-              <a:rPr lang="en-US" altLang="zh-CN" sz="2800"/>
-              <a:t>10-7</a:t>
-            </a:r>
-          </a:p>
-          <a:p>
-            <a:pPr lvl="1">
-              <a:lnSpc>
-                <a:spcPct val="90000"/>
-              </a:lnSpc>
-            </a:pPr>
-            <a:r>
-              <a:rPr lang="zh-CN" altLang="en-US" sz="2400"/>
-              <a:t>用三个迭代器辅助函数来操作列表容器中的元素。</a:t>
-            </a:r>
-          </a:p>
-        </p:txBody>
-      </p:sp>
-      <p:sp>
-        <p:nvSpPr>
           <p:cNvPr id="50180" name="Rectangle 4"/>
           <p:cNvSpPr>
             <a:spLocks noChangeArrowheads="1"/>
@@ -11326,8 +12477,8 @@
         </p:nvSpPr>
         <p:spPr bwMode="auto">
           <a:xfrm>
-            <a:off x="273050" y="914400"/>
-            <a:ext cx="793750" cy="4953000"/>
+            <a:off x="265299" y="685800"/>
+            <a:ext cx="801501" cy="3714750"/>
           </a:xfrm>
           <a:prstGeom prst="rect">
             <a:avLst/>
@@ -11429,6 +12580,154 @@
       </p:grpSpPr>
       <p:sp>
         <p:nvSpPr>
+          <p:cNvPr id="52226" name="Rectangle 2"/>
+          <p:cNvSpPr>
+            <a:spLocks noGrp="1" noChangeArrowheads="1"/>
+          </p:cNvSpPr>
+          <p:nvPr>
+            <p:ph type="title"/>
+          </p:nvPr>
+        </p:nvSpPr>
+        <p:spPr>
+          <a:noFill/>
+          <a:ln/>
+        </p:spPr>
+        <p:txBody>
+          <a:bodyPr/>
+          <a:lstStyle/>
+          <a:p>
+            <a:r>
+              <a:rPr lang="zh-CN" altLang="en-US"/>
+              <a:t>标准</a:t>
+            </a:r>
+            <a:r>
+              <a:rPr lang="en-US" altLang="zh-CN"/>
+              <a:t>C++</a:t>
+            </a:r>
+            <a:r>
+              <a:rPr lang="zh-CN" altLang="en-US"/>
+              <a:t>库中的算法</a:t>
+            </a:r>
+          </a:p>
+        </p:txBody>
+      </p:sp>
+      <p:sp>
+        <p:nvSpPr>
+          <p:cNvPr id="52227" name="Rectangle 3"/>
+          <p:cNvSpPr>
+            <a:spLocks noGrp="1" noChangeArrowheads="1"/>
+          </p:cNvSpPr>
+          <p:nvPr>
+            <p:ph idx="1"/>
+          </p:nvPr>
+        </p:nvSpPr>
+        <p:spPr>
+          <a:noFill/>
+          <a:ln/>
+        </p:spPr>
+        <p:txBody>
+          <a:bodyPr>
+            <a:normAutofit fontScale="92500" lnSpcReduction="10000"/>
+          </a:bodyPr>
+          <a:lstStyle/>
+          <a:p>
+            <a:r>
+              <a:rPr lang="zh-CN" altLang="en-US">
+                <a:latin typeface="宋体" pitchFamily="2" charset="-122"/>
+              </a:rPr>
+              <a:t>算法本身是一种函数模板</a:t>
+            </a:r>
+          </a:p>
+          <a:p>
+            <a:r>
+              <a:rPr lang="zh-CN" altLang="en-US">
+                <a:latin typeface="宋体" pitchFamily="2" charset="-122"/>
+              </a:rPr>
+              <a:t>不可变序列算法</a:t>
+            </a:r>
+            <a:r>
+              <a:rPr lang="zh-CN" altLang="en-US" sz="2000">
+                <a:latin typeface="宋体" pitchFamily="2" charset="-122"/>
+              </a:rPr>
+              <a:t>（</a:t>
+            </a:r>
+            <a:r>
+              <a:rPr lang="en-US" altLang="zh-CN" sz="2000">
+                <a:latin typeface="宋体" pitchFamily="2" charset="-122"/>
+              </a:rPr>
+              <a:t>Non-mutating algorithms</a:t>
+            </a:r>
+            <a:r>
+              <a:rPr lang="zh-CN" altLang="en-US" sz="2000">
+                <a:latin typeface="宋体" pitchFamily="2" charset="-122"/>
+              </a:rPr>
+              <a:t>）</a:t>
+            </a:r>
+          </a:p>
+          <a:p>
+            <a:pPr lvl="1"/>
+            <a:r>
+              <a:rPr lang="zh-CN" altLang="en-US">
+                <a:latin typeface="宋体" pitchFamily="2" charset="-122"/>
+              </a:rPr>
+              <a:t>不直接修改所操作的容器内容的算法</a:t>
+            </a:r>
+          </a:p>
+          <a:p>
+            <a:r>
+              <a:rPr lang="zh-CN" altLang="en-US">
+                <a:latin typeface="宋体" pitchFamily="2" charset="-122"/>
+              </a:rPr>
+              <a:t>可变序列算法</a:t>
+            </a:r>
+            <a:r>
+              <a:rPr lang="zh-CN" altLang="en-US" sz="2800">
+                <a:latin typeface="宋体" pitchFamily="2" charset="-122"/>
+              </a:rPr>
+              <a:t>（</a:t>
+            </a:r>
+            <a:r>
+              <a:rPr lang="en-US" altLang="zh-CN" sz="2800">
+                <a:latin typeface="宋体" pitchFamily="2" charset="-122"/>
+              </a:rPr>
+              <a:t>Mutating algorithms</a:t>
+            </a:r>
+            <a:r>
+              <a:rPr lang="zh-CN" altLang="en-US" sz="2800">
+                <a:latin typeface="宋体" pitchFamily="2" charset="-122"/>
+              </a:rPr>
+              <a:t>）</a:t>
+            </a:r>
+          </a:p>
+          <a:p>
+            <a:pPr lvl="1"/>
+            <a:r>
+              <a:rPr lang="zh-CN" altLang="en-US">
+                <a:latin typeface="宋体" pitchFamily="2" charset="-122"/>
+              </a:rPr>
+              <a:t>可以修改它们所操作的容器的元素。</a:t>
+            </a:r>
+          </a:p>
+          <a:p>
+            <a:r>
+              <a:rPr lang="zh-CN" altLang="en-US">
+                <a:latin typeface="宋体" pitchFamily="2" charset="-122"/>
+              </a:rPr>
+              <a:t>排序相关算法</a:t>
+            </a:r>
+          </a:p>
+          <a:p>
+            <a:r>
+              <a:rPr lang="zh-CN" altLang="en-US">
+                <a:latin typeface="宋体" pitchFamily="2" charset="-122"/>
+              </a:rPr>
+              <a:t>数值算法</a:t>
+            </a:r>
+          </a:p>
+        </p:txBody>
+      </p:sp>
+      <p:sp>
+        <p:nvSpPr>
           <p:cNvPr id="7" name="灯片编号占位符 5"/>
           <p:cNvSpPr>
             <a:spLocks noGrp="1"/>
@@ -11453,152 +12752,6 @@
       </p:sp>
       <p:sp>
         <p:nvSpPr>
-          <p:cNvPr id="52226" name="Rectangle 2"/>
-          <p:cNvSpPr>
-            <a:spLocks noGrp="1" noChangeArrowheads="1"/>
-          </p:cNvSpPr>
-          <p:nvPr>
-            <p:ph type="title"/>
-          </p:nvPr>
-        </p:nvSpPr>
-        <p:spPr>
-          <a:noFill/>
-          <a:ln/>
-        </p:spPr>
-        <p:txBody>
-          <a:bodyPr/>
-          <a:lstStyle/>
-          <a:p>
-            <a:r>
-              <a:rPr lang="zh-CN" altLang="en-US"/>
-              <a:t>标准</a:t>
-            </a:r>
-            <a:r>
-              <a:rPr lang="en-US" altLang="zh-CN"/>
-              <a:t>C++</a:t>
-            </a:r>
-            <a:r>
-              <a:rPr lang="zh-CN" altLang="en-US"/>
-              <a:t>库中的算法</a:t>
-            </a:r>
-          </a:p>
-        </p:txBody>
-      </p:sp>
-      <p:sp>
-        <p:nvSpPr>
-          <p:cNvPr id="52227" name="Rectangle 3"/>
-          <p:cNvSpPr>
-            <a:spLocks noGrp="1" noChangeArrowheads="1"/>
-          </p:cNvSpPr>
-          <p:nvPr>
-            <p:ph type="body" idx="1"/>
-          </p:nvPr>
-        </p:nvSpPr>
-        <p:spPr>
-          <a:noFill/>
-          <a:ln/>
-        </p:spPr>
-        <p:txBody>
-          <a:bodyPr/>
-          <a:lstStyle/>
-          <a:p>
-            <a:r>
-              <a:rPr lang="zh-CN" altLang="en-US">
-                <a:latin typeface="宋体" pitchFamily="2" charset="-122"/>
-              </a:rPr>
-              <a:t>算法本身是一种函数模板</a:t>
-            </a:r>
-          </a:p>
-          <a:p>
-            <a:r>
-              <a:rPr lang="zh-CN" altLang="en-US">
-                <a:latin typeface="宋体" pitchFamily="2" charset="-122"/>
-              </a:rPr>
-              <a:t>不可变序列算法</a:t>
-            </a:r>
-            <a:r>
-              <a:rPr lang="zh-CN" altLang="en-US" sz="2000">
-                <a:latin typeface="宋体" pitchFamily="2" charset="-122"/>
-              </a:rPr>
-              <a:t>（</a:t>
-            </a:r>
-            <a:r>
-              <a:rPr lang="en-US" altLang="zh-CN" sz="2000">
-                <a:latin typeface="宋体" pitchFamily="2" charset="-122"/>
-              </a:rPr>
-              <a:t>Non-mutating algorithms</a:t>
-            </a:r>
-            <a:r>
-              <a:rPr lang="zh-CN" altLang="en-US" sz="2000">
-                <a:latin typeface="宋体" pitchFamily="2" charset="-122"/>
-              </a:rPr>
-              <a:t>）</a:t>
-            </a:r>
-          </a:p>
-          <a:p>
-            <a:pPr lvl="1"/>
-            <a:r>
-              <a:rPr lang="zh-CN" altLang="en-US">
-                <a:latin typeface="宋体" pitchFamily="2" charset="-122"/>
-              </a:rPr>
-              <a:t>不直接修改所操作的容器内容的算法</a:t>
-            </a:r>
-          </a:p>
-          <a:p>
-            <a:r>
-              <a:rPr lang="zh-CN" altLang="en-US">
-                <a:latin typeface="宋体" pitchFamily="2" charset="-122"/>
-              </a:rPr>
-              <a:t>可变序列算法</a:t>
-            </a:r>
-            <a:r>
-              <a:rPr lang="zh-CN" altLang="en-US" sz="2800">
-                <a:latin typeface="宋体" pitchFamily="2" charset="-122"/>
-              </a:rPr>
-              <a:t>（</a:t>
-            </a:r>
-            <a:r>
-              <a:rPr lang="en-US" altLang="zh-CN" sz="2800">
-                <a:latin typeface="宋体" pitchFamily="2" charset="-122"/>
-              </a:rPr>
-              <a:t>Mutating algorithms</a:t>
-            </a:r>
-            <a:r>
-              <a:rPr lang="zh-CN" altLang="en-US" sz="2800">
-                <a:latin typeface="宋体" pitchFamily="2" charset="-122"/>
-              </a:rPr>
-              <a:t>）</a:t>
-            </a:r>
-          </a:p>
-          <a:p>
-            <a:pPr lvl="1"/>
-            <a:r>
-              <a:rPr lang="zh-CN" altLang="en-US">
-                <a:latin typeface="宋体" pitchFamily="2" charset="-122"/>
-              </a:rPr>
-              <a:t>可以修改它们所操作的容器的元素。</a:t>
-            </a:r>
-          </a:p>
-          <a:p>
-            <a:r>
-              <a:rPr lang="zh-CN" altLang="en-US">
-                <a:latin typeface="宋体" pitchFamily="2" charset="-122"/>
-              </a:rPr>
-              <a:t>排序相关算法</a:t>
-            </a:r>
-          </a:p>
-          <a:p>
-            <a:r>
-              <a:rPr lang="zh-CN" altLang="en-US">
-                <a:latin typeface="宋体" pitchFamily="2" charset="-122"/>
-              </a:rPr>
-              <a:t>数值算法</a:t>
-            </a:r>
-          </a:p>
-        </p:txBody>
-      </p:sp>
-      <p:sp>
-        <p:nvSpPr>
           <p:cNvPr id="52228" name="Rectangle 4"/>
           <p:cNvSpPr>
             <a:spLocks noChangeArrowheads="1"/>
@@ -11607,8 +12760,8 @@
         </p:nvSpPr>
         <p:spPr bwMode="auto">
           <a:xfrm>
-            <a:off x="273050" y="914400"/>
-            <a:ext cx="793750" cy="4953000"/>
+            <a:off x="265299" y="685800"/>
+            <a:ext cx="801501" cy="3714750"/>
           </a:xfrm>
           <a:prstGeom prst="rect">
             <a:avLst/>
@@ -11710,6 +12863,160 @@
       </p:grpSpPr>
       <p:sp>
         <p:nvSpPr>
+          <p:cNvPr id="54274" name="Rectangle 2"/>
+          <p:cNvSpPr>
+            <a:spLocks noGrp="1" noChangeArrowheads="1"/>
+          </p:cNvSpPr>
+          <p:nvPr>
+            <p:ph type="title"/>
+          </p:nvPr>
+        </p:nvSpPr>
+        <p:spPr>
+          <a:noFill/>
+          <a:ln/>
+        </p:spPr>
+        <p:txBody>
+          <a:bodyPr/>
+          <a:lstStyle/>
+          <a:p>
+            <a:r>
+              <a:rPr lang="zh-CN" altLang="en-US"/>
+              <a:t>算法应用举例</a:t>
+            </a:r>
+          </a:p>
+        </p:txBody>
+      </p:sp>
+      <p:sp>
+        <p:nvSpPr>
+          <p:cNvPr id="54275" name="Rectangle 3"/>
+          <p:cNvSpPr>
+            <a:spLocks noGrp="1" noChangeArrowheads="1"/>
+          </p:cNvSpPr>
+          <p:nvPr>
+            <p:ph idx="1"/>
+          </p:nvPr>
+        </p:nvSpPr>
+        <p:spPr>
+          <a:xfrm>
+            <a:off x="1295400" y="1428750"/>
+            <a:ext cx="7391400" cy="3086100"/>
+          </a:xfrm>
+          <a:noFill/>
+          <a:ln/>
+        </p:spPr>
+        <p:txBody>
+          <a:bodyPr>
+            <a:normAutofit fontScale="92500" lnSpcReduction="20000"/>
+          </a:bodyPr>
+          <a:lstStyle/>
+          <a:p>
+            <a:pPr>
+              <a:lnSpc>
+                <a:spcPct val="90000"/>
+              </a:lnSpc>
+            </a:pPr>
+            <a:r>
+              <a:rPr lang="zh-CN" altLang="en-US" sz="2800"/>
+              <a:t>例</a:t>
+            </a:r>
+            <a:r>
+              <a:rPr lang="en-US" altLang="zh-CN" sz="2800"/>
+              <a:t>10-9</a:t>
+            </a:r>
+          </a:p>
+          <a:p>
+            <a:pPr lvl="1">
+              <a:lnSpc>
+                <a:spcPct val="90000"/>
+              </a:lnSpc>
+            </a:pPr>
+            <a:r>
+              <a:rPr lang="zh-CN" altLang="en-US" sz="2400"/>
+              <a:t>应用不可变序列算法对数据序列进行分析</a:t>
+            </a:r>
+          </a:p>
+          <a:p>
+            <a:pPr>
+              <a:lnSpc>
+                <a:spcPct val="90000"/>
+              </a:lnSpc>
+            </a:pPr>
+            <a:r>
+              <a:rPr lang="zh-CN" altLang="en-US" sz="2800"/>
+              <a:t>例</a:t>
+            </a:r>
+            <a:r>
+              <a:rPr lang="en-US" altLang="zh-CN" sz="2800"/>
+              <a:t>10-10</a:t>
+            </a:r>
+          </a:p>
+          <a:p>
+            <a:pPr lvl="1">
+              <a:lnSpc>
+                <a:spcPct val="90000"/>
+              </a:lnSpc>
+            </a:pPr>
+            <a:r>
+              <a:rPr lang="zh-CN" altLang="en-US" sz="2400"/>
+              <a:t>以可变序列算法对数据序列进行复制，生成，删除，替换，倒序，旋转等可变性操作。</a:t>
+            </a:r>
+          </a:p>
+          <a:p>
+            <a:pPr>
+              <a:lnSpc>
+                <a:spcPct val="90000"/>
+              </a:lnSpc>
+            </a:pPr>
+            <a:r>
+              <a:rPr lang="zh-CN" altLang="en-US" sz="2800"/>
+              <a:t>例</a:t>
+            </a:r>
+            <a:r>
+              <a:rPr lang="en-US" altLang="zh-CN" sz="2800"/>
+              <a:t>10-11 </a:t>
+            </a:r>
+          </a:p>
+          <a:p>
+            <a:pPr lvl="1">
+              <a:lnSpc>
+                <a:spcPct val="90000"/>
+              </a:lnSpc>
+            </a:pPr>
+            <a:r>
+              <a:rPr lang="zh-CN" altLang="en-US" sz="2400"/>
+              <a:t>应用排序相关算法对序列进行各项操作</a:t>
+            </a:r>
+          </a:p>
+          <a:p>
+            <a:pPr>
+              <a:lnSpc>
+                <a:spcPct val="90000"/>
+              </a:lnSpc>
+            </a:pPr>
+            <a:r>
+              <a:rPr lang="zh-CN" altLang="en-US" sz="2800"/>
+              <a:t>例</a:t>
+            </a:r>
+            <a:r>
+              <a:rPr lang="en-US" altLang="zh-CN" sz="2800"/>
+              <a:t>10-12</a:t>
+            </a:r>
+          </a:p>
+          <a:p>
+            <a:pPr lvl="1">
+              <a:lnSpc>
+                <a:spcPct val="90000"/>
+              </a:lnSpc>
+            </a:pPr>
+            <a:r>
+              <a:rPr lang="zh-CN" altLang="en-US" sz="2400"/>
+              <a:t>应用数值算法对数据序列进行操作</a:t>
+            </a:r>
+          </a:p>
+        </p:txBody>
+      </p:sp>
+      <p:sp>
+        <p:nvSpPr>
           <p:cNvPr id="7" name="灯片编号占位符 5"/>
           <p:cNvSpPr>
             <a:spLocks noGrp="1"/>
@@ -11734,158 +13041,6 @@
       </p:sp>
       <p:sp>
         <p:nvSpPr>
-          <p:cNvPr id="54274" name="Rectangle 2"/>
-          <p:cNvSpPr>
-            <a:spLocks noGrp="1" noChangeArrowheads="1"/>
-          </p:cNvSpPr>
-          <p:nvPr>
-            <p:ph type="title"/>
-          </p:nvPr>
-        </p:nvSpPr>
-        <p:spPr>
-          <a:noFill/>
-          <a:ln/>
-        </p:spPr>
-        <p:txBody>
-          <a:bodyPr/>
-          <a:lstStyle/>
-          <a:p>
-            <a:r>
-              <a:rPr lang="zh-CN" altLang="en-US"/>
-              <a:t>算法应用举例</a:t>
-            </a:r>
-          </a:p>
-        </p:txBody>
-      </p:sp>
-      <p:sp>
-        <p:nvSpPr>
-          <p:cNvPr id="54275" name="Rectangle 3"/>
-          <p:cNvSpPr>
-            <a:spLocks noGrp="1" noChangeArrowheads="1"/>
-          </p:cNvSpPr>
-          <p:nvPr>
-            <p:ph type="body" idx="1"/>
-          </p:nvPr>
-        </p:nvSpPr>
-        <p:spPr>
-          <a:xfrm>
-            <a:off x="1295400" y="1905000"/>
-            <a:ext cx="7391400" cy="4114800"/>
-          </a:xfrm>
-          <a:noFill/>
-          <a:ln/>
-        </p:spPr>
-        <p:txBody>
-          <a:bodyPr/>
-          <a:lstStyle/>
-          <a:p>
-            <a:pPr>
-              <a:lnSpc>
-                <a:spcPct val="90000"/>
-              </a:lnSpc>
-            </a:pPr>
-            <a:r>
-              <a:rPr lang="zh-CN" altLang="en-US" sz="2800"/>
-              <a:t>例</a:t>
-            </a:r>
-            <a:r>
-              <a:rPr lang="en-US" altLang="zh-CN" sz="2800"/>
-              <a:t>10-9</a:t>
-            </a:r>
-          </a:p>
-          <a:p>
-            <a:pPr lvl="1">
-              <a:lnSpc>
-                <a:spcPct val="90000"/>
-              </a:lnSpc>
-            </a:pPr>
-            <a:r>
-              <a:rPr lang="zh-CN" altLang="en-US" sz="2400"/>
-              <a:t>应用不可变序列算法对数据序列进行分析</a:t>
-            </a:r>
-          </a:p>
-          <a:p>
-            <a:pPr>
-              <a:lnSpc>
-                <a:spcPct val="90000"/>
-              </a:lnSpc>
-            </a:pPr>
-            <a:r>
-              <a:rPr lang="zh-CN" altLang="en-US" sz="2800"/>
-              <a:t>例</a:t>
-            </a:r>
-            <a:r>
-              <a:rPr lang="en-US" altLang="zh-CN" sz="2800"/>
-              <a:t>10-10</a:t>
-            </a:r>
-          </a:p>
-          <a:p>
-            <a:pPr lvl="1">
-              <a:lnSpc>
-                <a:spcPct val="90000"/>
-              </a:lnSpc>
-            </a:pPr>
-            <a:r>
-              <a:rPr lang="zh-CN" altLang="en-US" sz="2400"/>
-              <a:t>以可变序列算法对数据序列进行复制，生成，删除，替换，倒序，旋转等可变性操作。</a:t>
-            </a:r>
-          </a:p>
-          <a:p>
-            <a:pPr>
-              <a:lnSpc>
-                <a:spcPct val="90000"/>
-              </a:lnSpc>
-            </a:pPr>
-            <a:r>
-              <a:rPr lang="zh-CN" altLang="en-US" sz="2800"/>
-              <a:t>例</a:t>
-            </a:r>
-            <a:r>
-              <a:rPr lang="en-US" altLang="zh-CN" sz="2800"/>
-              <a:t>10-11 </a:t>
-            </a:r>
-          </a:p>
-          <a:p>
-            <a:pPr lvl="1">
-              <a:lnSpc>
-                <a:spcPct val="90000"/>
-              </a:lnSpc>
-            </a:pPr>
-            <a:r>
-              <a:rPr lang="zh-CN" altLang="en-US" sz="2400"/>
-              <a:t>应用排序相关算法对序列进行各项操作</a:t>
-            </a:r>
-          </a:p>
-          <a:p>
-            <a:pPr>
-              <a:lnSpc>
-                <a:spcPct val="90000"/>
-              </a:lnSpc>
-            </a:pPr>
-            <a:r>
-              <a:rPr lang="zh-CN" altLang="en-US" sz="2800"/>
-              <a:t>例</a:t>
-            </a:r>
-            <a:r>
-              <a:rPr lang="en-US" altLang="zh-CN" sz="2800"/>
-              <a:t>10-12</a:t>
-            </a:r>
-          </a:p>
-          <a:p>
-            <a:pPr lvl="1">
-              <a:lnSpc>
-                <a:spcPct val="90000"/>
-              </a:lnSpc>
-            </a:pPr>
-            <a:r>
-              <a:rPr lang="zh-CN" altLang="en-US" sz="2400"/>
-              <a:t>应用数值算法对数据序列进行操作</a:t>
-            </a:r>
-          </a:p>
-        </p:txBody>
-      </p:sp>
-      <p:sp>
-        <p:nvSpPr>
           <p:cNvPr id="54276" name="Rectangle 4"/>
           <p:cNvSpPr>
             <a:spLocks noChangeArrowheads="1"/>
@@ -11894,8 +13049,8 @@
         </p:nvSpPr>
         <p:spPr bwMode="auto">
           <a:xfrm>
-            <a:off x="273050" y="914400"/>
-            <a:ext cx="793750" cy="4953000"/>
+            <a:off x="265299" y="685800"/>
+            <a:ext cx="801501" cy="3714750"/>
           </a:xfrm>
           <a:prstGeom prst="rect">
             <a:avLst/>
@@ -11997,6 +13152,109 @@
       </p:grpSpPr>
       <p:sp>
         <p:nvSpPr>
+          <p:cNvPr id="56322" name="Rectangle 2"/>
+          <p:cNvSpPr>
+            <a:spLocks noGrp="1" noChangeArrowheads="1"/>
+          </p:cNvSpPr>
+          <p:nvPr>
+            <p:ph type="title"/>
+          </p:nvPr>
+        </p:nvSpPr>
+        <p:spPr>
+          <a:noFill/>
+          <a:ln/>
+        </p:spPr>
+        <p:txBody>
+          <a:bodyPr/>
+          <a:lstStyle/>
+          <a:p>
+            <a:r>
+              <a:rPr lang="zh-CN" altLang="en-US"/>
+              <a:t>函数对象</a:t>
+            </a:r>
+          </a:p>
+        </p:txBody>
+      </p:sp>
+      <p:sp>
+        <p:nvSpPr>
+          <p:cNvPr id="56323" name="Rectangle 3"/>
+          <p:cNvSpPr>
+            <a:spLocks noGrp="1" noChangeArrowheads="1"/>
+          </p:cNvSpPr>
+          <p:nvPr>
+            <p:ph idx="1"/>
+          </p:nvPr>
+        </p:nvSpPr>
+        <p:spPr>
+          <a:xfrm>
+            <a:off x="1295400" y="1428750"/>
+            <a:ext cx="7239000" cy="3486150"/>
+          </a:xfrm>
+          <a:noFill/>
+          <a:ln/>
+        </p:spPr>
+        <p:txBody>
+          <a:bodyPr>
+            <a:normAutofit fontScale="92500"/>
+          </a:bodyPr>
+          <a:lstStyle/>
+          <a:p>
+            <a:pPr>
+              <a:lnSpc>
+                <a:spcPct val="90000"/>
+              </a:lnSpc>
+            </a:pPr>
+            <a:r>
+              <a:rPr lang="zh-CN" altLang="en-US" sz="2800"/>
+              <a:t>一个行为类似函数的对象，它可以不需参数，也可以带有若干参数，其功能是获取一个值，或者改变操作的状态。</a:t>
+            </a:r>
+          </a:p>
+          <a:p>
+            <a:pPr>
+              <a:lnSpc>
+                <a:spcPct val="90000"/>
+              </a:lnSpc>
+            </a:pPr>
+            <a:r>
+              <a:rPr lang="zh-CN" altLang="en-US" sz="2800"/>
+              <a:t>任何普通的函数和任何重载了调用运算符</a:t>
+            </a:r>
+            <a:r>
+              <a:rPr lang="en-US" altLang="zh-CN" sz="2800"/>
+              <a:t>operator()</a:t>
+            </a:r>
+            <a:r>
+              <a:rPr lang="zh-CN" altLang="en-US" sz="2800"/>
+              <a:t>的类的对象都满足函数对象的特征</a:t>
+            </a:r>
+          </a:p>
+          <a:p>
+            <a:pPr>
+              <a:lnSpc>
+                <a:spcPct val="90000"/>
+              </a:lnSpc>
+            </a:pPr>
+            <a:r>
+              <a:rPr lang="en-US" altLang="zh-CN" sz="2800"/>
+              <a:t>STL</a:t>
+            </a:r>
+            <a:r>
+              <a:rPr lang="zh-CN" altLang="en-US" sz="2800"/>
+              <a:t>中也定义了一些标准的函数对象，如果以功能划分，可以分为算术运算、关系运算、逻辑运算三大类。为了调用这些标准函数对象，需要包含头文件</a:t>
+            </a:r>
+            <a:r>
+              <a:rPr lang="en-US" altLang="zh-CN" sz="2800"/>
+              <a:t>&lt;functional&gt;</a:t>
+            </a:r>
+            <a:r>
+              <a:rPr lang="zh-CN" altLang="en-US" sz="2800"/>
+              <a:t>。</a:t>
+            </a:r>
+          </a:p>
+        </p:txBody>
+      </p:sp>
+      <p:sp>
+        <p:nvSpPr>
           <p:cNvPr id="6" name="灯片编号占位符 5"/>
           <p:cNvSpPr>
             <a:spLocks noGrp="1"/>
@@ -12016,107 +13274,6 @@
               <a:t>26</a:t>
             </a:fld>
             <a:endParaRPr lang="en-US" altLang="zh-CN"/>
-          </a:p>
-        </p:txBody>
-      </p:sp>
-      <p:sp>
-        <p:nvSpPr>
-          <p:cNvPr id="56322" name="Rectangle 2"/>
-          <p:cNvSpPr>
-            <a:spLocks noGrp="1" noChangeArrowheads="1"/>
-          </p:cNvSpPr>
-          <p:nvPr>
-            <p:ph type="title"/>
-          </p:nvPr>
-        </p:nvSpPr>
-        <p:spPr>
-          <a:noFill/>
-          <a:ln/>
-        </p:spPr>
-        <p:txBody>
-          <a:bodyPr/>
-          <a:lstStyle/>
-          <a:p>
-            <a:r>
-              <a:rPr lang="zh-CN" altLang="en-US"/>
-              <a:t>函数对象</a:t>
-            </a:r>
-          </a:p>
-        </p:txBody>
-      </p:sp>
-      <p:sp>
-        <p:nvSpPr>
-          <p:cNvPr id="56323" name="Rectangle 3"/>
-          <p:cNvSpPr>
-            <a:spLocks noGrp="1" noChangeArrowheads="1"/>
-          </p:cNvSpPr>
-          <p:nvPr>
-            <p:ph type="body" idx="1"/>
-          </p:nvPr>
-        </p:nvSpPr>
-        <p:spPr>
-          <a:xfrm>
-            <a:off x="1295400" y="1905000"/>
-            <a:ext cx="7239000" cy="4648200"/>
-          </a:xfrm>
-          <a:noFill/>
-          <a:ln/>
-        </p:spPr>
-        <p:txBody>
-          <a:bodyPr/>
-          <a:lstStyle/>
-          <a:p>
-            <a:pPr>
-              <a:lnSpc>
-                <a:spcPct val="90000"/>
-              </a:lnSpc>
-            </a:pPr>
-            <a:r>
-              <a:rPr lang="zh-CN" altLang="en-US" sz="2800"/>
-              <a:t>一个行为类似函数的对象，它可以不需参数，也可以带有若干参数，其功能是获取一个值，或者改变操作的状态。</a:t>
-            </a:r>
-          </a:p>
-          <a:p>
-            <a:pPr>
-              <a:lnSpc>
-                <a:spcPct val="90000"/>
-              </a:lnSpc>
-            </a:pPr>
-            <a:r>
-              <a:rPr lang="zh-CN" altLang="en-US" sz="2800"/>
-              <a:t>任何普通的函数和任何重载了调用运算符</a:t>
-            </a:r>
-            <a:r>
-              <a:rPr lang="en-US" altLang="zh-CN" sz="2800"/>
-              <a:t>operator()</a:t>
-            </a:r>
-            <a:r>
-              <a:rPr lang="zh-CN" altLang="en-US" sz="2800"/>
-              <a:t>的类的对象都满足函数对象的特征</a:t>
-            </a:r>
-          </a:p>
-          <a:p>
-            <a:pPr>
-              <a:lnSpc>
-                <a:spcPct val="90000"/>
-              </a:lnSpc>
-            </a:pPr>
-            <a:r>
-              <a:rPr lang="en-US" altLang="zh-CN" sz="2800"/>
-              <a:t>STL</a:t>
-            </a:r>
-            <a:r>
-              <a:rPr lang="zh-CN" altLang="en-US" sz="2800"/>
-              <a:t>中也定义了一些标准的函数对象，如果以功能划分，可以分为算术运算、关系运算、逻辑运算三大类。为了调用这些标准函数对象，需要包含头文件</a:t>
-            </a:r>
-            <a:r>
-              <a:rPr lang="en-US" altLang="zh-CN" sz="2800"/>
-              <a:t>&lt;functional&gt;</a:t>
-            </a:r>
-            <a:r>
-              <a:rPr lang="zh-CN" altLang="en-US" sz="2800"/>
-              <a:t>。</a:t>
-            </a:r>
           </a:p>
         </p:txBody>
       </p:sp>
@@ -12159,6 +13316,200 @@
       </p:grpSpPr>
       <p:sp>
         <p:nvSpPr>
+          <p:cNvPr id="9218" name="Rectangle 2"/>
+          <p:cNvSpPr>
+            <a:spLocks noGrp="1" noChangeArrowheads="1"/>
+          </p:cNvSpPr>
+          <p:nvPr>
+            <p:ph type="title"/>
+          </p:nvPr>
+        </p:nvSpPr>
+        <p:spPr>
+          <a:noFill/>
+          <a:ln/>
+        </p:spPr>
+        <p:txBody>
+          <a:bodyPr/>
+          <a:lstStyle/>
+          <a:p>
+            <a:r>
+              <a:rPr lang="zh-CN" altLang="en-US"/>
+              <a:t>泛型程序设计</a:t>
+            </a:r>
+          </a:p>
+        </p:txBody>
+      </p:sp>
+      <p:sp>
+        <p:nvSpPr>
+          <p:cNvPr id="9219" name="Rectangle 3"/>
+          <p:cNvSpPr>
+            <a:spLocks noGrp="1" noChangeArrowheads="1"/>
+          </p:cNvSpPr>
+          <p:nvPr>
+            <p:ph idx="1"/>
+          </p:nvPr>
+        </p:nvSpPr>
+        <p:spPr>
+          <a:xfrm>
+            <a:off x="1295400" y="1428750"/>
+            <a:ext cx="7239000" cy="3314700"/>
+          </a:xfrm>
+          <a:noFill/>
+          <a:ln/>
+        </p:spPr>
+        <p:txBody>
+          <a:bodyPr>
+            <a:normAutofit fontScale="92500" lnSpcReduction="10000"/>
+          </a:bodyPr>
+          <a:lstStyle/>
+          <a:p>
+            <a:pPr>
+              <a:lnSpc>
+                <a:spcPct val="90000"/>
+              </a:lnSpc>
+            </a:pPr>
+            <a:r>
+              <a:rPr lang="zh-CN" altLang="en-US" sz="2800">
+                <a:latin typeface="宋体" pitchFamily="2" charset="-122"/>
+              </a:rPr>
+              <a:t>将程序写得尽可能通用</a:t>
+            </a:r>
+            <a:r>
+              <a:rPr lang="zh-CN" altLang="en-US" sz="2800"/>
+              <a:t> </a:t>
+            </a:r>
+          </a:p>
+          <a:p>
+            <a:pPr>
+              <a:lnSpc>
+                <a:spcPct val="90000"/>
+              </a:lnSpc>
+            </a:pPr>
+            <a:r>
+              <a:rPr lang="zh-CN" altLang="en-US" sz="2800">
+                <a:latin typeface="宋体" pitchFamily="2" charset="-122"/>
+              </a:rPr>
+              <a:t>将算法从特定的数据结构中抽象出来，成为通用的</a:t>
+            </a:r>
+          </a:p>
+          <a:p>
+            <a:pPr>
+              <a:lnSpc>
+                <a:spcPct val="90000"/>
+              </a:lnSpc>
+            </a:pPr>
+            <a:r>
+              <a:rPr lang="en-US" altLang="zh-CN" sz="2800">
+                <a:latin typeface="Times New Roman" pitchFamily="18" charset="0"/>
+              </a:rPr>
+              <a:t>C++</a:t>
+            </a:r>
+            <a:r>
+              <a:rPr lang="zh-CN" altLang="en-US" sz="2800">
+                <a:latin typeface="宋体" pitchFamily="2" charset="-122"/>
+              </a:rPr>
+              <a:t>的模板为泛型程序设计奠定了关键的基础</a:t>
+            </a:r>
+            <a:r>
+              <a:rPr lang="zh-CN" altLang="en-US" sz="2800"/>
+              <a:t> </a:t>
+            </a:r>
+          </a:p>
+          <a:p>
+            <a:pPr>
+              <a:lnSpc>
+                <a:spcPct val="90000"/>
+              </a:lnSpc>
+            </a:pPr>
+            <a:r>
+              <a:rPr lang="en-US" altLang="zh-CN" sz="2800">
+                <a:latin typeface="Times New Roman" pitchFamily="18" charset="0"/>
+              </a:rPr>
+              <a:t>STL</a:t>
+            </a:r>
+            <a:r>
+              <a:rPr lang="zh-CN" altLang="en-US" sz="2800">
+                <a:latin typeface="宋体" pitchFamily="2" charset="-122"/>
+              </a:rPr>
+              <a:t>是泛型程序设计的一个范例</a:t>
+            </a:r>
+            <a:r>
+              <a:rPr lang="zh-CN" altLang="en-US" sz="2800"/>
+              <a:t> </a:t>
+            </a:r>
+          </a:p>
+          <a:p>
+            <a:pPr lvl="1">
+              <a:lnSpc>
+                <a:spcPct val="90000"/>
+              </a:lnSpc>
+            </a:pPr>
+            <a:r>
+              <a:rPr lang="zh-CN" altLang="en-US" sz="2400"/>
+              <a:t>容器</a:t>
+            </a:r>
+            <a:r>
+              <a:rPr lang="en-US" altLang="zh-CN" sz="2400"/>
+              <a:t>(container)</a:t>
+            </a:r>
+          </a:p>
+          <a:p>
+            <a:pPr lvl="1">
+              <a:lnSpc>
+                <a:spcPct val="90000"/>
+              </a:lnSpc>
+            </a:pPr>
+            <a:r>
+              <a:rPr lang="zh-CN" altLang="en-US" sz="2400"/>
+              <a:t>迭代器</a:t>
+            </a:r>
+            <a:r>
+              <a:rPr lang="en-US" altLang="zh-CN" sz="2400"/>
+              <a:t>(iterator)</a:t>
+            </a:r>
+          </a:p>
+          <a:p>
+            <a:pPr lvl="1">
+              <a:lnSpc>
+                <a:spcPct val="90000"/>
+              </a:lnSpc>
+            </a:pPr>
+            <a:r>
+              <a:rPr lang="zh-CN" altLang="en-US" sz="2400"/>
+              <a:t>算法（</a:t>
+            </a:r>
+            <a:r>
+              <a:rPr lang="en-US" altLang="zh-CN" sz="2400"/>
+              <a:t>algorithms</a:t>
+            </a:r>
+            <a:r>
+              <a:rPr lang="zh-CN" altLang="en-US" sz="2400"/>
+              <a:t>）</a:t>
+            </a:r>
+          </a:p>
+          <a:p>
+            <a:pPr lvl="1">
+              <a:lnSpc>
+                <a:spcPct val="90000"/>
+              </a:lnSpc>
+            </a:pPr>
+            <a:r>
+              <a:rPr lang="zh-CN" altLang="en-US" sz="2400"/>
+              <a:t>函数对象（</a:t>
+            </a:r>
+            <a:r>
+              <a:rPr lang="en-US" altLang="zh-CN" sz="2400"/>
+              <a:t>function object</a:t>
+            </a:r>
+            <a:r>
+              <a:rPr lang="zh-CN" altLang="en-US" sz="2400"/>
+              <a:t>）</a:t>
+            </a:r>
+          </a:p>
+        </p:txBody>
+      </p:sp>
+      <p:sp>
+        <p:nvSpPr>
           <p:cNvPr id="6" name="灯片编号占位符 5"/>
           <p:cNvSpPr>
             <a:spLocks noGrp="1"/>
@@ -12178,198 +13529,6 @@
               <a:t>3</a:t>
             </a:fld>
             <a:endParaRPr lang="en-US" altLang="zh-CN"/>
-          </a:p>
-        </p:txBody>
-      </p:sp>
-      <p:sp>
-        <p:nvSpPr>
-          <p:cNvPr id="9218" name="Rectangle 2"/>
-          <p:cNvSpPr>
-            <a:spLocks noGrp="1" noChangeArrowheads="1"/>
-          </p:cNvSpPr>
-          <p:nvPr>
-            <p:ph type="title"/>
-          </p:nvPr>
-        </p:nvSpPr>
-        <p:spPr>
-          <a:noFill/>
-          <a:ln/>
-        </p:spPr>
-        <p:txBody>
-          <a:bodyPr/>
-          <a:lstStyle/>
-          <a:p>
-            <a:r>
-              <a:rPr lang="zh-CN" altLang="en-US"/>
-              <a:t>泛型程序设计</a:t>
-            </a:r>
-          </a:p>
-        </p:txBody>
-      </p:sp>
-      <p:sp>
-        <p:nvSpPr>
-          <p:cNvPr id="9219" name="Rectangle 3"/>
-          <p:cNvSpPr>
-            <a:spLocks noGrp="1" noChangeArrowheads="1"/>
-          </p:cNvSpPr>
-          <p:nvPr>
-            <p:ph type="body" idx="1"/>
-          </p:nvPr>
-        </p:nvSpPr>
-        <p:spPr>
-          <a:xfrm>
-            <a:off x="1295400" y="1905000"/>
-            <a:ext cx="7239000" cy="4419600"/>
-          </a:xfrm>
-          <a:noFill/>
-          <a:ln/>
-        </p:spPr>
-        <p:txBody>
-          <a:bodyPr/>
-          <a:lstStyle/>
-          <a:p>
-            <a:pPr>
-              <a:lnSpc>
-                <a:spcPct val="90000"/>
-              </a:lnSpc>
-            </a:pPr>
-            <a:r>
-              <a:rPr lang="zh-CN" altLang="en-US" sz="2800">
-                <a:latin typeface="宋体" pitchFamily="2" charset="-122"/>
-              </a:rPr>
-              <a:t>将程序写得尽可能通用</a:t>
-            </a:r>
-            <a:r>
-              <a:rPr lang="zh-CN" altLang="en-US" sz="2800"/>
-              <a:t> </a:t>
-            </a:r>
-          </a:p>
-          <a:p>
-            <a:pPr>
-              <a:lnSpc>
-                <a:spcPct val="90000"/>
-              </a:lnSpc>
-            </a:pPr>
-            <a:r>
-              <a:rPr lang="zh-CN" altLang="en-US" sz="2800">
-                <a:latin typeface="宋体" pitchFamily="2" charset="-122"/>
-              </a:rPr>
-              <a:t>将算法从特定的数据结构中抽象出来，成为通用的</a:t>
-            </a:r>
-          </a:p>
-          <a:p>
-            <a:pPr>
-              <a:lnSpc>
-                <a:spcPct val="90000"/>
-              </a:lnSpc>
-            </a:pPr>
-            <a:r>
-              <a:rPr lang="en-US" altLang="zh-CN" sz="2800">
-                <a:latin typeface="Times New Roman" pitchFamily="18" charset="0"/>
-              </a:rPr>
-              <a:t>C++</a:t>
-            </a:r>
-            <a:r>
-              <a:rPr lang="zh-CN" altLang="en-US" sz="2800">
-                <a:latin typeface="宋体" pitchFamily="2" charset="-122"/>
-              </a:rPr>
-              <a:t>的模板为泛型程序设计奠定了关键的基础</a:t>
-            </a:r>
-            <a:r>
-              <a:rPr lang="zh-CN" altLang="en-US" sz="2800"/>
-              <a:t> </a:t>
-            </a:r>
-          </a:p>
-          <a:p>
-            <a:pPr>
-              <a:lnSpc>
-                <a:spcPct val="90000"/>
-              </a:lnSpc>
-            </a:pPr>
-            <a:r>
-              <a:rPr lang="en-US" altLang="zh-CN" sz="2800">
-                <a:latin typeface="Times New Roman" pitchFamily="18" charset="0"/>
-              </a:rPr>
-              <a:t>STL</a:t>
-            </a:r>
-            <a:r>
-              <a:rPr lang="zh-CN" altLang="en-US" sz="2800">
-                <a:latin typeface="宋体" pitchFamily="2" charset="-122"/>
-              </a:rPr>
-              <a:t>是泛型程序设计的一个范例</a:t>
-            </a:r>
-            <a:r>
-              <a:rPr lang="zh-CN" altLang="en-US" sz="2800"/>
-              <a:t> </a:t>
-            </a:r>
-          </a:p>
-          <a:p>
-            <a:pPr lvl="1">
-              <a:lnSpc>
-                <a:spcPct val="90000"/>
-              </a:lnSpc>
-            </a:pPr>
-            <a:r>
-              <a:rPr lang="zh-CN" altLang="en-US" sz="2400"/>
-              <a:t>容器</a:t>
-            </a:r>
-            <a:r>
-              <a:rPr lang="en-US" altLang="zh-CN" sz="2400"/>
-              <a:t>(container)</a:t>
-            </a:r>
-          </a:p>
-          <a:p>
-            <a:pPr lvl="1">
-              <a:lnSpc>
-                <a:spcPct val="90000"/>
-              </a:lnSpc>
-            </a:pPr>
-            <a:r>
-              <a:rPr lang="zh-CN" altLang="en-US" sz="2400"/>
-              <a:t>迭代器</a:t>
-            </a:r>
-            <a:r>
-              <a:rPr lang="en-US" altLang="zh-CN" sz="2400"/>
-              <a:t>(iterator)</a:t>
-            </a:r>
-          </a:p>
-          <a:p>
-            <a:pPr lvl="1">
-              <a:lnSpc>
-                <a:spcPct val="90000"/>
-              </a:lnSpc>
-            </a:pPr>
-            <a:r>
-              <a:rPr lang="zh-CN" altLang="en-US" sz="2400"/>
-              <a:t>算法（</a:t>
-            </a:r>
-            <a:r>
-              <a:rPr lang="en-US" altLang="zh-CN" sz="2400"/>
-              <a:t>algorithms</a:t>
-            </a:r>
-            <a:r>
-              <a:rPr lang="zh-CN" altLang="en-US" sz="2400"/>
-              <a:t>）</a:t>
-            </a:r>
-          </a:p>
-          <a:p>
-            <a:pPr lvl="1">
-              <a:lnSpc>
-                <a:spcPct val="90000"/>
-              </a:lnSpc>
-            </a:pPr>
-            <a:r>
-              <a:rPr lang="zh-CN" altLang="en-US" sz="2400"/>
-              <a:t>函数对象（</a:t>
-            </a:r>
-            <a:r>
-              <a:rPr lang="en-US" altLang="zh-CN" sz="2400"/>
-              <a:t>function object</a:t>
-            </a:r>
-            <a:r>
-              <a:rPr lang="zh-CN" altLang="en-US" sz="2400"/>
-              <a:t>）</a:t>
-            </a:r>
           </a:p>
         </p:txBody>
       </p:sp>
@@ -12412,30 +13571,6 @@
       </p:grpSpPr>
       <p:sp>
         <p:nvSpPr>
-          <p:cNvPr id="7" name="灯片编号占位符 5"/>
-          <p:cNvSpPr>
-            <a:spLocks noGrp="1"/>
-          </p:cNvSpPr>
-          <p:nvPr>
-            <p:ph type="sldNum" sz="quarter" idx="12"/>
-          </p:nvPr>
-        </p:nvSpPr>
-        <p:spPr/>
-        <p:txBody>
-          <a:bodyPr/>
-          <a:lstStyle/>
-          <a:p>
-            <a:fld id="{53DB1EA8-8FCF-4F6D-ADA3-D603CACBDE8C}" type="slidenum">
-              <a:rPr lang="en-US" altLang="zh-CN"/>
-              <a:pPr/>
-              <a:t>4</a:t>
-            </a:fld>
-            <a:endParaRPr lang="en-US" altLang="zh-CN"/>
-          </a:p>
-        </p:txBody>
-      </p:sp>
-      <p:sp>
-        <p:nvSpPr>
           <p:cNvPr id="11266" name="Rectangle 2"/>
           <p:cNvSpPr>
             <a:spLocks noGrp="1" noChangeArrowheads="1"/>
@@ -12446,8 +13581,8 @@
         </p:nvSpPr>
         <p:spPr>
           <a:xfrm>
-            <a:off x="1447800" y="381000"/>
-            <a:ext cx="7162800" cy="1143000"/>
+            <a:off x="1447800" y="285750"/>
+            <a:ext cx="7162800" cy="857250"/>
           </a:xfrm>
           <a:noFill/>
           <a:ln/>
@@ -12478,19 +13613,21 @@
             <a:spLocks noGrp="1" noChangeArrowheads="1"/>
           </p:cNvSpPr>
           <p:nvPr>
-            <p:ph type="body" idx="1"/>
+            <p:ph idx="1"/>
           </p:nvPr>
         </p:nvSpPr>
         <p:spPr>
           <a:xfrm>
-            <a:off x="1295400" y="1905000"/>
-            <a:ext cx="7239000" cy="4495800"/>
+            <a:off x="1295400" y="1428750"/>
+            <a:ext cx="7239000" cy="3371850"/>
           </a:xfrm>
           <a:noFill/>
           <a:ln/>
         </p:spPr>
         <p:txBody>
-          <a:bodyPr/>
+          <a:bodyPr>
+            <a:normAutofit fontScale="92500" lnSpcReduction="20000"/>
+          </a:bodyPr>
           <a:lstStyle/>
           <a:p>
             <a:pPr>
@@ -12684,6 +13821,30 @@
       </p:sp>
       <p:sp>
         <p:nvSpPr>
+          <p:cNvPr id="7" name="灯片编号占位符 5"/>
+          <p:cNvSpPr>
+            <a:spLocks noGrp="1"/>
+          </p:cNvSpPr>
+          <p:nvPr>
+            <p:ph type="sldNum" sz="quarter" idx="12"/>
+          </p:nvPr>
+        </p:nvSpPr>
+        <p:spPr/>
+        <p:txBody>
+          <a:bodyPr/>
+          <a:lstStyle/>
+          <a:p>
+            <a:fld id="{53DB1EA8-8FCF-4F6D-ADA3-D603CACBDE8C}" type="slidenum">
+              <a:rPr lang="en-US" altLang="zh-CN"/>
+              <a:pPr/>
+              <a:t>4</a:t>
+            </a:fld>
+            <a:endParaRPr lang="en-US" altLang="zh-CN"/>
+          </a:p>
+        </p:txBody>
+      </p:sp>
+      <p:sp>
+        <p:nvSpPr>
           <p:cNvPr id="11268" name="Rectangle 4"/>
           <p:cNvSpPr>
             <a:spLocks noChangeArrowheads="1"/>
@@ -12692,8 +13853,8 @@
         </p:nvSpPr>
         <p:spPr bwMode="auto">
           <a:xfrm>
-            <a:off x="273050" y="914400"/>
-            <a:ext cx="793750" cy="4953000"/>
+            <a:off x="265299" y="685800"/>
+            <a:ext cx="801501" cy="3714750"/>
           </a:xfrm>
           <a:prstGeom prst="rect">
             <a:avLst/>
@@ -12795,6 +13956,151 @@
       </p:grpSpPr>
       <p:sp>
         <p:nvSpPr>
+          <p:cNvPr id="13314" name="Rectangle 2"/>
+          <p:cNvSpPr>
+            <a:spLocks noGrp="1" noChangeArrowheads="1"/>
+          </p:cNvSpPr>
+          <p:nvPr>
+            <p:ph type="title"/>
+          </p:nvPr>
+        </p:nvSpPr>
+        <p:spPr>
+          <a:xfrm>
+            <a:off x="1447800" y="285750"/>
+            <a:ext cx="7162800" cy="857250"/>
+          </a:xfrm>
+          <a:noFill/>
+          <a:ln/>
+        </p:spPr>
+        <p:txBody>
+          <a:bodyPr/>
+          <a:lstStyle/>
+          <a:p>
+            <a:r>
+              <a:rPr lang="zh-CN" altLang="en-US" sz="4400"/>
+              <a:t>命名空间（</a:t>
+            </a:r>
+            <a:r>
+              <a:rPr lang="en-US" altLang="zh-CN" sz="4400"/>
+              <a:t>Namespace</a:t>
+            </a:r>
+            <a:r>
+              <a:rPr lang="zh-CN" altLang="en-US" sz="4400"/>
+              <a:t>）</a:t>
+            </a:r>
+          </a:p>
+        </p:txBody>
+      </p:sp>
+      <p:sp>
+        <p:nvSpPr>
+          <p:cNvPr id="13315" name="Rectangle 3"/>
+          <p:cNvSpPr>
+            <a:spLocks noGrp="1" noChangeArrowheads="1"/>
+          </p:cNvSpPr>
+          <p:nvPr>
+            <p:ph idx="1"/>
+          </p:nvPr>
+        </p:nvSpPr>
+        <p:spPr>
+          <a:xfrm>
+            <a:off x="1295400" y="1257300"/>
+            <a:ext cx="7239000" cy="3371850"/>
+          </a:xfrm>
+          <a:noFill/>
+          <a:ln/>
+        </p:spPr>
+        <p:txBody>
+          <a:bodyPr>
+            <a:normAutofit fontScale="85000" lnSpcReduction="10000"/>
+          </a:bodyPr>
+          <a:lstStyle/>
+          <a:p>
+            <a:r>
+              <a:rPr lang="zh-CN" altLang="en-US"/>
+              <a:t>可以用</a:t>
+            </a:r>
+            <a:r>
+              <a:rPr lang="en-US" altLang="zh-CN"/>
+              <a:t>using</a:t>
+            </a:r>
+            <a:r>
+              <a:rPr lang="zh-CN" altLang="en-US"/>
+              <a:t>来指定命名空间</a:t>
+            </a:r>
+          </a:p>
+          <a:p>
+            <a:pPr lvl="1"/>
+            <a:r>
+              <a:rPr lang="zh-CN" altLang="en-US"/>
+              <a:t>例如，经过以下声明：</a:t>
+            </a:r>
+            <a:br>
+              <a:rPr lang="zh-CN" altLang="en-US"/>
+            </a:br>
+            <a:r>
+              <a:rPr lang="en-US" altLang="zh-CN"/>
+              <a:t>using NS::File;</a:t>
+            </a:r>
+            <a:br>
+              <a:rPr lang="en-US" altLang="zh-CN"/>
+            </a:br>
+            <a:r>
+              <a:rPr lang="zh-CN" altLang="en-US"/>
+              <a:t>在当前作用域中就可以直接引用</a:t>
+            </a:r>
+            <a:r>
+              <a:rPr lang="en-US" altLang="zh-CN"/>
+              <a:t>File</a:t>
+            </a:r>
+          </a:p>
+          <a:p>
+            <a:pPr lvl="1"/>
+            <a:r>
+              <a:rPr lang="en-US" altLang="zh-CN"/>
+              <a:t>using namespace std;</a:t>
+            </a:r>
+            <a:br>
+              <a:rPr lang="en-US" altLang="zh-CN"/>
+            </a:br>
+            <a:r>
+              <a:rPr lang="zh-CN" altLang="en-US"/>
+              <a:t>命名空间</a:t>
+            </a:r>
+            <a:r>
+              <a:rPr lang="en-US" altLang="zh-CN"/>
+              <a:t>std</a:t>
+            </a:r>
+            <a:r>
+              <a:rPr lang="zh-CN" altLang="en-US"/>
+              <a:t>中所有标识符都可直接引用</a:t>
+            </a:r>
+          </a:p>
+          <a:p>
+            <a:r>
+              <a:rPr lang="zh-CN" altLang="en-US"/>
+              <a:t>在新的</a:t>
+            </a:r>
+            <a:r>
+              <a:rPr lang="en-US" altLang="zh-CN"/>
+              <a:t>C++</a:t>
+            </a:r>
+            <a:r>
+              <a:rPr lang="zh-CN" altLang="en-US"/>
+              <a:t>标准程序库中，所有标识符都声明在命名空间</a:t>
+            </a:r>
+            <a:r>
+              <a:rPr lang="en-US" altLang="zh-CN"/>
+              <a:t>std</a:t>
+            </a:r>
+            <a:r>
+              <a:rPr lang="zh-CN" altLang="en-US"/>
+              <a:t>中，头文件都不使用扩展名</a:t>
+            </a:r>
+          </a:p>
+        </p:txBody>
+      </p:sp>
+      <p:sp>
+        <p:nvSpPr>
           <p:cNvPr id="7" name="灯片编号占位符 5"/>
           <p:cNvSpPr>
             <a:spLocks noGrp="1"/>
@@ -12819,149 +14125,6 @@
       </p:sp>
       <p:sp>
         <p:nvSpPr>
-          <p:cNvPr id="13314" name="Rectangle 2"/>
-          <p:cNvSpPr>
-            <a:spLocks noGrp="1" noChangeArrowheads="1"/>
-          </p:cNvSpPr>
-          <p:nvPr>
-            <p:ph type="title"/>
-          </p:nvPr>
-        </p:nvSpPr>
-        <p:spPr>
-          <a:xfrm>
-            <a:off x="1447800" y="381000"/>
-            <a:ext cx="7162800" cy="1143000"/>
-          </a:xfrm>
-          <a:noFill/>
-          <a:ln/>
-        </p:spPr>
-        <p:txBody>
-          <a:bodyPr/>
-          <a:lstStyle/>
-          <a:p>
-            <a:r>
-              <a:rPr lang="zh-CN" altLang="en-US" sz="4400"/>
-              <a:t>命名空间（</a:t>
-            </a:r>
-            <a:r>
-              <a:rPr lang="en-US" altLang="zh-CN" sz="4400"/>
-              <a:t>Namespace</a:t>
-            </a:r>
-            <a:r>
-              <a:rPr lang="zh-CN" altLang="en-US" sz="4400"/>
-              <a:t>）</a:t>
-            </a:r>
-          </a:p>
-        </p:txBody>
-      </p:sp>
-      <p:sp>
-        <p:nvSpPr>
-          <p:cNvPr id="13315" name="Rectangle 3"/>
-          <p:cNvSpPr>
-            <a:spLocks noGrp="1" noChangeArrowheads="1"/>
-          </p:cNvSpPr>
-          <p:nvPr>
-            <p:ph type="body" idx="1"/>
-          </p:nvPr>
-        </p:nvSpPr>
-        <p:spPr>
-          <a:xfrm>
-            <a:off x="1295400" y="1676400"/>
-            <a:ext cx="7239000" cy="4495800"/>
-          </a:xfrm>
-          <a:noFill/>
-          <a:ln/>
-        </p:spPr>
-        <p:txBody>
-          <a:bodyPr/>
-          <a:lstStyle/>
-          <a:p>
-            <a:r>
-              <a:rPr lang="zh-CN" altLang="en-US"/>
-              <a:t>可以用</a:t>
-            </a:r>
-            <a:r>
-              <a:rPr lang="en-US" altLang="zh-CN"/>
-              <a:t>using</a:t>
-            </a:r>
-            <a:r>
-              <a:rPr lang="zh-CN" altLang="en-US"/>
-              <a:t>来指定命名空间</a:t>
-            </a:r>
-          </a:p>
-          <a:p>
-            <a:pPr lvl="1"/>
-            <a:r>
-              <a:rPr lang="zh-CN" altLang="en-US"/>
-              <a:t>例如，经过以下声明：</a:t>
-            </a:r>
-            <a:br>
-              <a:rPr lang="zh-CN" altLang="en-US"/>
-            </a:br>
-            <a:r>
-              <a:rPr lang="en-US" altLang="zh-CN"/>
-              <a:t>using NS::File;</a:t>
-            </a:r>
-            <a:br>
-              <a:rPr lang="en-US" altLang="zh-CN"/>
-            </a:br>
-            <a:r>
-              <a:rPr lang="zh-CN" altLang="en-US"/>
-              <a:t>在当前作用域中就可以直接引用</a:t>
-            </a:r>
-            <a:r>
-              <a:rPr lang="en-US" altLang="zh-CN"/>
-              <a:t>File</a:t>
-            </a:r>
-          </a:p>
-          <a:p>
-            <a:pPr lvl="1"/>
-            <a:r>
-              <a:rPr lang="en-US" altLang="zh-CN"/>
-              <a:t>using namespace std;</a:t>
-            </a:r>
-            <a:br>
-              <a:rPr lang="en-US" altLang="zh-CN"/>
-            </a:br>
-            <a:r>
-              <a:rPr lang="zh-CN" altLang="en-US"/>
-              <a:t>命名空间</a:t>
-            </a:r>
-            <a:r>
-              <a:rPr lang="en-US" altLang="zh-CN"/>
-              <a:t>std</a:t>
-            </a:r>
-            <a:r>
-              <a:rPr lang="zh-CN" altLang="en-US"/>
-              <a:t>中所有标识符都可直接引用</a:t>
-            </a:r>
-          </a:p>
-          <a:p>
-            <a:r>
-              <a:rPr lang="zh-CN" altLang="en-US"/>
-              <a:t>在新的</a:t>
-            </a:r>
-            <a:r>
-              <a:rPr lang="en-US" altLang="zh-CN"/>
-              <a:t>C++</a:t>
-            </a:r>
-            <a:r>
-              <a:rPr lang="zh-CN" altLang="en-US"/>
-              <a:t>标准程序库中，所有标识符都声明在命名空间</a:t>
-            </a:r>
-            <a:r>
-              <a:rPr lang="en-US" altLang="zh-CN"/>
-              <a:t>std</a:t>
-            </a:r>
-            <a:r>
-              <a:rPr lang="zh-CN" altLang="en-US"/>
-              <a:t>中，头文件都不使用扩展名</a:t>
-            </a:r>
-          </a:p>
-        </p:txBody>
-      </p:sp>
-      <p:sp>
-        <p:nvSpPr>
           <p:cNvPr id="13316" name="Rectangle 4"/>
           <p:cNvSpPr>
             <a:spLocks noChangeArrowheads="1"/>
@@ -12970,8 +14133,8 @@
         </p:nvSpPr>
         <p:spPr bwMode="auto">
           <a:xfrm>
-            <a:off x="273050" y="914400"/>
-            <a:ext cx="793750" cy="4953000"/>
+            <a:off x="265299" y="685800"/>
+            <a:ext cx="801501" cy="3714750"/>
           </a:xfrm>
           <a:prstGeom prst="rect">
             <a:avLst/>
@@ -13073,6 +14236,171 @@
       </p:grpSpPr>
       <p:sp>
         <p:nvSpPr>
+          <p:cNvPr id="15362" name="Rectangle 2"/>
+          <p:cNvSpPr>
+            <a:spLocks noGrp="1" noChangeArrowheads="1"/>
+          </p:cNvSpPr>
+          <p:nvPr>
+            <p:ph type="title"/>
+          </p:nvPr>
+        </p:nvSpPr>
+        <p:spPr>
+          <a:xfrm>
+            <a:off x="1447800" y="285750"/>
+            <a:ext cx="7162800" cy="857250"/>
+          </a:xfrm>
+          <a:noFill/>
+          <a:ln/>
+        </p:spPr>
+        <p:txBody>
+          <a:bodyPr/>
+          <a:lstStyle/>
+          <a:p>
+            <a:r>
+              <a:rPr lang="zh-CN" altLang="en-US"/>
+              <a:t>容器</a:t>
+            </a:r>
+          </a:p>
+        </p:txBody>
+      </p:sp>
+      <p:sp>
+        <p:nvSpPr>
+          <p:cNvPr id="15363" name="Rectangle 3"/>
+          <p:cNvSpPr>
+            <a:spLocks noGrp="1" noChangeArrowheads="1"/>
+          </p:cNvSpPr>
+          <p:nvPr>
+            <p:ph idx="1"/>
+          </p:nvPr>
+        </p:nvSpPr>
+        <p:spPr>
+          <a:xfrm>
+            <a:off x="1295400" y="1428750"/>
+            <a:ext cx="7239000" cy="3371850"/>
+          </a:xfrm>
+          <a:noFill/>
+          <a:ln/>
+        </p:spPr>
+        <p:txBody>
+          <a:bodyPr>
+            <a:normAutofit fontScale="92500" lnSpcReduction="20000"/>
+          </a:bodyPr>
+          <a:lstStyle/>
+          <a:p>
+            <a:pPr>
+              <a:lnSpc>
+                <a:spcPct val="90000"/>
+              </a:lnSpc>
+            </a:pPr>
+            <a:r>
+              <a:rPr lang="zh-CN" altLang="en-US"/>
+              <a:t>容器类是容纳、包含一组元素或元素集合的对象。</a:t>
+            </a:r>
+          </a:p>
+          <a:p>
+            <a:pPr>
+              <a:lnSpc>
+                <a:spcPct val="90000"/>
+              </a:lnSpc>
+            </a:pPr>
+            <a:r>
+              <a:rPr lang="zh-CN" altLang="en-US"/>
+              <a:t>异类容器类与同类容器类</a:t>
+            </a:r>
+          </a:p>
+          <a:p>
+            <a:pPr>
+              <a:lnSpc>
+                <a:spcPct val="90000"/>
+              </a:lnSpc>
+            </a:pPr>
+            <a:r>
+              <a:rPr lang="zh-CN" altLang="en-US"/>
+              <a:t>顺序容器与关联容器</a:t>
+            </a:r>
+          </a:p>
+          <a:p>
+            <a:pPr>
+              <a:lnSpc>
+                <a:spcPct val="90000"/>
+              </a:lnSpc>
+            </a:pPr>
+            <a:r>
+              <a:rPr lang="zh-CN" altLang="en-US"/>
+              <a:t>七种基本容器：</a:t>
+            </a:r>
+          </a:p>
+          <a:p>
+            <a:pPr lvl="1">
+              <a:lnSpc>
+                <a:spcPct val="90000"/>
+              </a:lnSpc>
+            </a:pPr>
+            <a:r>
+              <a:rPr lang="zh-CN" altLang="en-US"/>
+              <a:t>向量（</a:t>
+            </a:r>
+            <a:r>
+              <a:rPr lang="en-US" altLang="zh-CN"/>
+              <a:t>vector</a:t>
+            </a:r>
+            <a:r>
+              <a:rPr lang="zh-CN" altLang="en-US"/>
+              <a:t>）、双端队列（</a:t>
+            </a:r>
+            <a:r>
+              <a:rPr lang="en-US" altLang="zh-CN"/>
+              <a:t>deque</a:t>
+            </a:r>
+            <a:r>
+              <a:rPr lang="zh-CN" altLang="en-US"/>
+              <a:t>）、列表（</a:t>
+            </a:r>
+            <a:r>
+              <a:rPr lang="en-US" altLang="zh-CN"/>
+              <a:t>list</a:t>
+            </a:r>
+            <a:r>
+              <a:rPr lang="zh-CN" altLang="en-US"/>
+              <a:t>）、集合（</a:t>
+            </a:r>
+            <a:r>
+              <a:rPr lang="en-US" altLang="zh-CN"/>
+              <a:t>set</a:t>
+            </a:r>
+            <a:r>
+              <a:rPr lang="zh-CN" altLang="en-US"/>
+              <a:t>）、多重集合（</a:t>
+            </a:r>
+            <a:r>
+              <a:rPr lang="en-US" altLang="zh-CN"/>
+              <a:t>multiset</a:t>
+            </a:r>
+            <a:r>
+              <a:rPr lang="zh-CN" altLang="en-US"/>
+              <a:t>）、映射（</a:t>
+            </a:r>
+            <a:r>
+              <a:rPr lang="en-US" altLang="zh-CN"/>
+              <a:t>map</a:t>
+            </a:r>
+            <a:r>
+              <a:rPr lang="zh-CN" altLang="en-US"/>
+              <a:t>）和多重映射（</a:t>
+            </a:r>
+            <a:r>
+              <a:rPr lang="en-US" altLang="zh-CN"/>
+              <a:t>multimap</a:t>
+            </a:r>
+            <a:r>
+              <a:rPr lang="zh-CN" altLang="en-US"/>
+              <a:t>）</a:t>
+            </a:r>
+          </a:p>
+        </p:txBody>
+      </p:sp>
+      <p:sp>
+        <p:nvSpPr>
           <p:cNvPr id="7" name="灯片编号占位符 5"/>
           <p:cNvSpPr>
             <a:spLocks noGrp="1"/>
@@ -13097,169 +14425,6 @@
       </p:sp>
       <p:sp>
         <p:nvSpPr>
-          <p:cNvPr id="15362" name="Rectangle 2"/>
-          <p:cNvSpPr>
-            <a:spLocks noGrp="1" noChangeArrowheads="1"/>
-          </p:cNvSpPr>
-          <p:nvPr>
-            <p:ph type="title"/>
-          </p:nvPr>
-        </p:nvSpPr>
-        <p:spPr>
-          <a:xfrm>
-            <a:off x="1447800" y="381000"/>
-            <a:ext cx="7162800" cy="1143000"/>
-          </a:xfrm>
-          <a:noFill/>
-          <a:ln/>
-        </p:spPr>
-        <p:txBody>
-          <a:bodyPr/>
-          <a:lstStyle/>
-          <a:p>
-            <a:r>
-              <a:rPr lang="zh-CN" altLang="en-US"/>
-              <a:t>容器</a:t>
-            </a:r>
-          </a:p>
-        </p:txBody>
-      </p:sp>
-      <p:sp>
-        <p:nvSpPr>
-          <p:cNvPr id="15363" name="Rectangle 3"/>
-          <p:cNvSpPr>
-            <a:spLocks noGrp="1" noChangeArrowheads="1"/>
-          </p:cNvSpPr>
-          <p:nvPr>
-            <p:ph type="body" idx="1"/>
-          </p:nvPr>
-        </p:nvSpPr>
-        <p:spPr>
-          <a:xfrm>
-            <a:off x="1295400" y="1905000"/>
-            <a:ext cx="7239000" cy="4495800"/>
-          </a:xfrm>
-          <a:noFill/>
-          <a:ln/>
-        </p:spPr>
-        <p:txBody>
-          <a:bodyPr/>
-          <a:lstStyle/>
-          <a:p>
-            <a:pPr>
-              <a:lnSpc>
-                <a:spcPct val="90000"/>
-              </a:lnSpc>
-            </a:pPr>
-            <a:r>
-              <a:rPr lang="zh-CN" altLang="en-US"/>
-              <a:t>容器类是容纳、包含一组元素或元素集合的对象。</a:t>
-            </a:r>
-          </a:p>
-          <a:p>
-            <a:pPr>
-              <a:lnSpc>
-                <a:spcPct val="90000"/>
-              </a:lnSpc>
-            </a:pPr>
-            <a:r>
-              <a:rPr lang="zh-CN" altLang="en-US"/>
-              <a:t>异类容器类与同类容器类</a:t>
-            </a:r>
-          </a:p>
-          <a:p>
-            <a:pPr>
-              <a:lnSpc>
-                <a:spcPct val="90000"/>
-              </a:lnSpc>
-            </a:pPr>
-            <a:r>
-              <a:rPr lang="zh-CN" altLang="en-US"/>
-              <a:t>顺序容器与关联容器</a:t>
-            </a:r>
-          </a:p>
-          <a:p>
-            <a:pPr>
-              <a:lnSpc>
-                <a:spcPct val="90000"/>
-              </a:lnSpc>
-            </a:pPr>
-            <a:r>
-              <a:rPr lang="zh-CN" altLang="en-US"/>
-              <a:t>七种基本容器：</a:t>
-            </a:r>
-          </a:p>
-          <a:p>
-            <a:pPr lvl="1">
-              <a:lnSpc>
-                <a:spcPct val="90000"/>
-              </a:lnSpc>
-            </a:pPr>
-            <a:r>
-              <a:rPr lang="zh-CN" altLang="en-US"/>
-              <a:t>向量（</a:t>
-            </a:r>
-            <a:r>
-              <a:rPr lang="en-US" altLang="zh-CN"/>
-              <a:t>vector</a:t>
-            </a:r>
-            <a:r>
-              <a:rPr lang="zh-CN" altLang="en-US"/>
-              <a:t>）、双端队列（</a:t>
-            </a:r>
-            <a:r>
-              <a:rPr lang="en-US" altLang="zh-CN"/>
-              <a:t>deque</a:t>
-            </a:r>
-            <a:r>
-              <a:rPr lang="zh-CN" altLang="en-US"/>
-              <a:t>）、列表（</a:t>
-            </a:r>
-            <a:r>
-              <a:rPr lang="en-US" altLang="zh-CN"/>
-              <a:t>list</a:t>
-            </a:r>
-            <a:r>
-              <a:rPr lang="zh-CN" altLang="en-US"/>
-              <a:t>）、集合（</a:t>
-            </a:r>
-            <a:r>
-              <a:rPr lang="en-US" altLang="zh-CN"/>
-              <a:t>set</a:t>
-            </a:r>
-            <a:r>
-              <a:rPr lang="zh-CN" altLang="en-US"/>
-              <a:t>）、多重集合（</a:t>
-            </a:r>
-            <a:r>
-              <a:rPr lang="en-US" altLang="zh-CN"/>
-              <a:t>multiset</a:t>
-            </a:r>
-            <a:r>
-              <a:rPr lang="zh-CN" altLang="en-US"/>
-              <a:t>）、映射（</a:t>
-            </a:r>
-            <a:r>
-              <a:rPr lang="en-US" altLang="zh-CN"/>
-              <a:t>map</a:t>
-            </a:r>
-            <a:r>
-              <a:rPr lang="zh-CN" altLang="en-US"/>
-              <a:t>）和多重映射（</a:t>
-            </a:r>
-            <a:r>
-              <a:rPr lang="en-US" altLang="zh-CN"/>
-              <a:t>multimap</a:t>
-            </a:r>
-            <a:r>
-              <a:rPr lang="zh-CN" altLang="en-US"/>
-              <a:t>）</a:t>
-            </a:r>
-          </a:p>
-        </p:txBody>
-      </p:sp>
-      <p:sp>
-        <p:nvSpPr>
           <p:cNvPr id="15364" name="Rectangle 4"/>
           <p:cNvSpPr>
             <a:spLocks noChangeArrowheads="1"/>
@@ -13268,8 +14433,8 @@
         </p:nvSpPr>
         <p:spPr bwMode="auto">
           <a:xfrm>
-            <a:off x="273050" y="914400"/>
-            <a:ext cx="793750" cy="4953000"/>
+            <a:off x="265299" y="685800"/>
+            <a:ext cx="801501" cy="3714750"/>
           </a:xfrm>
           <a:prstGeom prst="rect">
             <a:avLst/>
@@ -13371,6 +14536,240 @@
       </p:grpSpPr>
       <p:sp>
         <p:nvSpPr>
+          <p:cNvPr id="17410" name="Rectangle 2"/>
+          <p:cNvSpPr>
+            <a:spLocks noGrp="1" noChangeArrowheads="1"/>
+          </p:cNvSpPr>
+          <p:nvPr>
+            <p:ph type="title"/>
+          </p:nvPr>
+        </p:nvSpPr>
+        <p:spPr>
+          <a:noFill/>
+          <a:ln/>
+        </p:spPr>
+        <p:txBody>
+          <a:bodyPr/>
+          <a:lstStyle/>
+          <a:p>
+            <a:r>
+              <a:rPr lang="zh-CN" altLang="en-US"/>
+              <a:t>容器的接口</a:t>
+            </a:r>
+          </a:p>
+        </p:txBody>
+      </p:sp>
+      <p:sp>
+        <p:nvSpPr>
+          <p:cNvPr id="17411" name="Rectangle 3"/>
+          <p:cNvSpPr>
+            <a:spLocks noGrp="1" noChangeArrowheads="1"/>
+          </p:cNvSpPr>
+          <p:nvPr>
+            <p:ph idx="1"/>
+          </p:nvPr>
+        </p:nvSpPr>
+        <p:spPr>
+          <a:noFill/>
+          <a:ln/>
+        </p:spPr>
+        <p:txBody>
+          <a:bodyPr>
+            <a:normAutofit lnSpcReduction="10000"/>
+          </a:bodyPr>
+          <a:lstStyle/>
+          <a:p>
+            <a:r>
+              <a:rPr lang="zh-CN" altLang="en-US">
+                <a:latin typeface="宋体" pitchFamily="2" charset="-122"/>
+              </a:rPr>
+              <a:t>通用容器运算符</a:t>
+            </a:r>
+            <a:endParaRPr lang="zh-CN" altLang="en-US"/>
+          </a:p>
+          <a:p>
+            <a:pPr lvl="1"/>
+            <a:r>
+              <a:rPr lang="en-US" altLang="zh-CN"/>
+              <a:t>==</a:t>
+            </a:r>
+            <a:r>
+              <a:rPr lang="zh-CN" altLang="en-US"/>
+              <a:t>，</a:t>
+            </a:r>
+            <a:r>
+              <a:rPr lang="en-US" altLang="zh-CN"/>
+              <a:t>!=</a:t>
+            </a:r>
+            <a:r>
+              <a:rPr lang="zh-CN" altLang="en-US"/>
+              <a:t>，</a:t>
+            </a:r>
+            <a:r>
+              <a:rPr lang="en-US" altLang="zh-CN"/>
+              <a:t>&gt;</a:t>
+            </a:r>
+            <a:r>
+              <a:rPr lang="zh-CN" altLang="en-US"/>
+              <a:t>，</a:t>
+            </a:r>
+            <a:r>
+              <a:rPr lang="en-US" altLang="zh-CN"/>
+              <a:t>&gt;=</a:t>
+            </a:r>
+            <a:r>
+              <a:rPr lang="zh-CN" altLang="en-US"/>
+              <a:t>，</a:t>
+            </a:r>
+            <a:r>
+              <a:rPr lang="en-US" altLang="zh-CN"/>
+              <a:t>&lt;</a:t>
+            </a:r>
+            <a:r>
+              <a:rPr lang="zh-CN" altLang="en-US"/>
+              <a:t>，</a:t>
+            </a:r>
+            <a:r>
+              <a:rPr lang="en-US" altLang="zh-CN"/>
+              <a:t>&lt;=</a:t>
+            </a:r>
+            <a:r>
+              <a:rPr lang="zh-CN" altLang="en-US"/>
+              <a:t>，</a:t>
+            </a:r>
+            <a:r>
+              <a:rPr lang="en-US" altLang="zh-CN"/>
+              <a:t>=</a:t>
+            </a:r>
+          </a:p>
+          <a:p>
+            <a:r>
+              <a:rPr lang="zh-CN" altLang="en-US">
+                <a:latin typeface="宋体" pitchFamily="2" charset="-122"/>
+              </a:rPr>
+              <a:t>方法（函数）</a:t>
+            </a:r>
+          </a:p>
+          <a:p>
+            <a:pPr lvl="1"/>
+            <a:r>
+              <a:rPr lang="zh-CN" altLang="en-US">
+                <a:latin typeface="宋体" pitchFamily="2" charset="-122"/>
+              </a:rPr>
+              <a:t>迭代方法</a:t>
+            </a:r>
+          </a:p>
+          <a:p>
+            <a:pPr lvl="2"/>
+            <a:r>
+              <a:rPr lang="en-US" altLang="zh-CN">
+                <a:latin typeface="宋体" pitchFamily="2" charset="-122"/>
+              </a:rPr>
+              <a:t>begin()</a:t>
+            </a:r>
+            <a:r>
+              <a:rPr lang="zh-CN" altLang="en-US">
+                <a:latin typeface="宋体" pitchFamily="2" charset="-122"/>
+              </a:rPr>
+              <a:t>，</a:t>
+            </a:r>
+            <a:r>
+              <a:rPr lang="en-US" altLang="zh-CN">
+                <a:latin typeface="宋体" pitchFamily="2" charset="-122"/>
+              </a:rPr>
+              <a:t>end()</a:t>
+            </a:r>
+            <a:r>
+              <a:rPr lang="zh-CN" altLang="en-US">
+                <a:latin typeface="宋体" pitchFamily="2" charset="-122"/>
+              </a:rPr>
+              <a:t>，</a:t>
+            </a:r>
+            <a:r>
+              <a:rPr lang="en-US" altLang="zh-CN">
+                <a:latin typeface="宋体" pitchFamily="2" charset="-122"/>
+              </a:rPr>
+              <a:t>rbegin()</a:t>
+            </a:r>
+            <a:r>
+              <a:rPr lang="zh-CN" altLang="en-US">
+                <a:latin typeface="宋体" pitchFamily="2" charset="-122"/>
+              </a:rPr>
+              <a:t>，</a:t>
+            </a:r>
+            <a:r>
+              <a:rPr lang="en-US" altLang="zh-CN">
+                <a:latin typeface="宋体" pitchFamily="2" charset="-122"/>
+              </a:rPr>
+              <a:t>rend()</a:t>
+            </a:r>
+          </a:p>
+          <a:p>
+            <a:pPr lvl="1"/>
+            <a:r>
+              <a:rPr lang="zh-CN" altLang="en-US">
+                <a:latin typeface="宋体" pitchFamily="2" charset="-122"/>
+              </a:rPr>
+              <a:t>访问方法</a:t>
+            </a:r>
+          </a:p>
+          <a:p>
+            <a:pPr lvl="2"/>
+            <a:r>
+              <a:rPr lang="en-US" altLang="zh-CN">
+                <a:latin typeface="宋体" pitchFamily="2" charset="-122"/>
+              </a:rPr>
+              <a:t>size()</a:t>
+            </a:r>
+            <a:r>
+              <a:rPr lang="zh-CN" altLang="en-US">
+                <a:latin typeface="宋体" pitchFamily="2" charset="-122"/>
+              </a:rPr>
+              <a:t>，</a:t>
+            </a:r>
+            <a:r>
+              <a:rPr lang="en-US" altLang="zh-CN">
+                <a:latin typeface="宋体" pitchFamily="2" charset="-122"/>
+              </a:rPr>
+              <a:t>max_size()</a:t>
+            </a:r>
+            <a:r>
+              <a:rPr lang="zh-CN" altLang="en-US">
+                <a:latin typeface="宋体" pitchFamily="2" charset="-122"/>
+              </a:rPr>
+              <a:t>，</a:t>
+            </a:r>
+            <a:r>
+              <a:rPr lang="en-US" altLang="zh-CN">
+                <a:latin typeface="宋体" pitchFamily="2" charset="-122"/>
+              </a:rPr>
+              <a:t>swap()</a:t>
+            </a:r>
+            <a:r>
+              <a:rPr lang="zh-CN" altLang="en-US">
+                <a:latin typeface="宋体" pitchFamily="2" charset="-122"/>
+              </a:rPr>
+              <a:t>，</a:t>
+            </a:r>
+            <a:r>
+              <a:rPr lang="en-US" altLang="zh-CN">
+                <a:latin typeface="宋体" pitchFamily="2" charset="-122"/>
+              </a:rPr>
+              <a:t>empty()</a:t>
+            </a:r>
+          </a:p>
+          <a:p>
+            <a:pPr>
+              <a:buSzPct val="75000"/>
+            </a:pPr>
+            <a:endParaRPr lang="en-US" altLang="zh-CN" sz="2400" b="0">
+              <a:latin typeface="宋体" pitchFamily="2" charset="-122"/>
+            </a:endParaRPr>
+          </a:p>
+        </p:txBody>
+      </p:sp>
+      <p:sp>
+        <p:nvSpPr>
           <p:cNvPr id="6" name="灯片编号占位符 5"/>
           <p:cNvSpPr>
             <a:spLocks noGrp="1"/>
@@ -13390,238 +14789,6 @@
               <a:t>7</a:t>
             </a:fld>
             <a:endParaRPr lang="en-US" altLang="zh-CN"/>
-          </a:p>
-        </p:txBody>
-      </p:sp>
-      <p:sp>
-        <p:nvSpPr>
-          <p:cNvPr id="17410" name="Rectangle 2"/>
-          <p:cNvSpPr>
-            <a:spLocks noGrp="1" noChangeArrowheads="1"/>
-          </p:cNvSpPr>
-          <p:nvPr>
-            <p:ph type="title"/>
-          </p:nvPr>
-        </p:nvSpPr>
-        <p:spPr>
-          <a:noFill/>
-          <a:ln/>
-        </p:spPr>
-        <p:txBody>
-          <a:bodyPr/>
-          <a:lstStyle/>
-          <a:p>
-            <a:r>
-              <a:rPr lang="zh-CN" altLang="en-US"/>
-              <a:t>容器的接口</a:t>
-            </a:r>
-          </a:p>
-        </p:txBody>
-      </p:sp>
-      <p:sp>
-        <p:nvSpPr>
-          <p:cNvPr id="17411" name="Rectangle 3"/>
-          <p:cNvSpPr>
-            <a:spLocks noGrp="1" noChangeArrowheads="1"/>
-          </p:cNvSpPr>
-          <p:nvPr>
-            <p:ph type="body" idx="1"/>
-          </p:nvPr>
-        </p:nvSpPr>
-        <p:spPr>
-          <a:noFill/>
-          <a:ln/>
-        </p:spPr>
-        <p:txBody>
-          <a:bodyPr/>
-          <a:lstStyle/>
-          <a:p>
-            <a:r>
-              <a:rPr lang="zh-CN" altLang="en-US">
-                <a:latin typeface="宋体" pitchFamily="2" charset="-122"/>
-              </a:rPr>
-              <a:t>通用容器运算符</a:t>
-            </a:r>
-            <a:endParaRPr lang="zh-CN" altLang="en-US"/>
-          </a:p>
-          <a:p>
-            <a:pPr lvl="1"/>
-            <a:r>
-              <a:rPr lang="en-US" altLang="zh-CN"/>
-              <a:t>==</a:t>
-            </a:r>
-            <a:r>
-              <a:rPr lang="zh-CN" altLang="en-US"/>
-              <a:t>，</a:t>
-            </a:r>
-            <a:r>
-              <a:rPr lang="en-US" altLang="zh-CN"/>
-              <a:t>!=</a:t>
-            </a:r>
-            <a:r>
-              <a:rPr lang="zh-CN" altLang="en-US"/>
-              <a:t>，</a:t>
-            </a:r>
-            <a:r>
-              <a:rPr lang="en-US" altLang="zh-CN"/>
-              <a:t>&gt;</a:t>
-            </a:r>
-            <a:r>
-              <a:rPr lang="zh-CN" altLang="en-US"/>
-              <a:t>，</a:t>
-            </a:r>
-            <a:r>
-              <a:rPr lang="en-US" altLang="zh-CN"/>
-              <a:t>&gt;=</a:t>
-            </a:r>
-            <a:r>
-              <a:rPr lang="zh-CN" altLang="en-US"/>
-              <a:t>，</a:t>
-            </a:r>
-            <a:r>
-              <a:rPr lang="en-US" altLang="zh-CN"/>
-              <a:t>&lt;</a:t>
-            </a:r>
-            <a:r>
-              <a:rPr lang="zh-CN" altLang="en-US"/>
-              <a:t>，</a:t>
-            </a:r>
-            <a:r>
-              <a:rPr lang="en-US" altLang="zh-CN"/>
-              <a:t>&lt;=</a:t>
-            </a:r>
-            <a:r>
-              <a:rPr lang="zh-CN" altLang="en-US"/>
-              <a:t>，</a:t>
-            </a:r>
-            <a:r>
-              <a:rPr lang="en-US" altLang="zh-CN"/>
-              <a:t>=</a:t>
-            </a:r>
-          </a:p>
-          <a:p>
-            <a:r>
-              <a:rPr lang="zh-CN" altLang="en-US">
-                <a:latin typeface="宋体" pitchFamily="2" charset="-122"/>
-              </a:rPr>
-              <a:t>方法（函数）</a:t>
-            </a:r>
-          </a:p>
-          <a:p>
-            <a:pPr lvl="1"/>
-            <a:r>
-              <a:rPr lang="zh-CN" altLang="en-US">
-                <a:latin typeface="宋体" pitchFamily="2" charset="-122"/>
-              </a:rPr>
-              <a:t>迭代方法</a:t>
-            </a:r>
-          </a:p>
-          <a:p>
-            <a:pPr lvl="2"/>
-            <a:r>
-              <a:rPr lang="en-US" altLang="zh-CN">
-                <a:latin typeface="宋体" pitchFamily="2" charset="-122"/>
-              </a:rPr>
-              <a:t>begin()</a:t>
-            </a:r>
-            <a:r>
-              <a:rPr lang="zh-CN" altLang="en-US">
-                <a:latin typeface="宋体" pitchFamily="2" charset="-122"/>
-              </a:rPr>
-              <a:t>，</a:t>
-            </a:r>
-            <a:r>
-              <a:rPr lang="en-US" altLang="zh-CN">
-                <a:latin typeface="宋体" pitchFamily="2" charset="-122"/>
-              </a:rPr>
-              <a:t>end()</a:t>
-            </a:r>
-            <a:r>
-              <a:rPr lang="zh-CN" altLang="en-US">
-                <a:latin typeface="宋体" pitchFamily="2" charset="-122"/>
-              </a:rPr>
-              <a:t>，</a:t>
-            </a:r>
-            <a:r>
-              <a:rPr lang="en-US" altLang="zh-CN">
-                <a:latin typeface="宋体" pitchFamily="2" charset="-122"/>
-              </a:rPr>
-              <a:t>rbegin()</a:t>
-            </a:r>
-            <a:r>
-              <a:rPr lang="zh-CN" altLang="en-US">
-                <a:latin typeface="宋体" pitchFamily="2" charset="-122"/>
-              </a:rPr>
-              <a:t>，</a:t>
-            </a:r>
-            <a:r>
-              <a:rPr lang="en-US" altLang="zh-CN">
-                <a:latin typeface="宋体" pitchFamily="2" charset="-122"/>
-              </a:rPr>
-              <a:t>rend()</a:t>
-            </a:r>
-          </a:p>
-          <a:p>
-            <a:pPr lvl="1"/>
-            <a:r>
-              <a:rPr lang="zh-CN" altLang="en-US">
-                <a:latin typeface="宋体" pitchFamily="2" charset="-122"/>
-              </a:rPr>
-              <a:t>访问方法</a:t>
-            </a:r>
-          </a:p>
-          <a:p>
-            <a:pPr lvl="2"/>
-            <a:r>
-              <a:rPr lang="en-US" altLang="zh-CN">
-                <a:latin typeface="宋体" pitchFamily="2" charset="-122"/>
-              </a:rPr>
-              <a:t>size()</a:t>
-            </a:r>
-            <a:r>
-              <a:rPr lang="zh-CN" altLang="en-US">
-                <a:latin typeface="宋体" pitchFamily="2" charset="-122"/>
-              </a:rPr>
-              <a:t>，</a:t>
-            </a:r>
-            <a:r>
-              <a:rPr lang="en-US" altLang="zh-CN">
-                <a:latin typeface="宋体" pitchFamily="2" charset="-122"/>
-              </a:rPr>
-              <a:t>max_size()</a:t>
-            </a:r>
-            <a:r>
-              <a:rPr lang="zh-CN" altLang="en-US">
-                <a:latin typeface="宋体" pitchFamily="2" charset="-122"/>
-              </a:rPr>
-              <a:t>，</a:t>
-            </a:r>
-            <a:r>
-              <a:rPr lang="en-US" altLang="zh-CN">
-                <a:latin typeface="宋体" pitchFamily="2" charset="-122"/>
-              </a:rPr>
-              <a:t>swap()</a:t>
-            </a:r>
-            <a:r>
-              <a:rPr lang="zh-CN" altLang="en-US">
-                <a:latin typeface="宋体" pitchFamily="2" charset="-122"/>
-              </a:rPr>
-              <a:t>，</a:t>
-            </a:r>
-            <a:r>
-              <a:rPr lang="en-US" altLang="zh-CN">
-                <a:latin typeface="宋体" pitchFamily="2" charset="-122"/>
-              </a:rPr>
-              <a:t>empty()</a:t>
-            </a:r>
-          </a:p>
-          <a:p>
-            <a:pPr>
-              <a:buSzPct val="75000"/>
-            </a:pPr>
-            <a:endParaRPr lang="en-US" altLang="zh-CN" sz="2400" b="0">
-              <a:latin typeface="宋体" pitchFamily="2" charset="-122"/>
-            </a:endParaRPr>
           </a:p>
         </p:txBody>
       </p:sp>
@@ -13664,6 +14831,152 @@
       </p:grpSpPr>
       <p:sp>
         <p:nvSpPr>
+          <p:cNvPr id="19458" name="Rectangle 2"/>
+          <p:cNvSpPr>
+            <a:spLocks noGrp="1" noChangeArrowheads="1"/>
+          </p:cNvSpPr>
+          <p:nvPr>
+            <p:ph type="title"/>
+          </p:nvPr>
+        </p:nvSpPr>
+        <p:spPr>
+          <a:noFill/>
+          <a:ln/>
+        </p:spPr>
+        <p:txBody>
+          <a:bodyPr/>
+          <a:lstStyle/>
+          <a:p>
+            <a:r>
+              <a:rPr lang="zh-CN" altLang="en-US"/>
+              <a:t>适配器</a:t>
+            </a:r>
+          </a:p>
+        </p:txBody>
+      </p:sp>
+      <p:sp>
+        <p:nvSpPr>
+          <p:cNvPr id="19459" name="Rectangle 3"/>
+          <p:cNvSpPr>
+            <a:spLocks noGrp="1" noChangeArrowheads="1"/>
+          </p:cNvSpPr>
+          <p:nvPr>
+            <p:ph idx="1"/>
+          </p:nvPr>
+        </p:nvSpPr>
+        <p:spPr>
+          <a:xfrm>
+            <a:off x="1295400" y="1428750"/>
+            <a:ext cx="7239000" cy="3429000"/>
+          </a:xfrm>
+          <a:noFill/>
+          <a:ln/>
+        </p:spPr>
+        <p:txBody>
+          <a:bodyPr>
+            <a:normAutofit fontScale="92500" lnSpcReduction="20000"/>
+          </a:bodyPr>
+          <a:lstStyle/>
+          <a:p>
+            <a:pPr>
+              <a:lnSpc>
+                <a:spcPct val="90000"/>
+              </a:lnSpc>
+            </a:pPr>
+            <a:r>
+              <a:rPr lang="zh-CN" altLang="en-US"/>
+              <a:t>适配器是一种接口类</a:t>
+            </a:r>
+          </a:p>
+          <a:p>
+            <a:pPr lvl="1">
+              <a:lnSpc>
+                <a:spcPct val="90000"/>
+              </a:lnSpc>
+            </a:pPr>
+            <a:r>
+              <a:rPr lang="zh-CN" altLang="en-US"/>
+              <a:t>为已有的类提供新的接口。</a:t>
+            </a:r>
+          </a:p>
+          <a:p>
+            <a:pPr lvl="1">
+              <a:lnSpc>
+                <a:spcPct val="90000"/>
+              </a:lnSpc>
+            </a:pPr>
+            <a:r>
+              <a:rPr lang="zh-CN" altLang="en-US"/>
+              <a:t>目的是简化、约束、使之安全、隐藏或者改变被修改类提供的服务集合。</a:t>
+            </a:r>
+          </a:p>
+          <a:p>
+            <a:pPr>
+              <a:lnSpc>
+                <a:spcPct val="90000"/>
+              </a:lnSpc>
+            </a:pPr>
+            <a:r>
+              <a:rPr lang="zh-CN" altLang="en-US"/>
+              <a:t>三种类型的适配器：</a:t>
+            </a:r>
+          </a:p>
+          <a:p>
+            <a:pPr lvl="1">
+              <a:lnSpc>
+                <a:spcPct val="90000"/>
+              </a:lnSpc>
+            </a:pPr>
+            <a:r>
+              <a:rPr lang="zh-CN" altLang="en-US"/>
+              <a:t>容器适配器</a:t>
+            </a:r>
+          </a:p>
+          <a:p>
+            <a:pPr lvl="2">
+              <a:lnSpc>
+                <a:spcPct val="90000"/>
+              </a:lnSpc>
+            </a:pPr>
+            <a:r>
+              <a:rPr lang="zh-CN" altLang="en-US"/>
+              <a:t>用来扩展</a:t>
+            </a:r>
+            <a:r>
+              <a:rPr lang="en-US" altLang="zh-CN"/>
+              <a:t>7</a:t>
+            </a:r>
+            <a:r>
+              <a:rPr lang="zh-CN" altLang="en-US"/>
+              <a:t>种基本容器，它们和顺序容器相结合构成栈、队列和优先队列容器</a:t>
+            </a:r>
+          </a:p>
+          <a:p>
+            <a:pPr lvl="1">
+              <a:lnSpc>
+                <a:spcPct val="90000"/>
+              </a:lnSpc>
+            </a:pPr>
+            <a:r>
+              <a:rPr lang="zh-CN" altLang="en-US"/>
+              <a:t>迭代器适配器</a:t>
+            </a:r>
+          </a:p>
+          <a:p>
+            <a:pPr lvl="1">
+              <a:lnSpc>
+                <a:spcPct val="90000"/>
+              </a:lnSpc>
+            </a:pPr>
+            <a:r>
+              <a:rPr lang="zh-CN" altLang="en-US"/>
+              <a:t>函数对象适配器。</a:t>
+            </a:r>
+          </a:p>
+        </p:txBody>
+      </p:sp>
+      <p:sp>
+        <p:nvSpPr>
           <p:cNvPr id="7" name="灯片编号占位符 5"/>
           <p:cNvSpPr>
             <a:spLocks noGrp="1"/>
@@ -13688,150 +15001,6 @@
       </p:sp>
       <p:sp>
         <p:nvSpPr>
-          <p:cNvPr id="19458" name="Rectangle 2"/>
-          <p:cNvSpPr>
-            <a:spLocks noGrp="1" noChangeArrowheads="1"/>
-          </p:cNvSpPr>
-          <p:nvPr>
-            <p:ph type="title"/>
-          </p:nvPr>
-        </p:nvSpPr>
-        <p:spPr>
-          <a:noFill/>
-          <a:ln/>
-        </p:spPr>
-        <p:txBody>
-          <a:bodyPr/>
-          <a:lstStyle/>
-          <a:p>
-            <a:r>
-              <a:rPr lang="zh-CN" altLang="en-US"/>
-              <a:t>适配器</a:t>
-            </a:r>
-          </a:p>
-        </p:txBody>
-      </p:sp>
-      <p:sp>
-        <p:nvSpPr>
-          <p:cNvPr id="19459" name="Rectangle 3"/>
-          <p:cNvSpPr>
-            <a:spLocks noGrp="1" noChangeArrowheads="1"/>
-          </p:cNvSpPr>
-          <p:nvPr>
-            <p:ph type="body" idx="1"/>
-          </p:nvPr>
-        </p:nvSpPr>
-        <p:spPr>
-          <a:xfrm>
-            <a:off x="1295400" y="1905000"/>
-            <a:ext cx="7239000" cy="4572000"/>
-          </a:xfrm>
-          <a:noFill/>
-          <a:ln/>
-        </p:spPr>
-        <p:txBody>
-          <a:bodyPr/>
-          <a:lstStyle/>
-          <a:p>
-            <a:pPr>
-              <a:lnSpc>
-                <a:spcPct val="90000"/>
-              </a:lnSpc>
-            </a:pPr>
-            <a:r>
-              <a:rPr lang="zh-CN" altLang="en-US"/>
-              <a:t>适配器是一种接口类</a:t>
-            </a:r>
-          </a:p>
-          <a:p>
-            <a:pPr lvl="1">
-              <a:lnSpc>
-                <a:spcPct val="90000"/>
-              </a:lnSpc>
-            </a:pPr>
-            <a:r>
-              <a:rPr lang="zh-CN" altLang="en-US"/>
-              <a:t>为已有的类提供新的接口。</a:t>
-            </a:r>
-          </a:p>
-          <a:p>
-            <a:pPr lvl="1">
-              <a:lnSpc>
-                <a:spcPct val="90000"/>
-              </a:lnSpc>
-            </a:pPr>
-            <a:r>
-              <a:rPr lang="zh-CN" altLang="en-US"/>
-              <a:t>目的是简化、约束、使之安全、隐藏或者改变被修改类提供的服务集合。</a:t>
-            </a:r>
-          </a:p>
-          <a:p>
-            <a:pPr>
-              <a:lnSpc>
-                <a:spcPct val="90000"/>
-              </a:lnSpc>
-            </a:pPr>
-            <a:r>
-              <a:rPr lang="zh-CN" altLang="en-US"/>
-              <a:t>三种类型的适配器：</a:t>
-            </a:r>
-          </a:p>
-          <a:p>
-            <a:pPr lvl="1">
-              <a:lnSpc>
-                <a:spcPct val="90000"/>
-              </a:lnSpc>
-            </a:pPr>
-            <a:r>
-              <a:rPr lang="zh-CN" altLang="en-US"/>
-              <a:t>容器适配器</a:t>
-            </a:r>
-          </a:p>
-          <a:p>
-            <a:pPr lvl="2">
-              <a:lnSpc>
-                <a:spcPct val="90000"/>
-              </a:lnSpc>
-            </a:pPr>
-            <a:r>
-              <a:rPr lang="zh-CN" altLang="en-US"/>
-              <a:t>用来扩展</a:t>
-            </a:r>
-            <a:r>
-              <a:rPr lang="en-US" altLang="zh-CN"/>
-              <a:t>7</a:t>
-            </a:r>
-            <a:r>
-              <a:rPr lang="zh-CN" altLang="en-US"/>
-              <a:t>种基本容器，它们和顺序容器相结合构成栈、队列和优先队列容器</a:t>
-            </a:r>
-          </a:p>
-          <a:p>
-            <a:pPr lvl="1">
-              <a:lnSpc>
-                <a:spcPct val="90000"/>
-              </a:lnSpc>
-            </a:pPr>
-            <a:r>
-              <a:rPr lang="zh-CN" altLang="en-US"/>
-              <a:t>迭代器适配器</a:t>
-            </a:r>
-          </a:p>
-          <a:p>
-            <a:pPr lvl="1">
-              <a:lnSpc>
-                <a:spcPct val="90000"/>
-              </a:lnSpc>
-            </a:pPr>
-            <a:r>
-              <a:rPr lang="zh-CN" altLang="en-US"/>
-              <a:t>函数对象适配器。</a:t>
-            </a:r>
-          </a:p>
-        </p:txBody>
-      </p:sp>
-      <p:sp>
-        <p:nvSpPr>
           <p:cNvPr id="19460" name="Rectangle 4"/>
           <p:cNvSpPr>
             <a:spLocks noChangeArrowheads="1"/>
@@ -13840,8 +15009,8 @@
         </p:nvSpPr>
         <p:spPr bwMode="auto">
           <a:xfrm>
-            <a:off x="273050" y="914400"/>
-            <a:ext cx="793750" cy="4953000"/>
+            <a:off x="265299" y="685800"/>
+            <a:ext cx="801501" cy="3714750"/>
           </a:xfrm>
           <a:prstGeom prst="rect">
             <a:avLst/>
@@ -13943,6 +15112,60 @@
       </p:grpSpPr>
       <p:sp>
         <p:nvSpPr>
+          <p:cNvPr id="21506" name="Rectangle 2"/>
+          <p:cNvSpPr>
+            <a:spLocks noGrp="1" noChangeArrowheads="1"/>
+          </p:cNvSpPr>
+          <p:nvPr>
+            <p:ph type="title"/>
+          </p:nvPr>
+        </p:nvSpPr>
+        <p:spPr>
+          <a:noFill/>
+          <a:ln/>
+        </p:spPr>
+        <p:txBody>
+          <a:bodyPr/>
+          <a:lstStyle/>
+          <a:p>
+            <a:r>
+              <a:rPr lang="zh-CN" altLang="en-US"/>
+              <a:t>迭代器</a:t>
+            </a:r>
+          </a:p>
+        </p:txBody>
+      </p:sp>
+      <p:sp>
+        <p:nvSpPr>
+          <p:cNvPr id="21507" name="Rectangle 3"/>
+          <p:cNvSpPr>
+            <a:spLocks noGrp="1" noChangeArrowheads="1"/>
+          </p:cNvSpPr>
+          <p:nvPr>
+            <p:ph idx="1"/>
+          </p:nvPr>
+        </p:nvSpPr>
+        <p:spPr>
+          <a:noFill/>
+          <a:ln/>
+        </p:spPr>
+        <p:txBody>
+          <a:bodyPr/>
+          <a:lstStyle/>
+          <a:p>
+            <a:pPr marL="0" indent="762000">
+              <a:buFont typeface="Wingdings" pitchFamily="2" charset="2"/>
+              <a:buNone/>
+            </a:pPr>
+            <a:r>
+              <a:rPr lang="zh-CN" altLang="en-US"/>
+              <a:t>迭代器是面向对象版本的指针，它们提供了访问容器、序列中每个元素的方法。</a:t>
+            </a:r>
+          </a:p>
+        </p:txBody>
+      </p:sp>
+      <p:sp>
+        <p:nvSpPr>
           <p:cNvPr id="7" name="灯片编号占位符 5"/>
           <p:cNvSpPr>
             <a:spLocks noGrp="1"/>
@@ -13967,60 +15190,6 @@
       </p:sp>
       <p:sp>
         <p:nvSpPr>
-          <p:cNvPr id="21506" name="Rectangle 2"/>
-          <p:cNvSpPr>
-            <a:spLocks noGrp="1" noChangeArrowheads="1"/>
-          </p:cNvSpPr>
-          <p:nvPr>
-            <p:ph type="title"/>
-          </p:nvPr>
-        </p:nvSpPr>
-        <p:spPr>
-          <a:noFill/>
-          <a:ln/>
-        </p:spPr>
-        <p:txBody>
-          <a:bodyPr/>
-          <a:lstStyle/>
-          <a:p>
-            <a:r>
-              <a:rPr lang="zh-CN" altLang="en-US"/>
-              <a:t>迭代器</a:t>
-            </a:r>
-          </a:p>
-        </p:txBody>
-      </p:sp>
-      <p:sp>
-        <p:nvSpPr>
-          <p:cNvPr id="21507" name="Rectangle 3"/>
-          <p:cNvSpPr>
-            <a:spLocks noGrp="1" noChangeArrowheads="1"/>
-          </p:cNvSpPr>
-          <p:nvPr>
-            <p:ph type="body" idx="1"/>
-          </p:nvPr>
-        </p:nvSpPr>
-        <p:spPr>
-          <a:noFill/>
-          <a:ln/>
-        </p:spPr>
-        <p:txBody>
-          <a:bodyPr/>
-          <a:lstStyle/>
-          <a:p>
-            <a:pPr marL="0" indent="762000">
-              <a:buFont typeface="Wingdings" pitchFamily="2" charset="2"/>
-              <a:buNone/>
-            </a:pPr>
-            <a:r>
-              <a:rPr lang="zh-CN" altLang="en-US"/>
-              <a:t>迭代器是面向对象版本的指针，它们提供了访问容器、序列中每个元素的方法。</a:t>
-            </a:r>
-          </a:p>
-        </p:txBody>
-      </p:sp>
-      <p:sp>
-        <p:nvSpPr>
           <p:cNvPr id="21508" name="Rectangle 4"/>
           <p:cNvSpPr>
             <a:spLocks noChangeArrowheads="1"/>
@@ -14029,8 +15198,8 @@
         </p:nvSpPr>
         <p:spPr bwMode="auto">
           <a:xfrm>
-            <a:off x="273050" y="914400"/>
-            <a:ext cx="793750" cy="4953000"/>
+            <a:off x="265299" y="685800"/>
+            <a:ext cx="801501" cy="3714750"/>
           </a:xfrm>
           <a:prstGeom prst="rect">
             <a:avLst/>
@@ -14114,9 +15283,9 @@
 </file>
 
 <file path=ppt/theme/theme1.xml><?xml version="1.0" encoding="utf-8"?>
-<a:theme xmlns:a="http://schemas.openxmlformats.org/drawingml/2006/main" name="Office 主题">
+<a:theme xmlns:a="http://schemas.openxmlformats.org/drawingml/2006/main" name="凤舞九天">
   <a:themeElements>
-    <a:clrScheme name="Office">
+    <a:clrScheme name="凤舞九天">
       <a:dk1>
         <a:sysClr val="windowText" lastClr="000000"/>
       </a:dk1>
@@ -14124,43 +15293,78 @@
         <a:sysClr val="window" lastClr="FFFFFF"/>
       </a:lt1>
       <a:dk2>
-        <a:srgbClr val="1F497D"/>
+        <a:srgbClr val="004646"/>
       </a:dk2>
       <a:lt2>
-        <a:srgbClr val="EEECE1"/>
+        <a:srgbClr val="E1F0FF"/>
       </a:lt2>
       <a:accent1>
-        <a:srgbClr val="4F81BD"/>
+        <a:srgbClr val="50742F"/>
       </a:accent1>
       <a:accent2>
-        <a:srgbClr val="C0504D"/>
+        <a:srgbClr val="268868"/>
       </a:accent2>
       <a:accent3>
-        <a:srgbClr val="9BBB59"/>
+        <a:srgbClr val="33BD56"/>
       </a:accent3>
       <a:accent4>
-        <a:srgbClr val="8064A2"/>
+        <a:srgbClr val="4BC5B9"/>
       </a:accent4>
       <a:accent5>
-        <a:srgbClr val="4BACC6"/>
+        <a:srgbClr val="3163CA"/>
       </a:accent5>
       <a:accent6>
-        <a:srgbClr val="F79646"/>
+        <a:srgbClr val="4B14AA"/>
       </a:accent6>
       <a:hlink>
-        <a:srgbClr val="0000FF"/>
+        <a:srgbClr val="D9BE02"/>
       </a:hlink>
       <a:folHlink>
-        <a:srgbClr val="800080"/>
+        <a:srgbClr val="F900F9"/>
       </a:folHlink>
     </a:clrScheme>
-    <a:fontScheme name="Office">
+    <a:fontScheme name="凤舞九天">
       <a:majorFont>
-        <a:latin typeface="Calibri"/>
+        <a:latin typeface="Footlight MT Light"/>
         <a:ea typeface=""/>
         <a:cs typeface=""/>
         <a:font script="Jpan" typeface="ＭＳ Ｐゴシック"/>
         <a:font script="Hang" typeface="맑은 고딕"/>
+        <a:font script="Hans" typeface="华文新魏"/>
+        <a:font script="Hant" typeface="微軟正黑體"/>
+        <a:font script="Arab" typeface="Arial"/>
+        <a:font script="Hebr" typeface="Arial"/>
+        <a:font script="Thai" typeface="Cordia New"/>
+        <a:font script="Ethi" typeface="Nyala"/>
+        <a:font script="Beng" typeface="Vrinda"/>
+        <a:font script="Gujr" typeface="Shruti"/>
+        <a:font script="Khmr" typeface="DaunPenh"/>
+        <a:font script="Knda" typeface="Tunga"/>
+        <a:font script="Guru" typeface="Raavi"/>
+        <a:font script="Cans" typeface="Euphemia"/>
+        <a:font script="Cher" typeface="Plantagenet Cherokee"/>
+        <a:font script="Yiii" typeface="Microsoft Yi Baiti"/>
+        <a:font script="Tibt" typeface="Microsoft Himalaya"/>
+        <a:font script="Thaa" typeface="MV Boli"/>
+        <a:font script="Deva" typeface="Mangal"/>
+        <a:font script="Telu" typeface="Gautami"/>
+        <a:font script="Taml" typeface="Latha"/>
+        <a:font script="Syrc" typeface="Estrangelo Edessa"/>
+        <a:font script="Orya" typeface="Kalinga"/>
+        <a:font script="Mlym" typeface="Kartika"/>
+        <a:font script="Laoo" typeface="DokChampa"/>
+        <a:font script="Sinh" typeface="Iskoola Pota"/>
+        <a:font script="Mong" typeface="Mongolian Baiti"/>
+        <a:font script="Viet" typeface="Arial"/>
+        <a:font script="Uigh" typeface="Microsoft Uighur"/>
+        <a:font script="Geor" typeface="Sylfaen"/>
+      </a:majorFont>
+      <a:minorFont>
+        <a:latin typeface="Goudy Old Style"/>
+        <a:ea typeface=""/>
+        <a:cs typeface=""/>
+        <a:font script="Jpan" typeface="ＭＳ Ｐ明朝"/>
+        <a:font script="Hang" typeface="HY견명조"/>
         <a:font script="Hans" typeface="宋体"/>
         <a:font script="Hant" typeface="新細明體"/>
         <a:font script="Arab" typeface="Times New Roman"/>
@@ -14188,101 +15392,70 @@
         <a:font script="Mong" typeface="Mongolian Baiti"/>
         <a:font script="Viet" typeface="Times New Roman"/>
         <a:font script="Uigh" typeface="Microsoft Uighur"/>
-      </a:majorFont>
-      <a:minorFont>
-        <a:latin typeface="Calibri"/>
-        <a:ea typeface=""/>
-        <a:cs typeface=""/>
-        <a:font script="Jpan" typeface="ＭＳ Ｐゴシック"/>
-        <a:font script="Hang" typeface="맑은 고딕"/>
-        <a:font script="Hans" typeface="宋体"/>
-        <a:font script="Hant" typeface="新細明體"/>
-        <a:font script="Arab" typeface="Arial"/>
-        <a:font script="Hebr" typeface="Arial"/>
-        <a:font script="Thai" typeface="Cordia New"/>
-        <a:font script="Ethi" typeface="Nyala"/>
-        <a:font script="Beng" typeface="Vrinda"/>
-        <a:font script="Gujr" typeface="Shruti"/>
-        <a:font script="Khmr" typeface="DaunPenh"/>
-        <a:font script="Knda" typeface="Tunga"/>
-        <a:font script="Guru" typeface="Raavi"/>
-        <a:font script="Cans" typeface="Euphemia"/>
-        <a:font script="Cher" typeface="Plantagenet Cherokee"/>
-        <a:font script="Yiii" typeface="Microsoft Yi Baiti"/>
-        <a:font script="Tibt" typeface="Microsoft Himalaya"/>
-        <a:font script="Thaa" typeface="MV Boli"/>
-        <a:font script="Deva" typeface="Mangal"/>
-        <a:font script="Telu" typeface="Gautami"/>
-        <a:font script="Taml" typeface="Latha"/>
-        <a:font script="Syrc" typeface="Estrangelo Edessa"/>
-        <a:font script="Orya" typeface="Kalinga"/>
-        <a:font script="Mlym" typeface="Kartika"/>
-        <a:font script="Laoo" typeface="DokChampa"/>
-        <a:font script="Sinh" typeface="Iskoola Pota"/>
-        <a:font script="Mong" typeface="Mongolian Baiti"/>
-        <a:font script="Viet" typeface="Arial"/>
-        <a:font script="Uigh" typeface="Microsoft Uighur"/>
+        <a:font script="Geor" typeface="Sylfaen"/>
       </a:minorFont>
     </a:fontScheme>
-    <a:fmtScheme name="Office">
+    <a:fmtScheme name="凤舞九天">
       <a:fillStyleLst>
         <a:solidFill>
-          <a:schemeClr val="phClr"/>
+          <a:schemeClr val="phClr">
+            <a:tint val="100000"/>
+            <a:shade val="100000"/>
+            <a:hueMod val="100000"/>
+            <a:satMod val="100000"/>
+          </a:schemeClr>
         </a:solidFill>
         <a:gradFill rotWithShape="1">
           <a:gsLst>
             <a:gs pos="0">
               <a:schemeClr val="phClr">
-                <a:tint val="50000"/>
-                <a:satMod val="300000"/>
+                <a:tint val="65000"/>
+                <a:satMod val="180000"/>
               </a:schemeClr>
             </a:gs>
-            <a:gs pos="35000">
+            <a:gs pos="50000">
               <a:schemeClr val="phClr">
-                <a:tint val="37000"/>
-                <a:satMod val="300000"/>
+                <a:tint val="40000"/>
+                <a:satMod val="175000"/>
               </a:schemeClr>
             </a:gs>
             <a:gs pos="100000">
               <a:schemeClr val="phClr">
-                <a:tint val="15000"/>
-                <a:satMod val="350000"/>
+                <a:tint val="65000"/>
+                <a:satMod val="180000"/>
               </a:schemeClr>
             </a:gs>
           </a:gsLst>
-          <a:lin ang="16200000" scaled="1"/>
+          <a:lin ang="0" scaled="1"/>
         </a:gradFill>
         <a:gradFill rotWithShape="1">
           <a:gsLst>
             <a:gs pos="0">
               <a:schemeClr val="phClr">
-                <a:shade val="51000"/>
-                <a:satMod val="130000"/>
+                <a:shade val="38000"/>
+                <a:satMod val="150000"/>
               </a:schemeClr>
             </a:gs>
-            <a:gs pos="80000">
+            <a:gs pos="50000">
               <a:schemeClr val="phClr">
-                <a:shade val="93000"/>
-                <a:satMod val="130000"/>
+                <a:shade val="100000"/>
+                <a:satMod val="100000"/>
               </a:schemeClr>
             </a:gs>
             <a:gs pos="100000">
               <a:schemeClr val="phClr">
-                <a:shade val="94000"/>
-                <a:satMod val="135000"/>
+                <a:shade val="38000"/>
+                <a:satMod val="150000"/>
               </a:schemeClr>
             </a:gs>
           </a:gsLst>
-          <a:lin ang="16200000" scaled="0"/>
+          <a:lin ang="0" scaled="1"/>
         </a:gradFill>
       </a:fillStyleLst>
       <a:lnStyleLst>
-        <a:ln w="9525" cap="flat" cmpd="sng" algn="ctr">
+        <a:ln w="12700" cap="flat" cmpd="sng" algn="ctr">
           <a:solidFill>
-            <a:schemeClr val="phClr">
-              <a:shade val="95000"/>
-              <a:satMod val="105000"/>
-            </a:schemeClr>
+            <a:schemeClr val="phClr"/>
           </a:solidFill>
           <a:prstDash val="solid"/>
         </a:ln>
@@ -14292,7 +15465,7 @@
           </a:solidFill>
           <a:prstDash val="solid"/>
         </a:ln>
-        <a:ln w="38100" cap="flat" cmpd="sng" algn="ctr">
+        <a:ln w="38100" cap="flat" cmpd="dbl" algn="ctr">
           <a:solidFill>
             <a:schemeClr val="phClr"/>
           </a:solidFill>
@@ -14302,92 +15475,96 @@
       <a:effectStyleLst>
         <a:effectStyle>
           <a:effectLst>
-            <a:outerShdw blurRad="40000" dist="20000" dir="5400000" rotWithShape="0">
+            <a:outerShdw blurRad="190500" dist="78600" dir="2700000" rotWithShape="0">
               <a:srgbClr val="000000">
-                <a:alpha val="38000"/>
+                <a:alpha val="35500"/>
               </a:srgbClr>
             </a:outerShdw>
           </a:effectLst>
         </a:effectStyle>
         <a:effectStyle>
           <a:effectLst>
-            <a:outerShdw blurRad="40000" dist="23000" dir="5400000" rotWithShape="0">
+            <a:outerShdw blurRad="190500" dist="78600" dir="2700000" rotWithShape="0">
               <a:srgbClr val="000000">
-                <a:alpha val="35000"/>
+                <a:alpha val="35500"/>
               </a:srgbClr>
             </a:outerShdw>
           </a:effectLst>
         </a:effectStyle>
         <a:effectStyle>
           <a:effectLst>
-            <a:outerShdw blurRad="40000" dist="23000" dir="5400000" rotWithShape="0">
+            <a:outerShdw blurRad="190500" dist="78600" dir="2700000" rotWithShape="0">
               <a:srgbClr val="000000">
-                <a:alpha val="35000"/>
+                <a:alpha val="35500"/>
               </a:srgbClr>
             </a:outerShdw>
           </a:effectLst>
           <a:scene3d>
-            <a:camera prst="orthographicFront">
+            <a:camera prst="orthographicFront" fov="0">
               <a:rot lat="0" lon="0" rev="0"/>
             </a:camera>
-            <a:lightRig rig="threePt" dir="t">
-              <a:rot lat="0" lon="0" rev="1200000"/>
+            <a:lightRig rig="soft" dir="tl">
+              <a:rot lat="0" lon="0" rev="20100000"/>
             </a:lightRig>
           </a:scene3d>
           <a:sp3d>
-            <a:bevelT w="63500" h="25400"/>
+            <a:bevelT w="50800" h="50800"/>
           </a:sp3d>
         </a:effectStyle>
       </a:effectStyleLst>
       <a:bgFillStyleLst>
         <a:solidFill>
-          <a:schemeClr val="phClr"/>
+          <a:schemeClr val="phClr">
+            <a:tint val="100000"/>
+            <a:shade val="100000"/>
+            <a:hueMod val="100000"/>
+            <a:satMod val="100000"/>
+          </a:schemeClr>
         </a:solidFill>
         <a:gradFill rotWithShape="1">
           <a:gsLst>
             <a:gs pos="0">
               <a:schemeClr val="phClr">
-                <a:tint val="40000"/>
-                <a:satMod val="350000"/>
+                <a:tint val="80000"/>
+                <a:satMod val="400000"/>
               </a:schemeClr>
             </a:gs>
-            <a:gs pos="40000">
+            <a:gs pos="25000">
               <a:schemeClr val="phClr">
-                <a:tint val="45000"/>
-                <a:shade val="99000"/>
-                <a:satMod val="350000"/>
-              </a:schemeClr>
-            </a:gs>
-            <a:gs pos="100000">
-              <a:schemeClr val="phClr">
-                <a:shade val="20000"/>
-                <a:satMod val="255000"/>
-              </a:schemeClr>
-            </a:gs>
-          </a:gsLst>
-          <a:path path="circle">
-            <a:fillToRect l="50000" t="-80000" r="50000" b="180000"/>
-          </a:path>
-        </a:gradFill>
-        <a:gradFill rotWithShape="1">
-          <a:gsLst>
-            <a:gs pos="0">
-              <a:schemeClr val="phClr">
-                <a:tint val="80000"/>
+                <a:tint val="83000"/>
                 <a:satMod val="300000"/>
               </a:schemeClr>
             </a:gs>
             <a:gs pos="100000">
               <a:schemeClr val="phClr">
-                <a:shade val="30000"/>
-                <a:satMod val="200000"/>
+                <a:shade val="15000"/>
+                <a:satMod val="300000"/>
               </a:schemeClr>
             </a:gs>
           </a:gsLst>
           <a:path path="circle">
-            <a:fillToRect l="50000" t="50000" r="50000" b="50000"/>
+            <a:fillToRect l="10000" t="180000" r="10000" b="50000"/>
           </a:path>
         </a:gradFill>
+        <a:blipFill>
+          <a:blip xmlns:r="http://schemas.openxmlformats.org/officeDocument/2006/relationships" r:embed="rId1">
+            <a:duotone>
+              <a:schemeClr val="phClr">
+                <a:tint val="100000"/>
+                <a:shade val="70000"/>
+                <a:hueMod val="100000"/>
+                <a:satMod val="100000"/>
+              </a:schemeClr>
+              <a:schemeClr val="phClr">
+                <a:tint val="90000"/>
+                <a:shade val="100000"/>
+                <a:hueMod val="100000"/>
+                <a:satMod val="100000"/>
+              </a:schemeClr>
+            </a:duotone>
+          </a:blip>
+          <a:tile tx="0" ty="0" sx="50000" sy="50000" flip="x" algn="tl"/>
+        </a:blipFill>
       </a:bgFillStyleLst>
     </a:fmtScheme>
   </a:themeElements>
